--- a/Hafta-4.pptx
+++ b/Hafta-4.pptx
@@ -5,10 +5,10 @@
     <p:sldMasterId id="2147483696" r:id="rId4"/>
   </p:sldMasterIdLst>
   <p:notesMasterIdLst>
-    <p:notesMasterId r:id="rId36"/>
+    <p:notesMasterId r:id="rId35"/>
   </p:notesMasterIdLst>
   <p:handoutMasterIdLst>
-    <p:handoutMasterId r:id="rId37"/>
+    <p:handoutMasterId r:id="rId36"/>
   </p:handoutMasterIdLst>
   <p:sldIdLst>
     <p:sldId id="306" r:id="rId5"/>
@@ -32,16 +32,15 @@
     <p:sldId id="409" r:id="rId23"/>
     <p:sldId id="410" r:id="rId24"/>
     <p:sldId id="411" r:id="rId25"/>
-    <p:sldId id="418" r:id="rId26"/>
-    <p:sldId id="419" r:id="rId27"/>
-    <p:sldId id="412" r:id="rId28"/>
-    <p:sldId id="413" r:id="rId29"/>
-    <p:sldId id="414" r:id="rId30"/>
-    <p:sldId id="415" r:id="rId31"/>
-    <p:sldId id="416" r:id="rId32"/>
-    <p:sldId id="417" r:id="rId33"/>
-    <p:sldId id="312" r:id="rId34"/>
-    <p:sldId id="394" r:id="rId35"/>
+    <p:sldId id="412" r:id="rId26"/>
+    <p:sldId id="413" r:id="rId27"/>
+    <p:sldId id="414" r:id="rId28"/>
+    <p:sldId id="415" r:id="rId29"/>
+    <p:sldId id="416" r:id="rId30"/>
+    <p:sldId id="417" r:id="rId31"/>
+    <p:sldId id="419" r:id="rId32"/>
+    <p:sldId id="312" r:id="rId33"/>
+    <p:sldId id="394" r:id="rId34"/>
   </p:sldIdLst>
   <p:sldSz cx="12192000" cy="6858000"/>
   <p:notesSz cx="6858000" cy="9144000"/>
@@ -267,7 +266,7 @@
           <a:p>
             <a:fld id="{AF536ADF-3EC2-4D6F-9F7F-1F88E3288139}" type="datetime1">
               <a:rPr lang="tr-TR" smtClean="0"/>
-              <a:t>27.10.2022</a:t>
+              <a:t>24.10.2023</a:t>
             </a:fld>
             <a:endParaRPr lang="tr-TR"/>
           </a:p>
@@ -447,7 +446,7 @@
             <a:pPr rtl="0"/>
             <a:fld id="{BA214D3A-912A-4866-90B4-0232CEDB2416}" type="datetime1">
               <a:rPr lang="tr-TR" noProof="0" smtClean="0"/>
-              <a:t>27.10.2022</a:t>
+              <a:t>24.10.2023</a:t>
             </a:fld>
             <a:endParaRPr lang="tr-TR" noProof="0"/>
           </a:p>
@@ -1974,7 +1973,7 @@
             <a:pPr rtl="0"/>
             <a:fld id="{D5939589-3E79-4C82-AA4A-FE78234FAA59}" type="slidenum">
               <a:rPr lang="tr-TR" smtClean="0"/>
-              <a:t>23</a:t>
+              <a:t>22</a:t>
             </a:fld>
             <a:endParaRPr lang="tr-TR"/>
           </a:p>
@@ -1983,7 +1982,7 @@
     </p:spTree>
     <p:extLst>
       <p:ext uri="{BB962C8B-B14F-4D97-AF65-F5344CB8AC3E}">
-        <p14:creationId xmlns:p14="http://schemas.microsoft.com/office/powerpoint/2010/main" val="2440536763"/>
+        <p14:creationId xmlns:p14="http://schemas.microsoft.com/office/powerpoint/2010/main" val="2591439883"/>
       </p:ext>
     </p:extLst>
   </p:cSld>
@@ -2059,7 +2058,7 @@
             <a:pPr rtl="0"/>
             <a:fld id="{D5939589-3E79-4C82-AA4A-FE78234FAA59}" type="slidenum">
               <a:rPr lang="tr-TR" smtClean="0"/>
-              <a:t>24</a:t>
+              <a:t>23</a:t>
             </a:fld>
             <a:endParaRPr lang="tr-TR"/>
           </a:p>
@@ -2068,7 +2067,7 @@
     </p:spTree>
     <p:extLst>
       <p:ext uri="{BB962C8B-B14F-4D97-AF65-F5344CB8AC3E}">
-        <p14:creationId xmlns:p14="http://schemas.microsoft.com/office/powerpoint/2010/main" val="2591439883"/>
+        <p14:creationId xmlns:p14="http://schemas.microsoft.com/office/powerpoint/2010/main" val="1181631997"/>
       </p:ext>
     </p:extLst>
   </p:cSld>
@@ -2144,7 +2143,7 @@
             <a:pPr rtl="0"/>
             <a:fld id="{D5939589-3E79-4C82-AA4A-FE78234FAA59}" type="slidenum">
               <a:rPr lang="tr-TR" smtClean="0"/>
-              <a:t>25</a:t>
+              <a:t>24</a:t>
             </a:fld>
             <a:endParaRPr lang="tr-TR"/>
           </a:p>
@@ -2153,7 +2152,7 @@
     </p:spTree>
     <p:extLst>
       <p:ext uri="{BB962C8B-B14F-4D97-AF65-F5344CB8AC3E}">
-        <p14:creationId xmlns:p14="http://schemas.microsoft.com/office/powerpoint/2010/main" val="1181631997"/>
+        <p14:creationId xmlns:p14="http://schemas.microsoft.com/office/powerpoint/2010/main" val="487432247"/>
       </p:ext>
     </p:extLst>
   </p:cSld>
@@ -2229,7 +2228,7 @@
             <a:pPr rtl="0"/>
             <a:fld id="{D5939589-3E79-4C82-AA4A-FE78234FAA59}" type="slidenum">
               <a:rPr lang="tr-TR" smtClean="0"/>
-              <a:t>26</a:t>
+              <a:t>25</a:t>
             </a:fld>
             <a:endParaRPr lang="tr-TR"/>
           </a:p>
@@ -2238,7 +2237,7 @@
     </p:spTree>
     <p:extLst>
       <p:ext uri="{BB962C8B-B14F-4D97-AF65-F5344CB8AC3E}">
-        <p14:creationId xmlns:p14="http://schemas.microsoft.com/office/powerpoint/2010/main" val="487432247"/>
+        <p14:creationId xmlns:p14="http://schemas.microsoft.com/office/powerpoint/2010/main" val="329721680"/>
       </p:ext>
     </p:extLst>
   </p:cSld>
@@ -2314,7 +2313,7 @@
             <a:pPr rtl="0"/>
             <a:fld id="{D5939589-3E79-4C82-AA4A-FE78234FAA59}" type="slidenum">
               <a:rPr lang="tr-TR" smtClean="0"/>
-              <a:t>27</a:t>
+              <a:t>26</a:t>
             </a:fld>
             <a:endParaRPr lang="tr-TR"/>
           </a:p>
@@ -2323,7 +2322,7 @@
     </p:spTree>
     <p:extLst>
       <p:ext uri="{BB962C8B-B14F-4D97-AF65-F5344CB8AC3E}">
-        <p14:creationId xmlns:p14="http://schemas.microsoft.com/office/powerpoint/2010/main" val="329721680"/>
+        <p14:creationId xmlns:p14="http://schemas.microsoft.com/office/powerpoint/2010/main" val="4000696253"/>
       </p:ext>
     </p:extLst>
   </p:cSld>
@@ -2399,7 +2398,7 @@
             <a:pPr rtl="0"/>
             <a:fld id="{D5939589-3E79-4C82-AA4A-FE78234FAA59}" type="slidenum">
               <a:rPr lang="tr-TR" smtClean="0"/>
-              <a:t>28</a:t>
+              <a:t>27</a:t>
             </a:fld>
             <a:endParaRPr lang="tr-TR"/>
           </a:p>
@@ -2408,7 +2407,7 @@
     </p:spTree>
     <p:extLst>
       <p:ext uri="{BB962C8B-B14F-4D97-AF65-F5344CB8AC3E}">
-        <p14:creationId xmlns:p14="http://schemas.microsoft.com/office/powerpoint/2010/main" val="4000696253"/>
+        <p14:creationId xmlns:p14="http://schemas.microsoft.com/office/powerpoint/2010/main" val="1823901210"/>
       </p:ext>
     </p:extLst>
   </p:cSld>
@@ -2484,7 +2483,7 @@
             <a:pPr rtl="0"/>
             <a:fld id="{D5939589-3E79-4C82-AA4A-FE78234FAA59}" type="slidenum">
               <a:rPr lang="tr-TR" smtClean="0"/>
-              <a:t>29</a:t>
+              <a:t>28</a:t>
             </a:fld>
             <a:endParaRPr lang="tr-TR"/>
           </a:p>
@@ -2493,7 +2492,7 @@
     </p:spTree>
     <p:extLst>
       <p:ext uri="{BB962C8B-B14F-4D97-AF65-F5344CB8AC3E}">
-        <p14:creationId xmlns:p14="http://schemas.microsoft.com/office/powerpoint/2010/main" val="1823901210"/>
+        <p14:creationId xmlns:p14="http://schemas.microsoft.com/office/powerpoint/2010/main" val="2440536763"/>
       </p:ext>
     </p:extLst>
   </p:cSld>
@@ -2569,7 +2568,7 @@
             <a:pPr rtl="0"/>
             <a:fld id="{D5939589-3E79-4C82-AA4A-FE78234FAA59}" type="slidenum">
               <a:rPr lang="tr-TR" smtClean="0"/>
-              <a:t>30</a:t>
+              <a:t>29</a:t>
             </a:fld>
             <a:endParaRPr lang="tr-TR"/>
           </a:p>
@@ -2739,7 +2738,7 @@
             <a:pPr rtl="0"/>
             <a:fld id="{D5939589-3E79-4C82-AA4A-FE78234FAA59}" type="slidenum">
               <a:rPr lang="tr-TR" smtClean="0"/>
-              <a:t>31</a:t>
+              <a:t>30</a:t>
             </a:fld>
             <a:endParaRPr lang="tr-TR"/>
           </a:p>
@@ -19308,10 +19307,10 @@
       </p:grpSpPr>
       <p:sp>
         <p:nvSpPr>
-          <p:cNvPr id="2" name="Başlık 1">
+          <p:cNvPr id="4" name="Başlık 3">
             <a:extLst>
               <a:ext uri="{FF2B5EF4-FFF2-40B4-BE49-F238E27FC236}">
-                <a16:creationId xmlns:a16="http://schemas.microsoft.com/office/drawing/2014/main" id="{DC384567-79A5-A60E-6AA7-978EBD70F0C9}"/>
+                <a16:creationId xmlns:a16="http://schemas.microsoft.com/office/drawing/2014/main" id="{55E27C7C-4B68-4BBC-BF36-8959D8493E4A}"/>
               </a:ext>
             </a:extLst>
           </p:cNvPr>
@@ -19324,21 +19323,79 @@
         </p:nvSpPr>
         <p:spPr>
           <a:xfrm>
-            <a:off x="838200" y="365126"/>
-            <a:ext cx="10515600" cy="584444"/>
+            <a:off x="838200" y="136525"/>
+            <a:ext cx="10515600" cy="610821"/>
           </a:xfrm>
         </p:spPr>
         <p:txBody>
-          <a:bodyPr>
-            <a:normAutofit fontScale="90000"/>
+          <a:bodyPr rtlCol="0">
+            <a:normAutofit/>
           </a:bodyPr>
           <a:lstStyle/>
           <a:p>
-            <a:pPr algn="ctr"/>
-            <a:r>
-              <a:rPr lang="tr-TR" sz="4800" dirty="0"/>
-              <a:t>Ödev-6</a:t>
-            </a:r>
+            <a:pPr marL="0" indent="0" algn="ctr">
+              <a:lnSpc>
+                <a:spcPts val="2700"/>
+              </a:lnSpc>
+              <a:spcBef>
+                <a:spcPts val="0"/>
+              </a:spcBef>
+              <a:spcAft>
+                <a:spcPts val="600"/>
+              </a:spcAft>
+              <a:buNone/>
+            </a:pPr>
+            <a:r>
+              <a:rPr lang="tr-TR" sz="4000" b="1" dirty="0">
+                <a:latin typeface="Times New Roman" panose="02020603050405020304" pitchFamily="18" charset="0"/>
+                <a:ea typeface="Calibri" panose="020F0502020204030204" pitchFamily="34" charset="0"/>
+                <a:cs typeface="Times New Roman" panose="02020603050405020304" pitchFamily="18" charset="0"/>
+              </a:rPr>
+              <a:t>Bulanık Kural Tabanı:</a:t>
+            </a:r>
+          </a:p>
+        </p:txBody>
+      </p:sp>
+      <p:sp>
+        <p:nvSpPr>
+          <p:cNvPr id="9" name="Slayt Numarası Yer Tutucusu 5">
+            <a:extLst>
+              <a:ext uri="{FF2B5EF4-FFF2-40B4-BE49-F238E27FC236}">
+                <a16:creationId xmlns:a16="http://schemas.microsoft.com/office/drawing/2014/main" id="{4FC290B8-BF94-4636-BFAB-9FD67F4AAC6D}"/>
+              </a:ext>
+            </a:extLst>
+          </p:cNvPr>
+          <p:cNvSpPr>
+            <a:spLocks noGrp="1"/>
+          </p:cNvSpPr>
+          <p:nvPr>
+            <p:ph type="sldNum" sz="quarter" idx="12"/>
+          </p:nvPr>
+        </p:nvSpPr>
+        <p:spPr>
+          <a:xfrm>
+            <a:off x="8610600" y="6356350"/>
+            <a:ext cx="2743200" cy="365125"/>
+          </a:xfrm>
+        </p:spPr>
+        <p:txBody>
+          <a:bodyPr rtlCol="0"/>
+          <a:lstStyle/>
+          <a:p>
+            <a:pPr rtl="0"/>
+            <a:fld id="{D8DA9DAA-006C-4F4B-980E-E3DF019B24E2}" type="slidenum">
+              <a:rPr lang="tr-TR" b="1" cap="all" spc="100" smtClean="0">
+                <a:solidFill>
+                  <a:schemeClr val="accent2"/>
+                </a:solidFill>
+              </a:rPr>
+              <a:t>22</a:t>
+            </a:fld>
+            <a:endParaRPr lang="tr-TR" b="1" cap="all" spc="100" dirty="0">
+              <a:solidFill>
+                <a:schemeClr val="accent2"/>
+              </a:solidFill>
+            </a:endParaRPr>
           </a:p>
         </p:txBody>
       </p:sp>
@@ -19347,7 +19404,7 @@
           <p:cNvPr id="3" name="İçerik Yer Tutucusu 2">
             <a:extLst>
               <a:ext uri="{FF2B5EF4-FFF2-40B4-BE49-F238E27FC236}">
-                <a16:creationId xmlns:a16="http://schemas.microsoft.com/office/drawing/2014/main" id="{23168087-90F4-E67E-AA37-EBAF8A572034}"/>
+                <a16:creationId xmlns:a16="http://schemas.microsoft.com/office/drawing/2014/main" id="{839B2505-A752-6959-A64F-4ADB0FD16C45}"/>
               </a:ext>
             </a:extLst>
           </p:cNvPr>
@@ -19360,52 +19417,219 @@
         </p:nvSpPr>
         <p:spPr>
           <a:xfrm>
-            <a:off x="838200" y="1055076"/>
-            <a:ext cx="10515600" cy="5301273"/>
+            <a:off x="838200" y="747346"/>
+            <a:ext cx="10515600" cy="5732585"/>
           </a:xfrm>
         </p:spPr>
         <p:txBody>
-          <a:bodyPr/>
+          <a:bodyPr>
+            <a:normAutofit/>
+          </a:bodyPr>
           <a:lstStyle/>
           <a:p>
-            <a:endParaRPr lang="tr-TR" dirty="0"/>
-          </a:p>
-        </p:txBody>
-      </p:sp>
-      <p:sp>
-        <p:nvSpPr>
-          <p:cNvPr id="4" name="Slayt Numarası Yer Tutucusu 3">
-            <a:extLst>
-              <a:ext uri="{FF2B5EF4-FFF2-40B4-BE49-F238E27FC236}">
-                <a16:creationId xmlns:a16="http://schemas.microsoft.com/office/drawing/2014/main" id="{E02D136A-4137-6182-8757-F6BF47628826}"/>
-              </a:ext>
-            </a:extLst>
-          </p:cNvPr>
-          <p:cNvSpPr>
-            <a:spLocks noGrp="1"/>
-          </p:cNvSpPr>
-          <p:nvPr>
-            <p:ph type="sldNum" sz="quarter" idx="12"/>
-          </p:nvPr>
-        </p:nvSpPr>
-        <p:spPr/>
-        <p:txBody>
-          <a:bodyPr/>
-          <a:lstStyle/>
-          <a:p>
-            <a:pPr rtl="0"/>
-            <a:fld id="{D8DA9DAA-006C-4F4B-980E-E3DF019B24E2}" type="slidenum">
-              <a:rPr lang="tr-TR" noProof="0" smtClean="0"/>
-              <a:t>22</a:t>
-            </a:fld>
-            <a:endParaRPr lang="tr-TR" noProof="0"/>
+            <a:pPr algn="just">
+              <a:lnSpc>
+                <a:spcPts val="2700"/>
+              </a:lnSpc>
+              <a:spcBef>
+                <a:spcPts val="0"/>
+              </a:spcBef>
+              <a:spcAft>
+                <a:spcPts val="1200"/>
+              </a:spcAft>
+            </a:pPr>
+            <a:r>
+              <a:rPr lang="tr-TR" sz="2200" dirty="0">
+                <a:latin typeface="Times New Roman" panose="02020603050405020304" pitchFamily="18" charset="0"/>
+                <a:cs typeface="Times New Roman" panose="02020603050405020304" pitchFamily="18" charset="0"/>
+              </a:rPr>
+              <a:t>Şimdiye kadar sadece bulanık kurallara baktık.</a:t>
+            </a:r>
+          </a:p>
+          <a:p>
+            <a:pPr algn="just">
+              <a:lnSpc>
+                <a:spcPts val="2700"/>
+              </a:lnSpc>
+              <a:spcBef>
+                <a:spcPts val="0"/>
+              </a:spcBef>
+              <a:spcAft>
+                <a:spcPts val="1200"/>
+              </a:spcAft>
+            </a:pPr>
+            <a:r>
+              <a:rPr lang="tr-TR" sz="2200" dirty="0">
+                <a:latin typeface="Times New Roman" panose="02020603050405020304" pitchFamily="18" charset="0"/>
+                <a:cs typeface="Times New Roman" panose="02020603050405020304" pitchFamily="18" charset="0"/>
+              </a:rPr>
+              <a:t>Bir bulanık bilgi tabanı daima birçok bulanık kuralları içerir.</a:t>
+            </a:r>
+          </a:p>
+          <a:p>
+            <a:pPr algn="just">
+              <a:lnSpc>
+                <a:spcPts val="2700"/>
+              </a:lnSpc>
+              <a:spcBef>
+                <a:spcPts val="0"/>
+              </a:spcBef>
+              <a:spcAft>
+                <a:spcPts val="1200"/>
+              </a:spcAft>
+            </a:pPr>
+            <a:r>
+              <a:rPr lang="tr-TR" sz="2200" dirty="0">
+                <a:latin typeface="Times New Roman" panose="02020603050405020304" pitchFamily="18" charset="0"/>
+                <a:cs typeface="Times New Roman" panose="02020603050405020304" pitchFamily="18" charset="0"/>
+              </a:rPr>
+              <a:t>Bulanık kuralların yapısı kesin katı kuralları içermez.</a:t>
+            </a:r>
+          </a:p>
+          <a:p>
+            <a:pPr algn="just">
+              <a:lnSpc>
+                <a:spcPts val="2700"/>
+              </a:lnSpc>
+              <a:spcBef>
+                <a:spcPts val="0"/>
+              </a:spcBef>
+              <a:spcAft>
+                <a:spcPts val="1200"/>
+              </a:spcAft>
+            </a:pPr>
+            <a:r>
+              <a:rPr lang="tr-TR" sz="2200" dirty="0">
+                <a:latin typeface="Times New Roman" panose="02020603050405020304" pitchFamily="18" charset="0"/>
+                <a:cs typeface="Times New Roman" panose="02020603050405020304" pitchFamily="18" charset="0"/>
+              </a:rPr>
+              <a:t>Günümüzde birçok mühendislik uygulamalarında bulanık kurallar IF-THEN yapısı ile ifade edilirler.</a:t>
+            </a:r>
+          </a:p>
+          <a:p>
+            <a:pPr marL="0" indent="0" algn="ctr">
+              <a:lnSpc>
+                <a:spcPts val="2700"/>
+              </a:lnSpc>
+              <a:spcBef>
+                <a:spcPts val="0"/>
+              </a:spcBef>
+              <a:spcAft>
+                <a:spcPts val="1200"/>
+              </a:spcAft>
+              <a:buNone/>
+            </a:pPr>
+            <a:r>
+              <a:rPr lang="tr-TR" sz="2200" dirty="0">
+                <a:latin typeface="Times New Roman" panose="02020603050405020304" pitchFamily="18" charset="0"/>
+                <a:cs typeface="Times New Roman" panose="02020603050405020304" pitchFamily="18" charset="0"/>
+              </a:rPr>
+              <a:t>IF &lt;KOŞULLAR&gt; THEN &lt;EYLEM&gt;</a:t>
+            </a:r>
+          </a:p>
+          <a:p>
+            <a:pPr algn="just">
+              <a:lnSpc>
+                <a:spcPts val="2700"/>
+              </a:lnSpc>
+              <a:spcBef>
+                <a:spcPts val="0"/>
+              </a:spcBef>
+              <a:spcAft>
+                <a:spcPts val="1200"/>
+              </a:spcAft>
+            </a:pPr>
+            <a:r>
+              <a:rPr lang="tr-TR" sz="2200" dirty="0">
+                <a:latin typeface="Times New Roman" panose="02020603050405020304" pitchFamily="18" charset="0"/>
+                <a:cs typeface="Times New Roman" panose="02020603050405020304" pitchFamily="18" charset="0"/>
+              </a:rPr>
+              <a:t>Bu esas olarak:</a:t>
+            </a:r>
+          </a:p>
+          <a:p>
+            <a:pPr lvl="1" algn="just">
+              <a:lnSpc>
+                <a:spcPts val="2700"/>
+              </a:lnSpc>
+              <a:spcBef>
+                <a:spcPts val="0"/>
+              </a:spcBef>
+              <a:spcAft>
+                <a:spcPts val="1200"/>
+              </a:spcAft>
+            </a:pPr>
+            <a:r>
+              <a:rPr lang="tr-TR" sz="2200" dirty="0">
+                <a:latin typeface="Times New Roman" panose="02020603050405020304" pitchFamily="18" charset="0"/>
+                <a:cs typeface="Times New Roman" panose="02020603050405020304" pitchFamily="18" charset="0"/>
+              </a:rPr>
+              <a:t>Uzman insanların kolay bir yoldan tecrübe ve bilgilerini aktarması,</a:t>
+            </a:r>
+          </a:p>
+          <a:p>
+            <a:pPr lvl="1" algn="just">
+              <a:lnSpc>
+                <a:spcPts val="2700"/>
+              </a:lnSpc>
+              <a:spcBef>
+                <a:spcPts val="0"/>
+              </a:spcBef>
+              <a:spcAft>
+                <a:spcPts val="1200"/>
+              </a:spcAft>
+            </a:pPr>
+            <a:r>
+              <a:rPr lang="tr-TR" sz="2200" dirty="0">
+                <a:latin typeface="Times New Roman" panose="02020603050405020304" pitchFamily="18" charset="0"/>
+                <a:cs typeface="Times New Roman" panose="02020603050405020304" pitchFamily="18" charset="0"/>
+              </a:rPr>
+              <a:t>Program tasarımcısının bulanık kuralları kolay bir şekilde programlaması,</a:t>
+            </a:r>
+          </a:p>
+          <a:p>
+            <a:pPr lvl="1" algn="just">
+              <a:lnSpc>
+                <a:spcPts val="2700"/>
+              </a:lnSpc>
+              <a:spcBef>
+                <a:spcPts val="0"/>
+              </a:spcBef>
+              <a:spcAft>
+                <a:spcPts val="1200"/>
+              </a:spcAft>
+            </a:pPr>
+            <a:r>
+              <a:rPr lang="tr-TR" sz="2200" dirty="0">
+                <a:latin typeface="Times New Roman" panose="02020603050405020304" pitchFamily="18" charset="0"/>
+                <a:cs typeface="Times New Roman" panose="02020603050405020304" pitchFamily="18" charset="0"/>
+              </a:rPr>
+              <a:t>Tasarım maliyetini düşürmek ve iyi bulanık çıkarım etkinliği, arzulandığında yapılır.</a:t>
+            </a:r>
+          </a:p>
+          <a:p>
+            <a:pPr algn="just">
+              <a:lnSpc>
+                <a:spcPts val="2700"/>
+              </a:lnSpc>
+              <a:spcBef>
+                <a:spcPts val="0"/>
+              </a:spcBef>
+              <a:spcAft>
+                <a:spcPts val="1200"/>
+              </a:spcAft>
+            </a:pPr>
+            <a:endParaRPr lang="tr-TR" sz="2200" dirty="0">
+              <a:latin typeface="Times New Roman" panose="02020603050405020304" pitchFamily="18" charset="0"/>
+              <a:cs typeface="Times New Roman" panose="02020603050405020304" pitchFamily="18" charset="0"/>
+            </a:endParaRPr>
           </a:p>
         </p:txBody>
       </p:sp>
     </p:spTree>
     <p:extLst>
       <p:ext uri="{BB962C8B-B14F-4D97-AF65-F5344CB8AC3E}">
-        <p14:creationId xmlns:p14="http://schemas.microsoft.com/office/powerpoint/2010/main" val="229271300"/>
+        <p14:creationId xmlns:p14="http://schemas.microsoft.com/office/powerpoint/2010/main" val="1894505125"/>
       </p:ext>
     </p:extLst>
   </p:cSld>
@@ -19450,6 +19674,1727 @@
         </p:nvSpPr>
         <p:spPr>
           <a:xfrm>
+            <a:off x="838200" y="136525"/>
+            <a:ext cx="10515600" cy="610821"/>
+          </a:xfrm>
+        </p:spPr>
+        <p:txBody>
+          <a:bodyPr rtlCol="0">
+            <a:normAutofit/>
+          </a:bodyPr>
+          <a:lstStyle/>
+          <a:p>
+            <a:pPr marL="0" indent="0" algn="ctr">
+              <a:lnSpc>
+                <a:spcPts val="2700"/>
+              </a:lnSpc>
+              <a:spcBef>
+                <a:spcPts val="0"/>
+              </a:spcBef>
+              <a:spcAft>
+                <a:spcPts val="600"/>
+              </a:spcAft>
+              <a:buNone/>
+            </a:pPr>
+            <a:r>
+              <a:rPr lang="tr-TR" sz="4000" b="1" dirty="0">
+                <a:latin typeface="Times New Roman" panose="02020603050405020304" pitchFamily="18" charset="0"/>
+                <a:ea typeface="Calibri" panose="020F0502020204030204" pitchFamily="34" charset="0"/>
+                <a:cs typeface="Times New Roman" panose="02020603050405020304" pitchFamily="18" charset="0"/>
+              </a:rPr>
+              <a:t>Bulanık Kural Tabanı:</a:t>
+            </a:r>
+          </a:p>
+        </p:txBody>
+      </p:sp>
+      <p:sp>
+        <p:nvSpPr>
+          <p:cNvPr id="9" name="Slayt Numarası Yer Tutucusu 5">
+            <a:extLst>
+              <a:ext uri="{FF2B5EF4-FFF2-40B4-BE49-F238E27FC236}">
+                <a16:creationId xmlns:a16="http://schemas.microsoft.com/office/drawing/2014/main" id="{4FC290B8-BF94-4636-BFAB-9FD67F4AAC6D}"/>
+              </a:ext>
+            </a:extLst>
+          </p:cNvPr>
+          <p:cNvSpPr>
+            <a:spLocks noGrp="1"/>
+          </p:cNvSpPr>
+          <p:nvPr>
+            <p:ph type="sldNum" sz="quarter" idx="12"/>
+          </p:nvPr>
+        </p:nvSpPr>
+        <p:spPr>
+          <a:xfrm>
+            <a:off x="8610600" y="6356350"/>
+            <a:ext cx="2743200" cy="365125"/>
+          </a:xfrm>
+        </p:spPr>
+        <p:txBody>
+          <a:bodyPr rtlCol="0"/>
+          <a:lstStyle/>
+          <a:p>
+            <a:pPr rtl="0"/>
+            <a:fld id="{D8DA9DAA-006C-4F4B-980E-E3DF019B24E2}" type="slidenum">
+              <a:rPr lang="tr-TR" b="1" cap="all" spc="100" smtClean="0">
+                <a:solidFill>
+                  <a:schemeClr val="accent2"/>
+                </a:solidFill>
+              </a:rPr>
+              <a:t>23</a:t>
+            </a:fld>
+            <a:endParaRPr lang="tr-TR" b="1" cap="all" spc="100" dirty="0">
+              <a:solidFill>
+                <a:schemeClr val="accent2"/>
+              </a:solidFill>
+            </a:endParaRPr>
+          </a:p>
+        </p:txBody>
+      </p:sp>
+      <p:sp>
+        <p:nvSpPr>
+          <p:cNvPr id="3" name="İçerik Yer Tutucusu 2">
+            <a:extLst>
+              <a:ext uri="{FF2B5EF4-FFF2-40B4-BE49-F238E27FC236}">
+                <a16:creationId xmlns:a16="http://schemas.microsoft.com/office/drawing/2014/main" id="{839B2505-A752-6959-A64F-4ADB0FD16C45}"/>
+              </a:ext>
+            </a:extLst>
+          </p:cNvPr>
+          <p:cNvSpPr>
+            <a:spLocks noGrp="1"/>
+          </p:cNvSpPr>
+          <p:nvPr>
+            <p:ph idx="1"/>
+          </p:nvPr>
+        </p:nvSpPr>
+        <p:spPr>
+          <a:xfrm>
+            <a:off x="838200" y="747346"/>
+            <a:ext cx="10515600" cy="5732585"/>
+          </a:xfrm>
+        </p:spPr>
+        <p:txBody>
+          <a:bodyPr>
+            <a:normAutofit/>
+          </a:bodyPr>
+          <a:lstStyle/>
+          <a:p>
+            <a:pPr algn="just">
+              <a:lnSpc>
+                <a:spcPts val="2700"/>
+              </a:lnSpc>
+              <a:spcBef>
+                <a:spcPts val="0"/>
+              </a:spcBef>
+              <a:spcAft>
+                <a:spcPts val="1200"/>
+              </a:spcAft>
+            </a:pPr>
+            <a:r>
+              <a:rPr lang="tr-TR" sz="2200" dirty="0">
+                <a:latin typeface="Times New Roman" panose="02020603050405020304" pitchFamily="18" charset="0"/>
+                <a:cs typeface="Times New Roman" panose="02020603050405020304" pitchFamily="18" charset="0"/>
+              </a:rPr>
+              <a:t>Şimdiye kadar sadece bulanık kurallara baktık.</a:t>
+            </a:r>
+          </a:p>
+          <a:p>
+            <a:pPr algn="just">
+              <a:lnSpc>
+                <a:spcPts val="2700"/>
+              </a:lnSpc>
+              <a:spcBef>
+                <a:spcPts val="0"/>
+              </a:spcBef>
+              <a:spcAft>
+                <a:spcPts val="1200"/>
+              </a:spcAft>
+            </a:pPr>
+            <a:r>
+              <a:rPr lang="tr-TR" sz="2200" dirty="0">
+                <a:latin typeface="Times New Roman" panose="02020603050405020304" pitchFamily="18" charset="0"/>
+                <a:cs typeface="Times New Roman" panose="02020603050405020304" pitchFamily="18" charset="0"/>
+              </a:rPr>
+              <a:t>Bir bulanık bilgi tabanı daima birçok bulanık kuralları içerir.</a:t>
+            </a:r>
+          </a:p>
+          <a:p>
+            <a:pPr algn="just">
+              <a:lnSpc>
+                <a:spcPts val="2700"/>
+              </a:lnSpc>
+              <a:spcBef>
+                <a:spcPts val="0"/>
+              </a:spcBef>
+              <a:spcAft>
+                <a:spcPts val="1200"/>
+              </a:spcAft>
+            </a:pPr>
+            <a:r>
+              <a:rPr lang="tr-TR" sz="2200" dirty="0">
+                <a:latin typeface="Times New Roman" panose="02020603050405020304" pitchFamily="18" charset="0"/>
+                <a:cs typeface="Times New Roman" panose="02020603050405020304" pitchFamily="18" charset="0"/>
+              </a:rPr>
+              <a:t>Bulanık kuralların yapısı kesin katı kuralları içermez.</a:t>
+            </a:r>
+          </a:p>
+          <a:p>
+            <a:pPr algn="just">
+              <a:lnSpc>
+                <a:spcPts val="2700"/>
+              </a:lnSpc>
+              <a:spcBef>
+                <a:spcPts val="0"/>
+              </a:spcBef>
+              <a:spcAft>
+                <a:spcPts val="1200"/>
+              </a:spcAft>
+            </a:pPr>
+            <a:r>
+              <a:rPr lang="tr-TR" sz="2200" dirty="0">
+                <a:latin typeface="Times New Roman" panose="02020603050405020304" pitchFamily="18" charset="0"/>
+                <a:cs typeface="Times New Roman" panose="02020603050405020304" pitchFamily="18" charset="0"/>
+              </a:rPr>
+              <a:t>Günümüzde birçok mühendislik uygulamalarında bulanık kurallar IF-THEN yapısı ile ifade edilirler.</a:t>
+            </a:r>
+          </a:p>
+          <a:p>
+            <a:pPr marL="0" indent="0" algn="ctr">
+              <a:lnSpc>
+                <a:spcPts val="2700"/>
+              </a:lnSpc>
+              <a:spcBef>
+                <a:spcPts val="0"/>
+              </a:spcBef>
+              <a:spcAft>
+                <a:spcPts val="1200"/>
+              </a:spcAft>
+              <a:buNone/>
+            </a:pPr>
+            <a:r>
+              <a:rPr lang="tr-TR" sz="2200" dirty="0">
+                <a:latin typeface="Times New Roman" panose="02020603050405020304" pitchFamily="18" charset="0"/>
+                <a:cs typeface="Times New Roman" panose="02020603050405020304" pitchFamily="18" charset="0"/>
+              </a:rPr>
+              <a:t>IF &lt;KOŞULLAR&gt; THEN &lt;EYLEM&gt;</a:t>
+            </a:r>
+          </a:p>
+          <a:p>
+            <a:pPr algn="just">
+              <a:lnSpc>
+                <a:spcPts val="2700"/>
+              </a:lnSpc>
+              <a:spcBef>
+                <a:spcPts val="0"/>
+              </a:spcBef>
+              <a:spcAft>
+                <a:spcPts val="1200"/>
+              </a:spcAft>
+            </a:pPr>
+            <a:r>
+              <a:rPr lang="tr-TR" sz="2200" dirty="0">
+                <a:latin typeface="Times New Roman" panose="02020603050405020304" pitchFamily="18" charset="0"/>
+                <a:cs typeface="Times New Roman" panose="02020603050405020304" pitchFamily="18" charset="0"/>
+              </a:rPr>
+              <a:t>Bu esas olarak:</a:t>
+            </a:r>
+          </a:p>
+          <a:p>
+            <a:pPr lvl="1" algn="just">
+              <a:lnSpc>
+                <a:spcPts val="2700"/>
+              </a:lnSpc>
+              <a:spcBef>
+                <a:spcPts val="0"/>
+              </a:spcBef>
+              <a:spcAft>
+                <a:spcPts val="1200"/>
+              </a:spcAft>
+            </a:pPr>
+            <a:r>
+              <a:rPr lang="tr-TR" sz="2200" dirty="0">
+                <a:latin typeface="Times New Roman" panose="02020603050405020304" pitchFamily="18" charset="0"/>
+                <a:cs typeface="Times New Roman" panose="02020603050405020304" pitchFamily="18" charset="0"/>
+              </a:rPr>
+              <a:t>Uzman insanların kolay bir yoldan tecrübe ve bilgilerini aktarması,</a:t>
+            </a:r>
+          </a:p>
+          <a:p>
+            <a:pPr lvl="1" algn="just">
+              <a:lnSpc>
+                <a:spcPts val="2700"/>
+              </a:lnSpc>
+              <a:spcBef>
+                <a:spcPts val="0"/>
+              </a:spcBef>
+              <a:spcAft>
+                <a:spcPts val="1200"/>
+              </a:spcAft>
+            </a:pPr>
+            <a:r>
+              <a:rPr lang="tr-TR" sz="2200" dirty="0">
+                <a:latin typeface="Times New Roman" panose="02020603050405020304" pitchFamily="18" charset="0"/>
+                <a:cs typeface="Times New Roman" panose="02020603050405020304" pitchFamily="18" charset="0"/>
+              </a:rPr>
+              <a:t>Program tasarımcısının bulanık kuralları kolay bir şekilde programlaması,</a:t>
+            </a:r>
+          </a:p>
+          <a:p>
+            <a:pPr lvl="1" algn="just">
+              <a:lnSpc>
+                <a:spcPts val="2700"/>
+              </a:lnSpc>
+              <a:spcBef>
+                <a:spcPts val="0"/>
+              </a:spcBef>
+              <a:spcAft>
+                <a:spcPts val="1200"/>
+              </a:spcAft>
+            </a:pPr>
+            <a:r>
+              <a:rPr lang="tr-TR" sz="2200" dirty="0">
+                <a:latin typeface="Times New Roman" panose="02020603050405020304" pitchFamily="18" charset="0"/>
+                <a:cs typeface="Times New Roman" panose="02020603050405020304" pitchFamily="18" charset="0"/>
+              </a:rPr>
+              <a:t>Tasarım maliyetini düşürmek ve iyi bulanık çıkarım etkinliği, arzulandığında yapılır.</a:t>
+            </a:r>
+          </a:p>
+          <a:p>
+            <a:pPr algn="just">
+              <a:lnSpc>
+                <a:spcPts val="2700"/>
+              </a:lnSpc>
+              <a:spcBef>
+                <a:spcPts val="0"/>
+              </a:spcBef>
+              <a:spcAft>
+                <a:spcPts val="1200"/>
+              </a:spcAft>
+            </a:pPr>
+            <a:endParaRPr lang="tr-TR" sz="2200" dirty="0">
+              <a:latin typeface="Times New Roman" panose="02020603050405020304" pitchFamily="18" charset="0"/>
+              <a:cs typeface="Times New Roman" panose="02020603050405020304" pitchFamily="18" charset="0"/>
+            </a:endParaRPr>
+          </a:p>
+        </p:txBody>
+      </p:sp>
+    </p:spTree>
+    <p:extLst>
+      <p:ext uri="{BB962C8B-B14F-4D97-AF65-F5344CB8AC3E}">
+        <p14:creationId xmlns:p14="http://schemas.microsoft.com/office/powerpoint/2010/main" val="1523370829"/>
+      </p:ext>
+    </p:extLst>
+  </p:cSld>
+  <p:clrMapOvr>
+    <a:masterClrMapping/>
+  </p:clrMapOvr>
+</p:sld>
+</file>
+
+<file path=ppt/slides/slide24.xml><?xml version="1.0" encoding="utf-8"?>
+<p:sld xmlns:a="http://schemas.openxmlformats.org/drawingml/2006/main" xmlns:r="http://schemas.openxmlformats.org/officeDocument/2006/relationships" xmlns:p="http://schemas.openxmlformats.org/presentationml/2006/main">
+  <p:cSld>
+    <p:spTree>
+      <p:nvGrpSpPr>
+        <p:cNvPr id="1" name=""/>
+        <p:cNvGrpSpPr/>
+        <p:nvPr/>
+      </p:nvGrpSpPr>
+      <p:grpSpPr>
+        <a:xfrm>
+          <a:off x="0" y="0"/>
+          <a:ext cx="0" cy="0"/>
+          <a:chOff x="0" y="0"/>
+          <a:chExt cx="0" cy="0"/>
+        </a:xfrm>
+      </p:grpSpPr>
+      <p:sp>
+        <p:nvSpPr>
+          <p:cNvPr id="4" name="Başlık 3">
+            <a:extLst>
+              <a:ext uri="{FF2B5EF4-FFF2-40B4-BE49-F238E27FC236}">
+                <a16:creationId xmlns:a16="http://schemas.microsoft.com/office/drawing/2014/main" id="{55E27C7C-4B68-4BBC-BF36-8959D8493E4A}"/>
+              </a:ext>
+            </a:extLst>
+          </p:cNvPr>
+          <p:cNvSpPr>
+            <a:spLocks noGrp="1"/>
+          </p:cNvSpPr>
+          <p:nvPr>
+            <p:ph type="title"/>
+          </p:nvPr>
+        </p:nvSpPr>
+        <p:spPr>
+          <a:xfrm>
+            <a:off x="838200" y="136525"/>
+            <a:ext cx="10515600" cy="610821"/>
+          </a:xfrm>
+        </p:spPr>
+        <p:txBody>
+          <a:bodyPr rtlCol="0">
+            <a:normAutofit/>
+          </a:bodyPr>
+          <a:lstStyle/>
+          <a:p>
+            <a:pPr marL="0" indent="0" algn="ctr">
+              <a:lnSpc>
+                <a:spcPts val="2700"/>
+              </a:lnSpc>
+              <a:spcBef>
+                <a:spcPts val="0"/>
+              </a:spcBef>
+              <a:spcAft>
+                <a:spcPts val="600"/>
+              </a:spcAft>
+              <a:buNone/>
+            </a:pPr>
+            <a:r>
+              <a:rPr lang="tr-TR" sz="4000" b="1" dirty="0">
+                <a:latin typeface="Times New Roman" panose="02020603050405020304" pitchFamily="18" charset="0"/>
+                <a:ea typeface="Calibri" panose="020F0502020204030204" pitchFamily="34" charset="0"/>
+                <a:cs typeface="Times New Roman" panose="02020603050405020304" pitchFamily="18" charset="0"/>
+              </a:rPr>
+              <a:t>Bulanık Anlamlandırma:</a:t>
+            </a:r>
+          </a:p>
+        </p:txBody>
+      </p:sp>
+      <p:sp>
+        <p:nvSpPr>
+          <p:cNvPr id="9" name="Slayt Numarası Yer Tutucusu 5">
+            <a:extLst>
+              <a:ext uri="{FF2B5EF4-FFF2-40B4-BE49-F238E27FC236}">
+                <a16:creationId xmlns:a16="http://schemas.microsoft.com/office/drawing/2014/main" id="{4FC290B8-BF94-4636-BFAB-9FD67F4AAC6D}"/>
+              </a:ext>
+            </a:extLst>
+          </p:cNvPr>
+          <p:cNvSpPr>
+            <a:spLocks noGrp="1"/>
+          </p:cNvSpPr>
+          <p:nvPr>
+            <p:ph type="sldNum" sz="quarter" idx="12"/>
+          </p:nvPr>
+        </p:nvSpPr>
+        <p:spPr>
+          <a:xfrm>
+            <a:off x="8610600" y="6356350"/>
+            <a:ext cx="2743200" cy="365125"/>
+          </a:xfrm>
+        </p:spPr>
+        <p:txBody>
+          <a:bodyPr rtlCol="0"/>
+          <a:lstStyle/>
+          <a:p>
+            <a:pPr rtl="0"/>
+            <a:fld id="{D8DA9DAA-006C-4F4B-980E-E3DF019B24E2}" type="slidenum">
+              <a:rPr lang="tr-TR" b="1" cap="all" spc="100" smtClean="0">
+                <a:solidFill>
+                  <a:schemeClr val="accent2"/>
+                </a:solidFill>
+              </a:rPr>
+              <a:t>24</a:t>
+            </a:fld>
+            <a:endParaRPr lang="tr-TR" b="1" cap="all" spc="100" dirty="0">
+              <a:solidFill>
+                <a:schemeClr val="accent2"/>
+              </a:solidFill>
+            </a:endParaRPr>
+          </a:p>
+        </p:txBody>
+      </p:sp>
+      <p:sp>
+        <p:nvSpPr>
+          <p:cNvPr id="3" name="İçerik Yer Tutucusu 2">
+            <a:extLst>
+              <a:ext uri="{FF2B5EF4-FFF2-40B4-BE49-F238E27FC236}">
+                <a16:creationId xmlns:a16="http://schemas.microsoft.com/office/drawing/2014/main" id="{839B2505-A752-6959-A64F-4ADB0FD16C45}"/>
+              </a:ext>
+            </a:extLst>
+          </p:cNvPr>
+          <p:cNvSpPr>
+            <a:spLocks noGrp="1"/>
+          </p:cNvSpPr>
+          <p:nvPr>
+            <p:ph idx="1"/>
+          </p:nvPr>
+        </p:nvSpPr>
+        <p:spPr>
+          <a:xfrm>
+            <a:off x="838200" y="747346"/>
+            <a:ext cx="10515600" cy="5732585"/>
+          </a:xfrm>
+        </p:spPr>
+        <p:txBody>
+          <a:bodyPr>
+            <a:normAutofit/>
+          </a:bodyPr>
+          <a:lstStyle/>
+          <a:p>
+            <a:pPr algn="just">
+              <a:lnSpc>
+                <a:spcPts val="2700"/>
+              </a:lnSpc>
+              <a:spcBef>
+                <a:spcPts val="0"/>
+              </a:spcBef>
+              <a:spcAft>
+                <a:spcPts val="1200"/>
+              </a:spcAft>
+            </a:pPr>
+            <a:r>
+              <a:rPr lang="tr-TR" sz="2200" dirty="0">
+                <a:latin typeface="Times New Roman" panose="02020603050405020304" pitchFamily="18" charset="0"/>
+                <a:cs typeface="Times New Roman" panose="02020603050405020304" pitchFamily="18" charset="0"/>
+              </a:rPr>
+              <a:t>Bulanık bilgi tabanında her bir kural bir bulanık ilişkiye dayanır.</a:t>
+            </a:r>
+          </a:p>
+          <a:p>
+            <a:pPr algn="just">
+              <a:lnSpc>
+                <a:spcPts val="2700"/>
+              </a:lnSpc>
+              <a:spcBef>
+                <a:spcPts val="0"/>
+              </a:spcBef>
+              <a:spcAft>
+                <a:spcPts val="1200"/>
+              </a:spcAft>
+            </a:pPr>
+            <a:r>
+              <a:rPr lang="tr-TR" sz="2200" dirty="0">
+                <a:latin typeface="Times New Roman" panose="02020603050405020304" pitchFamily="18" charset="0"/>
+                <a:cs typeface="Times New Roman" panose="02020603050405020304" pitchFamily="18" charset="0"/>
+              </a:rPr>
+              <a:t>Daha önce gösterilen bulanık kural tabanı ilişkili olduğu </a:t>
+            </a:r>
+            <a:r>
+              <a:rPr lang="tr-TR" sz="2200" dirty="0" err="1">
+                <a:latin typeface="Times New Roman" panose="02020603050405020304" pitchFamily="18" charset="0"/>
+                <a:cs typeface="Times New Roman" panose="02020603050405020304" pitchFamily="18" charset="0"/>
+              </a:rPr>
+              <a:t>k’ıncı</a:t>
+            </a:r>
+            <a:r>
+              <a:rPr lang="tr-TR" sz="2200" dirty="0">
+                <a:latin typeface="Times New Roman" panose="02020603050405020304" pitchFamily="18" charset="0"/>
+                <a:cs typeface="Times New Roman" panose="02020603050405020304" pitchFamily="18" charset="0"/>
+              </a:rPr>
+              <a:t> kuralı </a:t>
+            </a:r>
+            <a:r>
+              <a:rPr lang="tr-TR" sz="2200" dirty="0" err="1">
+                <a:latin typeface="Times New Roman" panose="02020603050405020304" pitchFamily="18" charset="0"/>
+                <a:cs typeface="Times New Roman" panose="02020603050405020304" pitchFamily="18" charset="0"/>
+              </a:rPr>
+              <a:t>R</a:t>
+            </a:r>
+            <a:r>
+              <a:rPr lang="tr-TR" sz="2200" baseline="-25000" dirty="0" err="1">
+                <a:latin typeface="Times New Roman" panose="02020603050405020304" pitchFamily="18" charset="0"/>
+                <a:cs typeface="Times New Roman" panose="02020603050405020304" pitchFamily="18" charset="0"/>
+              </a:rPr>
+              <a:t>k</a:t>
+            </a:r>
+            <a:r>
+              <a:rPr lang="tr-TR" sz="2200" dirty="0">
+                <a:latin typeface="Times New Roman" panose="02020603050405020304" pitchFamily="18" charset="0"/>
+                <a:cs typeface="Times New Roman" panose="02020603050405020304" pitchFamily="18" charset="0"/>
+              </a:rPr>
+              <a:t> olarak çağırır.</a:t>
+            </a:r>
+          </a:p>
+          <a:p>
+            <a:pPr algn="just">
+              <a:lnSpc>
+                <a:spcPts val="2700"/>
+              </a:lnSpc>
+              <a:spcBef>
+                <a:spcPts val="0"/>
+              </a:spcBef>
+              <a:spcAft>
+                <a:spcPts val="1200"/>
+              </a:spcAft>
+            </a:pPr>
+            <a:r>
+              <a:rPr lang="tr-TR" sz="2200" dirty="0">
+                <a:latin typeface="Times New Roman" panose="02020603050405020304" pitchFamily="18" charset="0"/>
+                <a:cs typeface="Times New Roman" panose="02020603050405020304" pitchFamily="18" charset="0"/>
+              </a:rPr>
+              <a:t>Bulanık kural tabanının tüm ilişkisi R; R</a:t>
+            </a:r>
+            <a:r>
+              <a:rPr lang="tr-TR" sz="2200" baseline="-25000" dirty="0">
+                <a:latin typeface="Times New Roman" panose="02020603050405020304" pitchFamily="18" charset="0"/>
+                <a:cs typeface="Times New Roman" panose="02020603050405020304" pitchFamily="18" charset="0"/>
+              </a:rPr>
+              <a:t>1</a:t>
+            </a:r>
+            <a:r>
+              <a:rPr lang="tr-TR" sz="2200" dirty="0">
+                <a:latin typeface="Times New Roman" panose="02020603050405020304" pitchFamily="18" charset="0"/>
+                <a:cs typeface="Times New Roman" panose="02020603050405020304" pitchFamily="18" charset="0"/>
+              </a:rPr>
+              <a:t>, R</a:t>
+            </a:r>
+            <a:r>
+              <a:rPr lang="tr-TR" sz="2200" baseline="-25000" dirty="0">
+                <a:latin typeface="Times New Roman" panose="02020603050405020304" pitchFamily="18" charset="0"/>
+                <a:cs typeface="Times New Roman" panose="02020603050405020304" pitchFamily="18" charset="0"/>
+              </a:rPr>
+              <a:t>2</a:t>
+            </a:r>
+            <a:r>
+              <a:rPr lang="tr-TR" sz="2200" dirty="0">
+                <a:latin typeface="Times New Roman" panose="02020603050405020304" pitchFamily="18" charset="0"/>
+                <a:cs typeface="Times New Roman" panose="02020603050405020304" pitchFamily="18" charset="0"/>
+              </a:rPr>
+              <a:t>, R</a:t>
+            </a:r>
+            <a:r>
+              <a:rPr lang="tr-TR" sz="2200" baseline="-25000" dirty="0">
+                <a:latin typeface="Times New Roman" panose="02020603050405020304" pitchFamily="18" charset="0"/>
+                <a:cs typeface="Times New Roman" panose="02020603050405020304" pitchFamily="18" charset="0"/>
+              </a:rPr>
+              <a:t>3</a:t>
+            </a:r>
+            <a:r>
+              <a:rPr lang="tr-TR" sz="2200" dirty="0">
+                <a:latin typeface="Times New Roman" panose="02020603050405020304" pitchFamily="18" charset="0"/>
+                <a:cs typeface="Times New Roman" panose="02020603050405020304" pitchFamily="18" charset="0"/>
+              </a:rPr>
+              <a:t>…R</a:t>
+            </a:r>
+            <a:r>
+              <a:rPr lang="tr-TR" sz="2200" baseline="-25000" dirty="0">
+                <a:latin typeface="Times New Roman" panose="02020603050405020304" pitchFamily="18" charset="0"/>
+                <a:cs typeface="Times New Roman" panose="02020603050405020304" pitchFamily="18" charset="0"/>
+              </a:rPr>
+              <a:t>N</a:t>
+            </a:r>
+            <a:r>
+              <a:rPr lang="tr-TR" sz="2200" dirty="0">
+                <a:latin typeface="Times New Roman" panose="02020603050405020304" pitchFamily="18" charset="0"/>
+                <a:cs typeface="Times New Roman" panose="02020603050405020304" pitchFamily="18" charset="0"/>
+              </a:rPr>
+              <a:t> bileşim işleminin sonucunda elde edilir.</a:t>
+            </a:r>
+          </a:p>
+          <a:p>
+            <a:pPr algn="just">
+              <a:lnSpc>
+                <a:spcPts val="2700"/>
+              </a:lnSpc>
+              <a:spcBef>
+                <a:spcPts val="0"/>
+              </a:spcBef>
+              <a:spcAft>
+                <a:spcPts val="1200"/>
+              </a:spcAft>
+            </a:pPr>
+            <a:r>
+              <a:rPr lang="tr-TR" sz="2200" dirty="0">
+                <a:latin typeface="Times New Roman" panose="02020603050405020304" pitchFamily="18" charset="0"/>
+                <a:cs typeface="Times New Roman" panose="02020603050405020304" pitchFamily="18" charset="0"/>
+              </a:rPr>
+              <a:t>Örnek: </a:t>
+            </a:r>
+            <a:r>
+              <a:rPr lang="tr-TR" sz="2200" dirty="0" err="1">
+                <a:latin typeface="Times New Roman" panose="02020603050405020304" pitchFamily="18" charset="0"/>
+                <a:cs typeface="Times New Roman" panose="02020603050405020304" pitchFamily="18" charset="0"/>
+              </a:rPr>
+              <a:t>Max-min</a:t>
+            </a:r>
+            <a:r>
+              <a:rPr lang="tr-TR" sz="2200" dirty="0">
+                <a:latin typeface="Times New Roman" panose="02020603050405020304" pitchFamily="18" charset="0"/>
+                <a:cs typeface="Times New Roman" panose="02020603050405020304" pitchFamily="18" charset="0"/>
+              </a:rPr>
+              <a:t> ve </a:t>
+            </a:r>
+            <a:r>
+              <a:rPr lang="tr-TR" sz="2200" dirty="0" err="1">
+                <a:latin typeface="Times New Roman" panose="02020603050405020304" pitchFamily="18" charset="0"/>
+                <a:cs typeface="Times New Roman" panose="02020603050405020304" pitchFamily="18" charset="0"/>
+              </a:rPr>
+              <a:t>max-product</a:t>
+            </a:r>
+            <a:r>
+              <a:rPr lang="tr-TR" sz="2200" dirty="0">
+                <a:latin typeface="Times New Roman" panose="02020603050405020304" pitchFamily="18" charset="0"/>
+                <a:cs typeface="Times New Roman" panose="02020603050405020304" pitchFamily="18" charset="0"/>
+              </a:rPr>
+              <a:t> bileşim operatörleriyle bulanık anlamlandırmayı anlamak için aşağıdaki kural tabanı verilmiş olsun.</a:t>
+            </a:r>
+          </a:p>
+          <a:p>
+            <a:pPr algn="just">
+              <a:lnSpc>
+                <a:spcPts val="2700"/>
+              </a:lnSpc>
+              <a:spcBef>
+                <a:spcPts val="0"/>
+              </a:spcBef>
+              <a:spcAft>
+                <a:spcPts val="1200"/>
+              </a:spcAft>
+            </a:pPr>
+            <a:r>
+              <a:rPr lang="tr-TR" sz="2200" dirty="0">
+                <a:latin typeface="Times New Roman" panose="02020603050405020304" pitchFamily="18" charset="0"/>
+                <a:cs typeface="Times New Roman" panose="02020603050405020304" pitchFamily="18" charset="0"/>
+              </a:rPr>
+              <a:t>Kural 1: IF x</a:t>
+            </a:r>
+            <a:r>
+              <a:rPr lang="tr-TR" sz="2200" baseline="-25000" dirty="0">
+                <a:latin typeface="Times New Roman" panose="02020603050405020304" pitchFamily="18" charset="0"/>
+                <a:cs typeface="Times New Roman" panose="02020603050405020304" pitchFamily="18" charset="0"/>
+              </a:rPr>
+              <a:t>1</a:t>
+            </a:r>
+            <a:r>
+              <a:rPr lang="tr-TR" sz="2200" dirty="0">
+                <a:latin typeface="Times New Roman" panose="02020603050405020304" pitchFamily="18" charset="0"/>
+                <a:cs typeface="Times New Roman" panose="02020603050405020304" pitchFamily="18" charset="0"/>
+              </a:rPr>
+              <a:t> is A</a:t>
+            </a:r>
+            <a:r>
+              <a:rPr lang="tr-TR" sz="2200" baseline="-25000" dirty="0">
+                <a:latin typeface="Times New Roman" panose="02020603050405020304" pitchFamily="18" charset="0"/>
+                <a:cs typeface="Times New Roman" panose="02020603050405020304" pitchFamily="18" charset="0"/>
+              </a:rPr>
+              <a:t>11</a:t>
+            </a:r>
+            <a:r>
+              <a:rPr lang="tr-TR" sz="2200" dirty="0">
+                <a:latin typeface="Times New Roman" panose="02020603050405020304" pitchFamily="18" charset="0"/>
+                <a:cs typeface="Times New Roman" panose="02020603050405020304" pitchFamily="18" charset="0"/>
+              </a:rPr>
+              <a:t> AND x</a:t>
+            </a:r>
+            <a:r>
+              <a:rPr lang="tr-TR" sz="2200" baseline="-25000" dirty="0">
+                <a:latin typeface="Times New Roman" panose="02020603050405020304" pitchFamily="18" charset="0"/>
+                <a:cs typeface="Times New Roman" panose="02020603050405020304" pitchFamily="18" charset="0"/>
+              </a:rPr>
+              <a:t>2</a:t>
+            </a:r>
+            <a:r>
+              <a:rPr lang="tr-TR" sz="2200" dirty="0">
+                <a:latin typeface="Times New Roman" panose="02020603050405020304" pitchFamily="18" charset="0"/>
+                <a:cs typeface="Times New Roman" panose="02020603050405020304" pitchFamily="18" charset="0"/>
+              </a:rPr>
+              <a:t> is A</a:t>
+            </a:r>
+            <a:r>
+              <a:rPr lang="tr-TR" sz="2200" baseline="-25000" dirty="0">
+                <a:latin typeface="Times New Roman" panose="02020603050405020304" pitchFamily="18" charset="0"/>
+                <a:cs typeface="Times New Roman" panose="02020603050405020304" pitchFamily="18" charset="0"/>
+              </a:rPr>
+              <a:t>21</a:t>
+            </a:r>
+            <a:r>
+              <a:rPr lang="tr-TR" sz="2200" dirty="0">
+                <a:latin typeface="Times New Roman" panose="02020603050405020304" pitchFamily="18" charset="0"/>
+                <a:cs typeface="Times New Roman" panose="02020603050405020304" pitchFamily="18" charset="0"/>
+              </a:rPr>
+              <a:t> THEN y is B</a:t>
+            </a:r>
+            <a:r>
+              <a:rPr lang="tr-TR" sz="2200" baseline="-25000" dirty="0">
+                <a:latin typeface="Times New Roman" panose="02020603050405020304" pitchFamily="18" charset="0"/>
+                <a:cs typeface="Times New Roman" panose="02020603050405020304" pitchFamily="18" charset="0"/>
+              </a:rPr>
+              <a:t>1</a:t>
+            </a:r>
+          </a:p>
+          <a:p>
+            <a:pPr algn="just">
+              <a:lnSpc>
+                <a:spcPts val="2700"/>
+              </a:lnSpc>
+              <a:spcBef>
+                <a:spcPts val="0"/>
+              </a:spcBef>
+              <a:spcAft>
+                <a:spcPts val="1200"/>
+              </a:spcAft>
+            </a:pPr>
+            <a:r>
+              <a:rPr lang="tr-TR" sz="2200" dirty="0">
+                <a:latin typeface="Times New Roman" panose="02020603050405020304" pitchFamily="18" charset="0"/>
+                <a:cs typeface="Times New Roman" panose="02020603050405020304" pitchFamily="18" charset="0"/>
+              </a:rPr>
+              <a:t>Kural 2: IF x</a:t>
+            </a:r>
+            <a:r>
+              <a:rPr lang="tr-TR" sz="2200" baseline="-25000" dirty="0">
+                <a:latin typeface="Times New Roman" panose="02020603050405020304" pitchFamily="18" charset="0"/>
+                <a:cs typeface="Times New Roman" panose="02020603050405020304" pitchFamily="18" charset="0"/>
+              </a:rPr>
+              <a:t>1</a:t>
+            </a:r>
+            <a:r>
+              <a:rPr lang="tr-TR" sz="2200" dirty="0">
+                <a:latin typeface="Times New Roman" panose="02020603050405020304" pitchFamily="18" charset="0"/>
+                <a:cs typeface="Times New Roman" panose="02020603050405020304" pitchFamily="18" charset="0"/>
+              </a:rPr>
+              <a:t> is A</a:t>
+            </a:r>
+            <a:r>
+              <a:rPr lang="tr-TR" sz="2200" baseline="-25000" dirty="0">
+                <a:latin typeface="Times New Roman" panose="02020603050405020304" pitchFamily="18" charset="0"/>
+                <a:cs typeface="Times New Roman" panose="02020603050405020304" pitchFamily="18" charset="0"/>
+              </a:rPr>
+              <a:t>12</a:t>
+            </a:r>
+            <a:r>
+              <a:rPr lang="tr-TR" sz="2200" dirty="0">
+                <a:latin typeface="Times New Roman" panose="02020603050405020304" pitchFamily="18" charset="0"/>
+                <a:cs typeface="Times New Roman" panose="02020603050405020304" pitchFamily="18" charset="0"/>
+              </a:rPr>
+              <a:t> AND x</a:t>
+            </a:r>
+            <a:r>
+              <a:rPr lang="tr-TR" sz="2200" baseline="-25000" dirty="0">
+                <a:latin typeface="Times New Roman" panose="02020603050405020304" pitchFamily="18" charset="0"/>
+                <a:cs typeface="Times New Roman" panose="02020603050405020304" pitchFamily="18" charset="0"/>
+              </a:rPr>
+              <a:t>2</a:t>
+            </a:r>
+            <a:r>
+              <a:rPr lang="tr-TR" sz="2200" dirty="0">
+                <a:latin typeface="Times New Roman" panose="02020603050405020304" pitchFamily="18" charset="0"/>
+                <a:cs typeface="Times New Roman" panose="02020603050405020304" pitchFamily="18" charset="0"/>
+              </a:rPr>
+              <a:t> is A</a:t>
+            </a:r>
+            <a:r>
+              <a:rPr lang="tr-TR" sz="2200" baseline="-25000" dirty="0">
+                <a:latin typeface="Times New Roman" panose="02020603050405020304" pitchFamily="18" charset="0"/>
+                <a:cs typeface="Times New Roman" panose="02020603050405020304" pitchFamily="18" charset="0"/>
+              </a:rPr>
+              <a:t>22</a:t>
+            </a:r>
+            <a:r>
+              <a:rPr lang="tr-TR" sz="2200" dirty="0">
+                <a:latin typeface="Times New Roman" panose="02020603050405020304" pitchFamily="18" charset="0"/>
+                <a:cs typeface="Times New Roman" panose="02020603050405020304" pitchFamily="18" charset="0"/>
+              </a:rPr>
+              <a:t> THEN y is B</a:t>
+            </a:r>
+            <a:r>
+              <a:rPr lang="tr-TR" sz="2200" baseline="-25000" dirty="0">
+                <a:latin typeface="Times New Roman" panose="02020603050405020304" pitchFamily="18" charset="0"/>
+                <a:cs typeface="Times New Roman" panose="02020603050405020304" pitchFamily="18" charset="0"/>
+              </a:rPr>
+              <a:t>2</a:t>
+            </a:r>
+          </a:p>
+          <a:p>
+            <a:pPr algn="just">
+              <a:lnSpc>
+                <a:spcPts val="2700"/>
+              </a:lnSpc>
+              <a:spcBef>
+                <a:spcPts val="0"/>
+              </a:spcBef>
+              <a:spcAft>
+                <a:spcPts val="1200"/>
+              </a:spcAft>
+            </a:pPr>
+            <a:r>
+              <a:rPr lang="tr-TR" sz="2200" dirty="0">
+                <a:latin typeface="Times New Roman" panose="02020603050405020304" pitchFamily="18" charset="0"/>
+                <a:cs typeface="Times New Roman" panose="02020603050405020304" pitchFamily="18" charset="0"/>
+              </a:rPr>
+              <a:t>Burada iki örnek verilmiştir: </a:t>
+            </a:r>
+          </a:p>
+          <a:p>
+            <a:pPr lvl="1" algn="just">
+              <a:lnSpc>
+                <a:spcPts val="2700"/>
+              </a:lnSpc>
+              <a:spcBef>
+                <a:spcPts val="0"/>
+              </a:spcBef>
+              <a:spcAft>
+                <a:spcPts val="1200"/>
+              </a:spcAft>
+            </a:pPr>
+            <a:r>
+              <a:rPr lang="tr-TR" sz="2200" dirty="0">
+                <a:latin typeface="Times New Roman" panose="02020603050405020304" pitchFamily="18" charset="0"/>
+                <a:cs typeface="Times New Roman" panose="02020603050405020304" pitchFamily="18" charset="0"/>
+              </a:rPr>
+              <a:t>(1) </a:t>
+            </a:r>
+            <a:r>
+              <a:rPr lang="tr-TR" sz="2200" dirty="0" err="1">
+                <a:latin typeface="Times New Roman" panose="02020603050405020304" pitchFamily="18" charset="0"/>
+                <a:cs typeface="Times New Roman" panose="02020603050405020304" pitchFamily="18" charset="0"/>
+              </a:rPr>
+              <a:t>max-min</a:t>
+            </a:r>
+            <a:r>
+              <a:rPr lang="tr-TR" sz="2200" dirty="0">
+                <a:latin typeface="Times New Roman" panose="02020603050405020304" pitchFamily="18" charset="0"/>
+                <a:cs typeface="Times New Roman" panose="02020603050405020304" pitchFamily="18" charset="0"/>
+              </a:rPr>
+              <a:t> ve </a:t>
+            </a:r>
+            <a:r>
+              <a:rPr lang="tr-TR" sz="2200" dirty="0" err="1">
+                <a:latin typeface="Times New Roman" panose="02020603050405020304" pitchFamily="18" charset="0"/>
+                <a:cs typeface="Times New Roman" panose="02020603050405020304" pitchFamily="18" charset="0"/>
+              </a:rPr>
+              <a:t>max-product</a:t>
+            </a:r>
+            <a:r>
+              <a:rPr lang="tr-TR" sz="2200" dirty="0">
+                <a:latin typeface="Times New Roman" panose="02020603050405020304" pitchFamily="18" charset="0"/>
+                <a:cs typeface="Times New Roman" panose="02020603050405020304" pitchFamily="18" charset="0"/>
+              </a:rPr>
+              <a:t>. </a:t>
+            </a:r>
+          </a:p>
+          <a:p>
+            <a:pPr lvl="1" algn="just">
+              <a:lnSpc>
+                <a:spcPts val="2700"/>
+              </a:lnSpc>
+              <a:spcBef>
+                <a:spcPts val="0"/>
+              </a:spcBef>
+              <a:spcAft>
+                <a:spcPts val="1200"/>
+              </a:spcAft>
+            </a:pPr>
+            <a:r>
+              <a:rPr lang="tr-TR" sz="2200" dirty="0">
+                <a:latin typeface="Times New Roman" panose="02020603050405020304" pitchFamily="18" charset="0"/>
+                <a:cs typeface="Times New Roman" panose="02020603050405020304" pitchFamily="18" charset="0"/>
+              </a:rPr>
+              <a:t>Sistemin iki belirteci vardır. x=A’ ve buna bağlı sonucu y=B’ </a:t>
+            </a:r>
+            <a:r>
+              <a:rPr lang="tr-TR" sz="2200" dirty="0" err="1">
+                <a:latin typeface="Times New Roman" panose="02020603050405020304" pitchFamily="18" charset="0"/>
+                <a:cs typeface="Times New Roman" panose="02020603050405020304" pitchFamily="18" charset="0"/>
+              </a:rPr>
+              <a:t>dir</a:t>
+            </a:r>
+            <a:r>
+              <a:rPr lang="tr-TR" sz="2200" dirty="0">
+                <a:latin typeface="Times New Roman" panose="02020603050405020304" pitchFamily="18" charset="0"/>
+                <a:cs typeface="Times New Roman" panose="02020603050405020304" pitchFamily="18" charset="0"/>
+              </a:rPr>
+              <a:t>. Bulanık kontrol mühendisliğinde asıl girdiler her zaman ‘keskin’ yapıdadır.</a:t>
+            </a:r>
+          </a:p>
+          <a:p>
+            <a:pPr algn="just">
+              <a:lnSpc>
+                <a:spcPts val="2700"/>
+              </a:lnSpc>
+              <a:spcBef>
+                <a:spcPts val="0"/>
+              </a:spcBef>
+              <a:spcAft>
+                <a:spcPts val="1200"/>
+              </a:spcAft>
+            </a:pPr>
+            <a:endParaRPr lang="tr-TR" sz="2200" dirty="0">
+              <a:latin typeface="Times New Roman" panose="02020603050405020304" pitchFamily="18" charset="0"/>
+              <a:cs typeface="Times New Roman" panose="02020603050405020304" pitchFamily="18" charset="0"/>
+            </a:endParaRPr>
+          </a:p>
+        </p:txBody>
+      </p:sp>
+    </p:spTree>
+    <p:extLst>
+      <p:ext uri="{BB962C8B-B14F-4D97-AF65-F5344CB8AC3E}">
+        <p14:creationId xmlns:p14="http://schemas.microsoft.com/office/powerpoint/2010/main" val="1267385675"/>
+      </p:ext>
+    </p:extLst>
+  </p:cSld>
+  <p:clrMapOvr>
+    <a:masterClrMapping/>
+  </p:clrMapOvr>
+</p:sld>
+</file>
+
+<file path=ppt/slides/slide25.xml><?xml version="1.0" encoding="utf-8"?>
+<p:sld xmlns:a="http://schemas.openxmlformats.org/drawingml/2006/main" xmlns:r="http://schemas.openxmlformats.org/officeDocument/2006/relationships" xmlns:p="http://schemas.openxmlformats.org/presentationml/2006/main">
+  <p:cSld>
+    <p:spTree>
+      <p:nvGrpSpPr>
+        <p:cNvPr id="1" name=""/>
+        <p:cNvGrpSpPr/>
+        <p:nvPr/>
+      </p:nvGrpSpPr>
+      <p:grpSpPr>
+        <a:xfrm>
+          <a:off x="0" y="0"/>
+          <a:ext cx="0" cy="0"/>
+          <a:chOff x="0" y="0"/>
+          <a:chExt cx="0" cy="0"/>
+        </a:xfrm>
+      </p:grpSpPr>
+      <p:sp>
+        <p:nvSpPr>
+          <p:cNvPr id="4" name="Başlık 3">
+            <a:extLst>
+              <a:ext uri="{FF2B5EF4-FFF2-40B4-BE49-F238E27FC236}">
+                <a16:creationId xmlns:a16="http://schemas.microsoft.com/office/drawing/2014/main" id="{55E27C7C-4B68-4BBC-BF36-8959D8493E4A}"/>
+              </a:ext>
+            </a:extLst>
+          </p:cNvPr>
+          <p:cNvSpPr>
+            <a:spLocks noGrp="1"/>
+          </p:cNvSpPr>
+          <p:nvPr>
+            <p:ph type="title"/>
+          </p:nvPr>
+        </p:nvSpPr>
+        <p:spPr>
+          <a:xfrm>
+            <a:off x="838200" y="136525"/>
+            <a:ext cx="10515600" cy="610821"/>
+          </a:xfrm>
+        </p:spPr>
+        <p:txBody>
+          <a:bodyPr rtlCol="0">
+            <a:normAutofit/>
+          </a:bodyPr>
+          <a:lstStyle/>
+          <a:p>
+            <a:pPr marL="0" indent="0" algn="ctr">
+              <a:lnSpc>
+                <a:spcPts val="2700"/>
+              </a:lnSpc>
+              <a:spcBef>
+                <a:spcPts val="0"/>
+              </a:spcBef>
+              <a:spcAft>
+                <a:spcPts val="600"/>
+              </a:spcAft>
+              <a:buNone/>
+            </a:pPr>
+            <a:r>
+              <a:rPr lang="tr-TR" sz="4000" b="1" dirty="0">
+                <a:latin typeface="Times New Roman" panose="02020603050405020304" pitchFamily="18" charset="0"/>
+                <a:ea typeface="Calibri" panose="020F0502020204030204" pitchFamily="34" charset="0"/>
+                <a:cs typeface="Times New Roman" panose="02020603050405020304" pitchFamily="18" charset="0"/>
+              </a:rPr>
+              <a:t>Bulanık Anlamlandırma:</a:t>
+            </a:r>
+          </a:p>
+        </p:txBody>
+      </p:sp>
+      <p:sp>
+        <p:nvSpPr>
+          <p:cNvPr id="9" name="Slayt Numarası Yer Tutucusu 5">
+            <a:extLst>
+              <a:ext uri="{FF2B5EF4-FFF2-40B4-BE49-F238E27FC236}">
+                <a16:creationId xmlns:a16="http://schemas.microsoft.com/office/drawing/2014/main" id="{4FC290B8-BF94-4636-BFAB-9FD67F4AAC6D}"/>
+              </a:ext>
+            </a:extLst>
+          </p:cNvPr>
+          <p:cNvSpPr>
+            <a:spLocks noGrp="1"/>
+          </p:cNvSpPr>
+          <p:nvPr>
+            <p:ph type="sldNum" sz="quarter" idx="12"/>
+          </p:nvPr>
+        </p:nvSpPr>
+        <p:spPr>
+          <a:xfrm>
+            <a:off x="8610600" y="6356350"/>
+            <a:ext cx="2743200" cy="365125"/>
+          </a:xfrm>
+        </p:spPr>
+        <p:txBody>
+          <a:bodyPr rtlCol="0"/>
+          <a:lstStyle/>
+          <a:p>
+            <a:pPr rtl="0"/>
+            <a:fld id="{D8DA9DAA-006C-4F4B-980E-E3DF019B24E2}" type="slidenum">
+              <a:rPr lang="tr-TR" b="1" cap="all" spc="100" smtClean="0">
+                <a:solidFill>
+                  <a:schemeClr val="accent2"/>
+                </a:solidFill>
+              </a:rPr>
+              <a:t>25</a:t>
+            </a:fld>
+            <a:endParaRPr lang="tr-TR" b="1" cap="all" spc="100" dirty="0">
+              <a:solidFill>
+                <a:schemeClr val="accent2"/>
+              </a:solidFill>
+            </a:endParaRPr>
+          </a:p>
+        </p:txBody>
+      </p:sp>
+      <p:sp>
+        <p:nvSpPr>
+          <p:cNvPr id="3" name="İçerik Yer Tutucusu 2">
+            <a:extLst>
+              <a:ext uri="{FF2B5EF4-FFF2-40B4-BE49-F238E27FC236}">
+                <a16:creationId xmlns:a16="http://schemas.microsoft.com/office/drawing/2014/main" id="{839B2505-A752-6959-A64F-4ADB0FD16C45}"/>
+              </a:ext>
+            </a:extLst>
+          </p:cNvPr>
+          <p:cNvSpPr>
+            <a:spLocks noGrp="1"/>
+          </p:cNvSpPr>
+          <p:nvPr>
+            <p:ph idx="1"/>
+          </p:nvPr>
+        </p:nvSpPr>
+        <p:spPr>
+          <a:xfrm>
+            <a:off x="838200" y="747346"/>
+            <a:ext cx="10515600" cy="5732585"/>
+          </a:xfrm>
+        </p:spPr>
+        <p:txBody>
+          <a:bodyPr>
+            <a:normAutofit/>
+          </a:bodyPr>
+          <a:lstStyle/>
+          <a:p>
+            <a:pPr algn="just">
+              <a:lnSpc>
+                <a:spcPts val="2700"/>
+              </a:lnSpc>
+              <a:spcBef>
+                <a:spcPts val="0"/>
+              </a:spcBef>
+              <a:spcAft>
+                <a:spcPts val="1200"/>
+              </a:spcAft>
+            </a:pPr>
+            <a:r>
+              <a:rPr lang="tr-TR" sz="2200" b="1" dirty="0" err="1">
+                <a:effectLst/>
+                <a:latin typeface="Times New Roman" panose="02020603050405020304" pitchFamily="18" charset="0"/>
+                <a:ea typeface="Calibri" panose="020F0502020204030204" pitchFamily="34" charset="0"/>
+                <a:cs typeface="Times New Roman" panose="02020603050405020304" pitchFamily="18" charset="0"/>
+              </a:rPr>
+              <a:t>Max-min</a:t>
+            </a:r>
+            <a:r>
+              <a:rPr lang="tr-TR" sz="2200" b="1" dirty="0">
+                <a:effectLst/>
+                <a:latin typeface="Times New Roman" panose="02020603050405020304" pitchFamily="18" charset="0"/>
+                <a:ea typeface="Calibri" panose="020F0502020204030204" pitchFamily="34" charset="0"/>
+                <a:cs typeface="Times New Roman" panose="02020603050405020304" pitchFamily="18" charset="0"/>
+              </a:rPr>
+              <a:t> operatörü kullanarak bulanık çıkarım örneği :</a:t>
+            </a:r>
+            <a:endParaRPr lang="tr-TR" sz="2200" dirty="0">
+              <a:effectLst/>
+              <a:latin typeface="Calibri" panose="020F0502020204030204" pitchFamily="34" charset="0"/>
+              <a:ea typeface="Calibri" panose="020F0502020204030204" pitchFamily="34" charset="0"/>
+              <a:cs typeface="Times New Roman" panose="02020603050405020304" pitchFamily="18" charset="0"/>
+            </a:endParaRPr>
+          </a:p>
+          <a:p>
+            <a:pPr marL="0" indent="0" algn="just">
+              <a:lnSpc>
+                <a:spcPts val="2700"/>
+              </a:lnSpc>
+              <a:spcBef>
+                <a:spcPts val="0"/>
+              </a:spcBef>
+              <a:spcAft>
+                <a:spcPts val="1200"/>
+              </a:spcAft>
+              <a:buNone/>
+            </a:pPr>
+            <a:endParaRPr lang="tr-TR" sz="2200" dirty="0">
+              <a:latin typeface="Times New Roman" panose="02020603050405020304" pitchFamily="18" charset="0"/>
+              <a:cs typeface="Times New Roman" panose="02020603050405020304" pitchFamily="18" charset="0"/>
+            </a:endParaRPr>
+          </a:p>
+        </p:txBody>
+      </p:sp>
+      <p:pic>
+        <p:nvPicPr>
+          <p:cNvPr id="2" name="Resim 1">
+            <a:extLst>
+              <a:ext uri="{FF2B5EF4-FFF2-40B4-BE49-F238E27FC236}">
+                <a16:creationId xmlns:a16="http://schemas.microsoft.com/office/drawing/2014/main" id="{D98F8734-2646-6FFD-39FB-4E78832645CA}"/>
+              </a:ext>
+            </a:extLst>
+          </p:cNvPr>
+          <p:cNvPicPr>
+            <a:picLocks noChangeAspect="1"/>
+          </p:cNvPicPr>
+          <p:nvPr/>
+        </p:nvPicPr>
+        <p:blipFill>
+          <a:blip r:embed="rId3"/>
+          <a:stretch>
+            <a:fillRect/>
+          </a:stretch>
+        </p:blipFill>
+        <p:spPr>
+          <a:xfrm>
+            <a:off x="2183204" y="1274559"/>
+            <a:ext cx="6890458" cy="5326144"/>
+          </a:xfrm>
+          <a:prstGeom prst="rect">
+            <a:avLst/>
+          </a:prstGeom>
+        </p:spPr>
+      </p:pic>
+    </p:spTree>
+    <p:extLst>
+      <p:ext uri="{BB962C8B-B14F-4D97-AF65-F5344CB8AC3E}">
+        <p14:creationId xmlns:p14="http://schemas.microsoft.com/office/powerpoint/2010/main" val="2379045293"/>
+      </p:ext>
+    </p:extLst>
+  </p:cSld>
+  <p:clrMapOvr>
+    <a:masterClrMapping/>
+  </p:clrMapOvr>
+</p:sld>
+</file>
+
+<file path=ppt/slides/slide26.xml><?xml version="1.0" encoding="utf-8"?>
+<p:sld xmlns:a="http://schemas.openxmlformats.org/drawingml/2006/main" xmlns:r="http://schemas.openxmlformats.org/officeDocument/2006/relationships" xmlns:p="http://schemas.openxmlformats.org/presentationml/2006/main">
+  <p:cSld>
+    <p:spTree>
+      <p:nvGrpSpPr>
+        <p:cNvPr id="1" name=""/>
+        <p:cNvGrpSpPr/>
+        <p:nvPr/>
+      </p:nvGrpSpPr>
+      <p:grpSpPr>
+        <a:xfrm>
+          <a:off x="0" y="0"/>
+          <a:ext cx="0" cy="0"/>
+          <a:chOff x="0" y="0"/>
+          <a:chExt cx="0" cy="0"/>
+        </a:xfrm>
+      </p:grpSpPr>
+      <p:sp>
+        <p:nvSpPr>
+          <p:cNvPr id="4" name="Başlık 3">
+            <a:extLst>
+              <a:ext uri="{FF2B5EF4-FFF2-40B4-BE49-F238E27FC236}">
+                <a16:creationId xmlns:a16="http://schemas.microsoft.com/office/drawing/2014/main" id="{55E27C7C-4B68-4BBC-BF36-8959D8493E4A}"/>
+              </a:ext>
+            </a:extLst>
+          </p:cNvPr>
+          <p:cNvSpPr>
+            <a:spLocks noGrp="1"/>
+          </p:cNvSpPr>
+          <p:nvPr>
+            <p:ph type="title"/>
+          </p:nvPr>
+        </p:nvSpPr>
+        <p:spPr>
+          <a:xfrm>
+            <a:off x="838200" y="136525"/>
+            <a:ext cx="10515600" cy="610821"/>
+          </a:xfrm>
+        </p:spPr>
+        <p:txBody>
+          <a:bodyPr rtlCol="0">
+            <a:normAutofit/>
+          </a:bodyPr>
+          <a:lstStyle/>
+          <a:p>
+            <a:pPr marL="0" indent="0" algn="ctr">
+              <a:lnSpc>
+                <a:spcPts val="2700"/>
+              </a:lnSpc>
+              <a:spcBef>
+                <a:spcPts val="0"/>
+              </a:spcBef>
+              <a:spcAft>
+                <a:spcPts val="600"/>
+              </a:spcAft>
+              <a:buNone/>
+            </a:pPr>
+            <a:r>
+              <a:rPr lang="tr-TR" sz="4000" b="1" dirty="0">
+                <a:latin typeface="Times New Roman" panose="02020603050405020304" pitchFamily="18" charset="0"/>
+                <a:ea typeface="Calibri" panose="020F0502020204030204" pitchFamily="34" charset="0"/>
+                <a:cs typeface="Times New Roman" panose="02020603050405020304" pitchFamily="18" charset="0"/>
+              </a:rPr>
+              <a:t>Bulanık Anlamlandırma:</a:t>
+            </a:r>
+          </a:p>
+        </p:txBody>
+      </p:sp>
+      <p:sp>
+        <p:nvSpPr>
+          <p:cNvPr id="9" name="Slayt Numarası Yer Tutucusu 5">
+            <a:extLst>
+              <a:ext uri="{FF2B5EF4-FFF2-40B4-BE49-F238E27FC236}">
+                <a16:creationId xmlns:a16="http://schemas.microsoft.com/office/drawing/2014/main" id="{4FC290B8-BF94-4636-BFAB-9FD67F4AAC6D}"/>
+              </a:ext>
+            </a:extLst>
+          </p:cNvPr>
+          <p:cNvSpPr>
+            <a:spLocks noGrp="1"/>
+          </p:cNvSpPr>
+          <p:nvPr>
+            <p:ph type="sldNum" sz="quarter" idx="12"/>
+          </p:nvPr>
+        </p:nvSpPr>
+        <p:spPr>
+          <a:xfrm>
+            <a:off x="8610600" y="6356350"/>
+            <a:ext cx="2743200" cy="365125"/>
+          </a:xfrm>
+        </p:spPr>
+        <p:txBody>
+          <a:bodyPr rtlCol="0"/>
+          <a:lstStyle/>
+          <a:p>
+            <a:pPr rtl="0"/>
+            <a:fld id="{D8DA9DAA-006C-4F4B-980E-E3DF019B24E2}" type="slidenum">
+              <a:rPr lang="tr-TR" b="1" cap="all" spc="100" smtClean="0">
+                <a:solidFill>
+                  <a:schemeClr val="accent2"/>
+                </a:solidFill>
+              </a:rPr>
+              <a:t>26</a:t>
+            </a:fld>
+            <a:endParaRPr lang="tr-TR" b="1" cap="all" spc="100" dirty="0">
+              <a:solidFill>
+                <a:schemeClr val="accent2"/>
+              </a:solidFill>
+            </a:endParaRPr>
+          </a:p>
+        </p:txBody>
+      </p:sp>
+      <p:sp>
+        <p:nvSpPr>
+          <p:cNvPr id="3" name="İçerik Yer Tutucusu 2">
+            <a:extLst>
+              <a:ext uri="{FF2B5EF4-FFF2-40B4-BE49-F238E27FC236}">
+                <a16:creationId xmlns:a16="http://schemas.microsoft.com/office/drawing/2014/main" id="{839B2505-A752-6959-A64F-4ADB0FD16C45}"/>
+              </a:ext>
+            </a:extLst>
+          </p:cNvPr>
+          <p:cNvSpPr>
+            <a:spLocks noGrp="1"/>
+          </p:cNvSpPr>
+          <p:nvPr>
+            <p:ph idx="1"/>
+          </p:nvPr>
+        </p:nvSpPr>
+        <p:spPr>
+          <a:xfrm>
+            <a:off x="838200" y="747346"/>
+            <a:ext cx="10515600" cy="5732585"/>
+          </a:xfrm>
+        </p:spPr>
+        <p:txBody>
+          <a:bodyPr>
+            <a:normAutofit/>
+          </a:bodyPr>
+          <a:lstStyle/>
+          <a:p>
+            <a:pPr algn="just">
+              <a:lnSpc>
+                <a:spcPts val="2700"/>
+              </a:lnSpc>
+              <a:spcBef>
+                <a:spcPts val="0"/>
+              </a:spcBef>
+              <a:spcAft>
+                <a:spcPts val="1200"/>
+              </a:spcAft>
+            </a:pPr>
+            <a:r>
+              <a:rPr lang="tr-TR" sz="2000" b="1" dirty="0" err="1">
+                <a:effectLst/>
+                <a:latin typeface="Times New Roman" panose="02020603050405020304" pitchFamily="18" charset="0"/>
+                <a:ea typeface="Calibri" panose="020F0502020204030204" pitchFamily="34" charset="0"/>
+                <a:cs typeface="Times New Roman" panose="02020603050405020304" pitchFamily="18" charset="0"/>
+              </a:rPr>
+              <a:t>Max</a:t>
+            </a:r>
+            <a:r>
+              <a:rPr lang="tr-TR" sz="2000" b="1" dirty="0">
+                <a:effectLst/>
+                <a:latin typeface="Times New Roman" panose="02020603050405020304" pitchFamily="18" charset="0"/>
+                <a:ea typeface="Calibri" panose="020F0502020204030204" pitchFamily="34" charset="0"/>
+                <a:cs typeface="Times New Roman" panose="02020603050405020304" pitchFamily="18" charset="0"/>
+              </a:rPr>
+              <a:t>-çarpım (</a:t>
+            </a:r>
+            <a:r>
+              <a:rPr lang="tr-TR" sz="2000" b="1" dirty="0" err="1">
+                <a:effectLst/>
+                <a:latin typeface="Times New Roman" panose="02020603050405020304" pitchFamily="18" charset="0"/>
+                <a:ea typeface="Calibri" panose="020F0502020204030204" pitchFamily="34" charset="0"/>
+                <a:cs typeface="Times New Roman" panose="02020603050405020304" pitchFamily="18" charset="0"/>
+              </a:rPr>
+              <a:t>max-dot</a:t>
+            </a:r>
+            <a:r>
+              <a:rPr lang="tr-TR" sz="2000" b="1" dirty="0">
+                <a:effectLst/>
+                <a:latin typeface="Times New Roman" panose="02020603050405020304" pitchFamily="18" charset="0"/>
+                <a:ea typeface="Calibri" panose="020F0502020204030204" pitchFamily="34" charset="0"/>
+                <a:cs typeface="Times New Roman" panose="02020603050405020304" pitchFamily="18" charset="0"/>
+              </a:rPr>
+              <a:t>) operatörü kullanarak bulanık çıkarım örneği:</a:t>
+            </a:r>
+          </a:p>
+          <a:p>
+            <a:pPr algn="just">
+              <a:lnSpc>
+                <a:spcPts val="2700"/>
+              </a:lnSpc>
+              <a:spcBef>
+                <a:spcPts val="0"/>
+              </a:spcBef>
+              <a:spcAft>
+                <a:spcPts val="1200"/>
+              </a:spcAft>
+            </a:pPr>
+            <a:r>
+              <a:rPr lang="tr-TR" sz="2000" dirty="0" err="1">
+                <a:latin typeface="Times New Roman" panose="02020603050405020304" pitchFamily="18" charset="0"/>
+                <a:cs typeface="Times New Roman" panose="02020603050405020304" pitchFamily="18" charset="0"/>
+              </a:rPr>
+              <a:t>Giri</a:t>
+            </a:r>
+            <a:r>
+              <a:rPr lang="tr-TR" sz="2000" dirty="0">
+                <a:latin typeface="Times New Roman" panose="02020603050405020304" pitchFamily="18" charset="0"/>
+                <a:cs typeface="Times New Roman" panose="02020603050405020304" pitchFamily="18" charset="0"/>
+              </a:rPr>
+              <a:t> değerleri ait olduğu üyelik fonksiyonunu yeniden ölçeklendirir. Bu ölçeklendirmeye göre çıkı bulanık kümesi de yeniden ölçeklenir. Çıkıştaki bu bulanık kümelerden en büyük olan seçilerek çıkı belirlenir. </a:t>
+            </a:r>
+          </a:p>
+        </p:txBody>
+      </p:sp>
+      <p:pic>
+        <p:nvPicPr>
+          <p:cNvPr id="5" name="Resim 4">
+            <a:extLst>
+              <a:ext uri="{FF2B5EF4-FFF2-40B4-BE49-F238E27FC236}">
+                <a16:creationId xmlns:a16="http://schemas.microsoft.com/office/drawing/2014/main" id="{3E677212-B319-C098-3A2D-0B87950D2DC7}"/>
+              </a:ext>
+            </a:extLst>
+          </p:cNvPr>
+          <p:cNvPicPr>
+            <a:picLocks noChangeAspect="1"/>
+          </p:cNvPicPr>
+          <p:nvPr/>
+        </p:nvPicPr>
+        <p:blipFill>
+          <a:blip r:embed="rId3"/>
+          <a:stretch>
+            <a:fillRect/>
+          </a:stretch>
+        </p:blipFill>
+        <p:spPr>
+          <a:xfrm>
+            <a:off x="3049394" y="2062145"/>
+            <a:ext cx="5971514" cy="4499581"/>
+          </a:xfrm>
+          <a:prstGeom prst="rect">
+            <a:avLst/>
+          </a:prstGeom>
+        </p:spPr>
+      </p:pic>
+    </p:spTree>
+    <p:extLst>
+      <p:ext uri="{BB962C8B-B14F-4D97-AF65-F5344CB8AC3E}">
+        <p14:creationId xmlns:p14="http://schemas.microsoft.com/office/powerpoint/2010/main" val="3382203930"/>
+      </p:ext>
+    </p:extLst>
+  </p:cSld>
+  <p:clrMapOvr>
+    <a:masterClrMapping/>
+  </p:clrMapOvr>
+</p:sld>
+</file>
+
+<file path=ppt/slides/slide27.xml><?xml version="1.0" encoding="utf-8"?>
+<p:sld xmlns:a="http://schemas.openxmlformats.org/drawingml/2006/main" xmlns:r="http://schemas.openxmlformats.org/officeDocument/2006/relationships" xmlns:p="http://schemas.openxmlformats.org/presentationml/2006/main">
+  <p:cSld>
+    <p:spTree>
+      <p:nvGrpSpPr>
+        <p:cNvPr id="1" name=""/>
+        <p:cNvGrpSpPr/>
+        <p:nvPr/>
+      </p:nvGrpSpPr>
+      <p:grpSpPr>
+        <a:xfrm>
+          <a:off x="0" y="0"/>
+          <a:ext cx="0" cy="0"/>
+          <a:chOff x="0" y="0"/>
+          <a:chExt cx="0" cy="0"/>
+        </a:xfrm>
+      </p:grpSpPr>
+      <p:sp>
+        <p:nvSpPr>
+          <p:cNvPr id="4" name="Başlık 3">
+            <a:extLst>
+              <a:ext uri="{FF2B5EF4-FFF2-40B4-BE49-F238E27FC236}">
+                <a16:creationId xmlns:a16="http://schemas.microsoft.com/office/drawing/2014/main" id="{55E27C7C-4B68-4BBC-BF36-8959D8493E4A}"/>
+              </a:ext>
+            </a:extLst>
+          </p:cNvPr>
+          <p:cNvSpPr>
+            <a:spLocks noGrp="1"/>
+          </p:cNvSpPr>
+          <p:nvPr>
+            <p:ph type="title"/>
+          </p:nvPr>
+        </p:nvSpPr>
+        <p:spPr>
+          <a:xfrm>
+            <a:off x="838200" y="136525"/>
+            <a:ext cx="10515600" cy="610821"/>
+          </a:xfrm>
+        </p:spPr>
+        <p:txBody>
+          <a:bodyPr rtlCol="0">
+            <a:normAutofit/>
+          </a:bodyPr>
+          <a:lstStyle/>
+          <a:p>
+            <a:pPr marL="0" indent="0" algn="ctr">
+              <a:lnSpc>
+                <a:spcPts val="2700"/>
+              </a:lnSpc>
+              <a:spcBef>
+                <a:spcPts val="0"/>
+              </a:spcBef>
+              <a:spcAft>
+                <a:spcPts val="600"/>
+              </a:spcAft>
+              <a:buNone/>
+            </a:pPr>
+            <a:r>
+              <a:rPr lang="tr-TR" sz="4000" b="1" dirty="0">
+                <a:latin typeface="Times New Roman" panose="02020603050405020304" pitchFamily="18" charset="0"/>
+                <a:ea typeface="Calibri" panose="020F0502020204030204" pitchFamily="34" charset="0"/>
+                <a:cs typeface="Times New Roman" panose="02020603050405020304" pitchFamily="18" charset="0"/>
+              </a:rPr>
+              <a:t>Bulanık Anlamlandırma:</a:t>
+            </a:r>
+          </a:p>
+        </p:txBody>
+      </p:sp>
+      <p:sp>
+        <p:nvSpPr>
+          <p:cNvPr id="9" name="Slayt Numarası Yer Tutucusu 5">
+            <a:extLst>
+              <a:ext uri="{FF2B5EF4-FFF2-40B4-BE49-F238E27FC236}">
+                <a16:creationId xmlns:a16="http://schemas.microsoft.com/office/drawing/2014/main" id="{4FC290B8-BF94-4636-BFAB-9FD67F4AAC6D}"/>
+              </a:ext>
+            </a:extLst>
+          </p:cNvPr>
+          <p:cNvSpPr>
+            <a:spLocks noGrp="1"/>
+          </p:cNvSpPr>
+          <p:nvPr>
+            <p:ph type="sldNum" sz="quarter" idx="12"/>
+          </p:nvPr>
+        </p:nvSpPr>
+        <p:spPr>
+          <a:xfrm>
+            <a:off x="8610600" y="6356350"/>
+            <a:ext cx="2743200" cy="365125"/>
+          </a:xfrm>
+        </p:spPr>
+        <p:txBody>
+          <a:bodyPr rtlCol="0"/>
+          <a:lstStyle/>
+          <a:p>
+            <a:pPr rtl="0"/>
+            <a:fld id="{D8DA9DAA-006C-4F4B-980E-E3DF019B24E2}" type="slidenum">
+              <a:rPr lang="tr-TR" b="1" cap="all" spc="100" smtClean="0">
+                <a:solidFill>
+                  <a:schemeClr val="accent2"/>
+                </a:solidFill>
+              </a:rPr>
+              <a:t>27</a:t>
+            </a:fld>
+            <a:endParaRPr lang="tr-TR" b="1" cap="all" spc="100" dirty="0">
+              <a:solidFill>
+                <a:schemeClr val="accent2"/>
+              </a:solidFill>
+            </a:endParaRPr>
+          </a:p>
+        </p:txBody>
+      </p:sp>
+      <p:sp>
+        <p:nvSpPr>
+          <p:cNvPr id="3" name="İçerik Yer Tutucusu 2">
+            <a:extLst>
+              <a:ext uri="{FF2B5EF4-FFF2-40B4-BE49-F238E27FC236}">
+                <a16:creationId xmlns:a16="http://schemas.microsoft.com/office/drawing/2014/main" id="{839B2505-A752-6959-A64F-4ADB0FD16C45}"/>
+              </a:ext>
+            </a:extLst>
+          </p:cNvPr>
+          <p:cNvSpPr>
+            <a:spLocks noGrp="1"/>
+          </p:cNvSpPr>
+          <p:nvPr>
+            <p:ph idx="1"/>
+          </p:nvPr>
+        </p:nvSpPr>
+        <p:spPr>
+          <a:xfrm>
+            <a:off x="838200" y="747346"/>
+            <a:ext cx="10515600" cy="5732585"/>
+          </a:xfrm>
+        </p:spPr>
+        <p:txBody>
+          <a:bodyPr>
+            <a:normAutofit/>
+          </a:bodyPr>
+          <a:lstStyle/>
+          <a:p>
+            <a:pPr algn="just">
+              <a:lnSpc>
+                <a:spcPts val="2700"/>
+              </a:lnSpc>
+              <a:spcBef>
+                <a:spcPts val="0"/>
+              </a:spcBef>
+              <a:spcAft>
+                <a:spcPts val="1200"/>
+              </a:spcAft>
+            </a:pPr>
+            <a:r>
+              <a:rPr lang="tr-TR" sz="2200" b="1" dirty="0" err="1">
+                <a:effectLst/>
+                <a:latin typeface="Times New Roman" panose="02020603050405020304" pitchFamily="18" charset="0"/>
+                <a:ea typeface="Calibri" panose="020F0502020204030204" pitchFamily="34" charset="0"/>
+                <a:cs typeface="Times New Roman" panose="02020603050405020304" pitchFamily="18" charset="0"/>
+              </a:rPr>
+              <a:t>Max</a:t>
+            </a:r>
+            <a:r>
+              <a:rPr lang="tr-TR" sz="2200" b="1" dirty="0">
+                <a:effectLst/>
+                <a:latin typeface="Times New Roman" panose="02020603050405020304" pitchFamily="18" charset="0"/>
+                <a:ea typeface="Calibri" panose="020F0502020204030204" pitchFamily="34" charset="0"/>
+                <a:cs typeface="Times New Roman" panose="02020603050405020304" pitchFamily="18" charset="0"/>
+              </a:rPr>
+              <a:t>-çarpım (</a:t>
+            </a:r>
+            <a:r>
+              <a:rPr lang="tr-TR" sz="2200" b="1" dirty="0" err="1">
+                <a:effectLst/>
+                <a:latin typeface="Times New Roman" panose="02020603050405020304" pitchFamily="18" charset="0"/>
+                <a:ea typeface="Calibri" panose="020F0502020204030204" pitchFamily="34" charset="0"/>
+                <a:cs typeface="Times New Roman" panose="02020603050405020304" pitchFamily="18" charset="0"/>
+              </a:rPr>
+              <a:t>max-dot</a:t>
+            </a:r>
+            <a:r>
+              <a:rPr lang="tr-TR" sz="2200" b="1" dirty="0">
+                <a:effectLst/>
+                <a:latin typeface="Times New Roman" panose="02020603050405020304" pitchFamily="18" charset="0"/>
+                <a:ea typeface="Calibri" panose="020F0502020204030204" pitchFamily="34" charset="0"/>
+                <a:cs typeface="Times New Roman" panose="02020603050405020304" pitchFamily="18" charset="0"/>
+              </a:rPr>
+              <a:t>) operatörü kullanarak bulanık çıkarım örneği:</a:t>
+            </a:r>
+            <a:endParaRPr lang="tr-TR" sz="2200" dirty="0">
+              <a:latin typeface="Times New Roman" panose="02020603050405020304" pitchFamily="18" charset="0"/>
+              <a:cs typeface="Times New Roman" panose="02020603050405020304" pitchFamily="18" charset="0"/>
+            </a:endParaRPr>
+          </a:p>
+        </p:txBody>
+      </p:sp>
+      <p:pic>
+        <p:nvPicPr>
+          <p:cNvPr id="2" name="Resim 1">
+            <a:extLst>
+              <a:ext uri="{FF2B5EF4-FFF2-40B4-BE49-F238E27FC236}">
+                <a16:creationId xmlns:a16="http://schemas.microsoft.com/office/drawing/2014/main" id="{740B3A62-43F4-888C-BB20-B73B49D31326}"/>
+              </a:ext>
+            </a:extLst>
+          </p:cNvPr>
+          <p:cNvPicPr>
+            <a:picLocks noChangeAspect="1"/>
+          </p:cNvPicPr>
+          <p:nvPr/>
+        </p:nvPicPr>
+        <p:blipFill>
+          <a:blip r:embed="rId3"/>
+          <a:stretch>
+            <a:fillRect/>
+          </a:stretch>
+        </p:blipFill>
+        <p:spPr>
+          <a:xfrm>
+            <a:off x="1604318" y="1522534"/>
+            <a:ext cx="8983364" cy="4325815"/>
+          </a:xfrm>
+          <a:prstGeom prst="rect">
+            <a:avLst/>
+          </a:prstGeom>
+        </p:spPr>
+      </p:pic>
+    </p:spTree>
+    <p:extLst>
+      <p:ext uri="{BB962C8B-B14F-4D97-AF65-F5344CB8AC3E}">
+        <p14:creationId xmlns:p14="http://schemas.microsoft.com/office/powerpoint/2010/main" val="186932854"/>
+      </p:ext>
+    </p:extLst>
+  </p:cSld>
+  <p:clrMapOvr>
+    <a:masterClrMapping/>
+  </p:clrMapOvr>
+</p:sld>
+</file>
+
+<file path=ppt/slides/slide28.xml><?xml version="1.0" encoding="utf-8"?>
+<p:sld xmlns:a="http://schemas.openxmlformats.org/drawingml/2006/main" xmlns:r="http://schemas.openxmlformats.org/officeDocument/2006/relationships" xmlns:p="http://schemas.openxmlformats.org/presentationml/2006/main">
+  <p:cSld>
+    <p:spTree>
+      <p:nvGrpSpPr>
+        <p:cNvPr id="1" name=""/>
+        <p:cNvGrpSpPr/>
+        <p:nvPr/>
+      </p:nvGrpSpPr>
+      <p:grpSpPr>
+        <a:xfrm>
+          <a:off x="0" y="0"/>
+          <a:ext cx="0" cy="0"/>
+          <a:chOff x="0" y="0"/>
+          <a:chExt cx="0" cy="0"/>
+        </a:xfrm>
+      </p:grpSpPr>
+      <p:sp>
+        <p:nvSpPr>
+          <p:cNvPr id="4" name="Başlık 3">
+            <a:extLst>
+              <a:ext uri="{FF2B5EF4-FFF2-40B4-BE49-F238E27FC236}">
+                <a16:creationId xmlns:a16="http://schemas.microsoft.com/office/drawing/2014/main" id="{55E27C7C-4B68-4BBC-BF36-8959D8493E4A}"/>
+              </a:ext>
+            </a:extLst>
+          </p:cNvPr>
+          <p:cNvSpPr>
+            <a:spLocks noGrp="1"/>
+          </p:cNvSpPr>
+          <p:nvPr>
+            <p:ph type="title"/>
+          </p:nvPr>
+        </p:nvSpPr>
+        <p:spPr>
+          <a:xfrm>
             <a:off x="838200" y="294699"/>
             <a:ext cx="10515600" cy="610821"/>
           </a:xfrm>
@@ -19473,11 +21418,14 @@
               <a:buNone/>
             </a:pPr>
             <a:r>
-              <a:rPr lang="tr-TR" sz="2800" b="1" dirty="0">
-                <a:latin typeface="Times New Roman" panose="02020603050405020304" pitchFamily="18" charset="0"/>
-              </a:rPr>
-              <a:t>Ödev-5</a:t>
-            </a:r>
+              <a:rPr lang="tr-TR" sz="2800" b="1">
+                <a:latin typeface="Times New Roman" panose="02020603050405020304" pitchFamily="18" charset="0"/>
+              </a:rPr>
+              <a:t>Ödev-6</a:t>
+            </a:r>
+            <a:endParaRPr lang="tr-TR" sz="2800" b="1" dirty="0">
+              <a:latin typeface="Times New Roman" panose="02020603050405020304" pitchFamily="18" charset="0"/>
+            </a:endParaRPr>
           </a:p>
         </p:txBody>
       </p:sp>
@@ -19514,7 +21462,7 @@
                   <a:schemeClr val="accent2"/>
                 </a:solidFill>
               </a:rPr>
-              <a:t>23</a:t>
+              <a:t>28</a:t>
             </a:fld>
             <a:endParaRPr lang="tr-TR" b="1" cap="all" spc="100" dirty="0">
               <a:solidFill>
@@ -19625,7 +21573,21 @@
                 <a:latin typeface="Times New Roman" panose="02020603050405020304" pitchFamily="18" charset="0"/>
                 <a:cs typeface="Times New Roman" panose="02020603050405020304" pitchFamily="18" charset="0"/>
               </a:rPr>
-              <a:t>Kural 1: Öncül çıkışı:0.4 </a:t>
+              <a:t>Kural 1: Öncül çıkışı:0.4 (</a:t>
+            </a:r>
+            <a:r>
+              <a:rPr lang="tr-TR" sz="2200" b="1" dirty="0" err="1">
+                <a:latin typeface="Times New Roman" panose="02020603050405020304" pitchFamily="18" charset="0"/>
+                <a:cs typeface="Times New Roman" panose="02020603050405020304" pitchFamily="18" charset="0"/>
+              </a:rPr>
+              <a:t>Low</a:t>
+            </a:r>
+            <a:r>
+              <a:rPr lang="tr-TR" sz="2200" b="1" dirty="0">
+                <a:latin typeface="Times New Roman" panose="02020603050405020304" pitchFamily="18" charset="0"/>
+                <a:cs typeface="Times New Roman" panose="02020603050405020304" pitchFamily="18" charset="0"/>
+              </a:rPr>
+              <a:t>-&gt;22)</a:t>
             </a:r>
           </a:p>
           <a:p>
@@ -19675,7 +21637,21 @@
                 <a:latin typeface="Times New Roman" panose="02020603050405020304" pitchFamily="18" charset="0"/>
                 <a:cs typeface="Times New Roman" panose="02020603050405020304" pitchFamily="18" charset="0"/>
               </a:rPr>
-              <a:t>Kural 2: Öncül Çıkışı:0.7</a:t>
+              <a:t>Kural 2: Öncül Çıkışı:0.75 (</a:t>
+            </a:r>
+            <a:r>
+              <a:rPr lang="tr-TR" sz="2200" b="1" dirty="0" err="1">
+                <a:latin typeface="Times New Roman" panose="02020603050405020304" pitchFamily="18" charset="0"/>
+                <a:cs typeface="Times New Roman" panose="02020603050405020304" pitchFamily="18" charset="0"/>
+              </a:rPr>
+              <a:t>Med</a:t>
+            </a:r>
+            <a:r>
+              <a:rPr lang="tr-TR" sz="2200" b="1" dirty="0">
+                <a:latin typeface="Times New Roman" panose="02020603050405020304" pitchFamily="18" charset="0"/>
+                <a:cs typeface="Times New Roman" panose="02020603050405020304" pitchFamily="18" charset="0"/>
+              </a:rPr>
+              <a:t>-&gt;39)</a:t>
             </a:r>
           </a:p>
           <a:p>
@@ -19713,45 +21689,17 @@
                 <a:latin typeface="Times New Roman" panose="02020603050405020304" pitchFamily="18" charset="0"/>
                 <a:cs typeface="Times New Roman" panose="02020603050405020304" pitchFamily="18" charset="0"/>
               </a:rPr>
-              <a:t> göre çıkış kümesini elde edip </a:t>
-            </a:r>
-            <a:r>
-              <a:rPr lang="tr-TR" sz="2200" b="1" dirty="0" err="1">
-                <a:latin typeface="Times New Roman" panose="02020603050405020304" pitchFamily="18" charset="0"/>
-                <a:cs typeface="Times New Roman" panose="02020603050405020304" pitchFamily="18" charset="0"/>
-              </a:rPr>
-              <a:t>görselleştrin</a:t>
-            </a:r>
+              <a:t> göre çıkış kümesini elde edip görselleştirin.</a:t>
+            </a:r>
+          </a:p>
+          <a:p>
+            <a:pPr marL="0" lvl="5" indent="-342900"/>
             <a:r>
               <a:rPr lang="tr-TR" sz="2200" b="1" dirty="0">
                 <a:latin typeface="Times New Roman" panose="02020603050405020304" pitchFamily="18" charset="0"/>
                 <a:cs typeface="Times New Roman" panose="02020603050405020304" pitchFamily="18" charset="0"/>
               </a:rPr>
-              <a:t>.</a:t>
-            </a:r>
-          </a:p>
-          <a:p>
-            <a:pPr marL="0" lvl="5" indent="-342900"/>
-            <a:r>
-              <a:rPr lang="tr-TR" sz="2200" b="1" dirty="0">
-                <a:latin typeface="Times New Roman" panose="02020603050405020304" pitchFamily="18" charset="0"/>
-                <a:cs typeface="Times New Roman" panose="02020603050405020304" pitchFamily="18" charset="0"/>
-              </a:rPr>
-              <a:t>Yukarıdaki benzer </a:t>
-            </a:r>
-            <a:r>
-              <a:rPr lang="tr-TR" sz="2200" b="1" dirty="0" err="1">
-                <a:latin typeface="Times New Roman" panose="02020603050405020304" pitchFamily="18" charset="0"/>
-                <a:cs typeface="Times New Roman" panose="02020603050405020304" pitchFamily="18" charset="0"/>
-              </a:rPr>
-              <a:t>işlmeleri</a:t>
-            </a:r>
-            <a:r>
-              <a:rPr lang="tr-TR" sz="2200" b="1" dirty="0">
-                <a:latin typeface="Times New Roman" panose="02020603050405020304" pitchFamily="18" charset="0"/>
-                <a:cs typeface="Times New Roman" panose="02020603050405020304" pitchFamily="18" charset="0"/>
-              </a:rPr>
-              <a:t> Larsen’e göre de gerçekleştirip ayrı bir görsel olarak çizdirin.</a:t>
+              <a:t>Yukarıdaki benzer işlemleri Larsen’e göre de gerçekleştirip ayrı bir görsel olarak çizdirin.</a:t>
             </a:r>
           </a:p>
           <a:p>
@@ -19808,1842 +21756,6 @@
 </p:sld>
 </file>
 
-<file path=ppt/slides/slide24.xml><?xml version="1.0" encoding="utf-8"?>
-<p:sld xmlns:a="http://schemas.openxmlformats.org/drawingml/2006/main" xmlns:r="http://schemas.openxmlformats.org/officeDocument/2006/relationships" xmlns:p="http://schemas.openxmlformats.org/presentationml/2006/main">
-  <p:cSld>
-    <p:spTree>
-      <p:nvGrpSpPr>
-        <p:cNvPr id="1" name=""/>
-        <p:cNvGrpSpPr/>
-        <p:nvPr/>
-      </p:nvGrpSpPr>
-      <p:grpSpPr>
-        <a:xfrm>
-          <a:off x="0" y="0"/>
-          <a:ext cx="0" cy="0"/>
-          <a:chOff x="0" y="0"/>
-          <a:chExt cx="0" cy="0"/>
-        </a:xfrm>
-      </p:grpSpPr>
-      <p:sp>
-        <p:nvSpPr>
-          <p:cNvPr id="4" name="Başlık 3">
-            <a:extLst>
-              <a:ext uri="{FF2B5EF4-FFF2-40B4-BE49-F238E27FC236}">
-                <a16:creationId xmlns:a16="http://schemas.microsoft.com/office/drawing/2014/main" id="{55E27C7C-4B68-4BBC-BF36-8959D8493E4A}"/>
-              </a:ext>
-            </a:extLst>
-          </p:cNvPr>
-          <p:cNvSpPr>
-            <a:spLocks noGrp="1"/>
-          </p:cNvSpPr>
-          <p:nvPr>
-            <p:ph type="title"/>
-          </p:nvPr>
-        </p:nvSpPr>
-        <p:spPr>
-          <a:xfrm>
-            <a:off x="838200" y="136525"/>
-            <a:ext cx="10515600" cy="610821"/>
-          </a:xfrm>
-        </p:spPr>
-        <p:txBody>
-          <a:bodyPr rtlCol="0">
-            <a:normAutofit/>
-          </a:bodyPr>
-          <a:lstStyle/>
-          <a:p>
-            <a:pPr marL="0" indent="0" algn="ctr">
-              <a:lnSpc>
-                <a:spcPts val="2700"/>
-              </a:lnSpc>
-              <a:spcBef>
-                <a:spcPts val="0"/>
-              </a:spcBef>
-              <a:spcAft>
-                <a:spcPts val="600"/>
-              </a:spcAft>
-              <a:buNone/>
-            </a:pPr>
-            <a:r>
-              <a:rPr lang="tr-TR" sz="4000" b="1" dirty="0">
-                <a:latin typeface="Times New Roman" panose="02020603050405020304" pitchFamily="18" charset="0"/>
-                <a:ea typeface="Calibri" panose="020F0502020204030204" pitchFamily="34" charset="0"/>
-                <a:cs typeface="Times New Roman" panose="02020603050405020304" pitchFamily="18" charset="0"/>
-              </a:rPr>
-              <a:t>Bulanık Kural Tabanı:</a:t>
-            </a:r>
-          </a:p>
-        </p:txBody>
-      </p:sp>
-      <p:sp>
-        <p:nvSpPr>
-          <p:cNvPr id="9" name="Slayt Numarası Yer Tutucusu 5">
-            <a:extLst>
-              <a:ext uri="{FF2B5EF4-FFF2-40B4-BE49-F238E27FC236}">
-                <a16:creationId xmlns:a16="http://schemas.microsoft.com/office/drawing/2014/main" id="{4FC290B8-BF94-4636-BFAB-9FD67F4AAC6D}"/>
-              </a:ext>
-            </a:extLst>
-          </p:cNvPr>
-          <p:cNvSpPr>
-            <a:spLocks noGrp="1"/>
-          </p:cNvSpPr>
-          <p:nvPr>
-            <p:ph type="sldNum" sz="quarter" idx="12"/>
-          </p:nvPr>
-        </p:nvSpPr>
-        <p:spPr>
-          <a:xfrm>
-            <a:off x="8610600" y="6356350"/>
-            <a:ext cx="2743200" cy="365125"/>
-          </a:xfrm>
-        </p:spPr>
-        <p:txBody>
-          <a:bodyPr rtlCol="0"/>
-          <a:lstStyle/>
-          <a:p>
-            <a:pPr rtl="0"/>
-            <a:fld id="{D8DA9DAA-006C-4F4B-980E-E3DF019B24E2}" type="slidenum">
-              <a:rPr lang="tr-TR" b="1" cap="all" spc="100" smtClean="0">
-                <a:solidFill>
-                  <a:schemeClr val="accent2"/>
-                </a:solidFill>
-              </a:rPr>
-              <a:t>24</a:t>
-            </a:fld>
-            <a:endParaRPr lang="tr-TR" b="1" cap="all" spc="100" dirty="0">
-              <a:solidFill>
-                <a:schemeClr val="accent2"/>
-              </a:solidFill>
-            </a:endParaRPr>
-          </a:p>
-        </p:txBody>
-      </p:sp>
-      <p:sp>
-        <p:nvSpPr>
-          <p:cNvPr id="3" name="İçerik Yer Tutucusu 2">
-            <a:extLst>
-              <a:ext uri="{FF2B5EF4-FFF2-40B4-BE49-F238E27FC236}">
-                <a16:creationId xmlns:a16="http://schemas.microsoft.com/office/drawing/2014/main" id="{839B2505-A752-6959-A64F-4ADB0FD16C45}"/>
-              </a:ext>
-            </a:extLst>
-          </p:cNvPr>
-          <p:cNvSpPr>
-            <a:spLocks noGrp="1"/>
-          </p:cNvSpPr>
-          <p:nvPr>
-            <p:ph idx="1"/>
-          </p:nvPr>
-        </p:nvSpPr>
-        <p:spPr>
-          <a:xfrm>
-            <a:off x="838200" y="747346"/>
-            <a:ext cx="10515600" cy="5732585"/>
-          </a:xfrm>
-        </p:spPr>
-        <p:txBody>
-          <a:bodyPr>
-            <a:normAutofit/>
-          </a:bodyPr>
-          <a:lstStyle/>
-          <a:p>
-            <a:pPr algn="just">
-              <a:lnSpc>
-                <a:spcPts val="2700"/>
-              </a:lnSpc>
-              <a:spcBef>
-                <a:spcPts val="0"/>
-              </a:spcBef>
-              <a:spcAft>
-                <a:spcPts val="1200"/>
-              </a:spcAft>
-            </a:pPr>
-            <a:r>
-              <a:rPr lang="tr-TR" sz="2200" dirty="0">
-                <a:latin typeface="Times New Roman" panose="02020603050405020304" pitchFamily="18" charset="0"/>
-                <a:cs typeface="Times New Roman" panose="02020603050405020304" pitchFamily="18" charset="0"/>
-              </a:rPr>
-              <a:t>Şimdiye kadar sadece bulanık kurallara baktık.</a:t>
-            </a:r>
-          </a:p>
-          <a:p>
-            <a:pPr algn="just">
-              <a:lnSpc>
-                <a:spcPts val="2700"/>
-              </a:lnSpc>
-              <a:spcBef>
-                <a:spcPts val="0"/>
-              </a:spcBef>
-              <a:spcAft>
-                <a:spcPts val="1200"/>
-              </a:spcAft>
-            </a:pPr>
-            <a:r>
-              <a:rPr lang="tr-TR" sz="2200" dirty="0">
-                <a:latin typeface="Times New Roman" panose="02020603050405020304" pitchFamily="18" charset="0"/>
-                <a:cs typeface="Times New Roman" panose="02020603050405020304" pitchFamily="18" charset="0"/>
-              </a:rPr>
-              <a:t>Bir bulanık bilgi tabanı daima birçok bulanık kuralları içerir.</a:t>
-            </a:r>
-          </a:p>
-          <a:p>
-            <a:pPr algn="just">
-              <a:lnSpc>
-                <a:spcPts val="2700"/>
-              </a:lnSpc>
-              <a:spcBef>
-                <a:spcPts val="0"/>
-              </a:spcBef>
-              <a:spcAft>
-                <a:spcPts val="1200"/>
-              </a:spcAft>
-            </a:pPr>
-            <a:r>
-              <a:rPr lang="tr-TR" sz="2200" dirty="0">
-                <a:latin typeface="Times New Roman" panose="02020603050405020304" pitchFamily="18" charset="0"/>
-                <a:cs typeface="Times New Roman" panose="02020603050405020304" pitchFamily="18" charset="0"/>
-              </a:rPr>
-              <a:t>Bulanık kuralların yapısı kesin katı kuralları içermez.</a:t>
-            </a:r>
-          </a:p>
-          <a:p>
-            <a:pPr algn="just">
-              <a:lnSpc>
-                <a:spcPts val="2700"/>
-              </a:lnSpc>
-              <a:spcBef>
-                <a:spcPts val="0"/>
-              </a:spcBef>
-              <a:spcAft>
-                <a:spcPts val="1200"/>
-              </a:spcAft>
-            </a:pPr>
-            <a:r>
-              <a:rPr lang="tr-TR" sz="2200" dirty="0">
-                <a:latin typeface="Times New Roman" panose="02020603050405020304" pitchFamily="18" charset="0"/>
-                <a:cs typeface="Times New Roman" panose="02020603050405020304" pitchFamily="18" charset="0"/>
-              </a:rPr>
-              <a:t>Günümüzde birçok mühendislik uygulamalarında bulanık kurallar IF-THEN yapısı ile ifade edilirler.</a:t>
-            </a:r>
-          </a:p>
-          <a:p>
-            <a:pPr marL="0" indent="0" algn="ctr">
-              <a:lnSpc>
-                <a:spcPts val="2700"/>
-              </a:lnSpc>
-              <a:spcBef>
-                <a:spcPts val="0"/>
-              </a:spcBef>
-              <a:spcAft>
-                <a:spcPts val="1200"/>
-              </a:spcAft>
-              <a:buNone/>
-            </a:pPr>
-            <a:r>
-              <a:rPr lang="tr-TR" sz="2200" dirty="0">
-                <a:latin typeface="Times New Roman" panose="02020603050405020304" pitchFamily="18" charset="0"/>
-                <a:cs typeface="Times New Roman" panose="02020603050405020304" pitchFamily="18" charset="0"/>
-              </a:rPr>
-              <a:t>IF &lt;KOŞULLAR&gt; THEN &lt;EYLEM&gt;</a:t>
-            </a:r>
-          </a:p>
-          <a:p>
-            <a:pPr algn="just">
-              <a:lnSpc>
-                <a:spcPts val="2700"/>
-              </a:lnSpc>
-              <a:spcBef>
-                <a:spcPts val="0"/>
-              </a:spcBef>
-              <a:spcAft>
-                <a:spcPts val="1200"/>
-              </a:spcAft>
-            </a:pPr>
-            <a:r>
-              <a:rPr lang="tr-TR" sz="2200" dirty="0">
-                <a:latin typeface="Times New Roman" panose="02020603050405020304" pitchFamily="18" charset="0"/>
-                <a:cs typeface="Times New Roman" panose="02020603050405020304" pitchFamily="18" charset="0"/>
-              </a:rPr>
-              <a:t>Bu esas olarak:</a:t>
-            </a:r>
-          </a:p>
-          <a:p>
-            <a:pPr lvl="1" algn="just">
-              <a:lnSpc>
-                <a:spcPts val="2700"/>
-              </a:lnSpc>
-              <a:spcBef>
-                <a:spcPts val="0"/>
-              </a:spcBef>
-              <a:spcAft>
-                <a:spcPts val="1200"/>
-              </a:spcAft>
-            </a:pPr>
-            <a:r>
-              <a:rPr lang="tr-TR" sz="2200" dirty="0">
-                <a:latin typeface="Times New Roman" panose="02020603050405020304" pitchFamily="18" charset="0"/>
-                <a:cs typeface="Times New Roman" panose="02020603050405020304" pitchFamily="18" charset="0"/>
-              </a:rPr>
-              <a:t>Uzman insanların kolay bir yoldan tecrübe ve bilgilerini aktarması,</a:t>
-            </a:r>
-          </a:p>
-          <a:p>
-            <a:pPr lvl="1" algn="just">
-              <a:lnSpc>
-                <a:spcPts val="2700"/>
-              </a:lnSpc>
-              <a:spcBef>
-                <a:spcPts val="0"/>
-              </a:spcBef>
-              <a:spcAft>
-                <a:spcPts val="1200"/>
-              </a:spcAft>
-            </a:pPr>
-            <a:r>
-              <a:rPr lang="tr-TR" sz="2200" dirty="0">
-                <a:latin typeface="Times New Roman" panose="02020603050405020304" pitchFamily="18" charset="0"/>
-                <a:cs typeface="Times New Roman" panose="02020603050405020304" pitchFamily="18" charset="0"/>
-              </a:rPr>
-              <a:t>Program tasarımcısının bulanık kuralları kolay bir şekilde programlaması,</a:t>
-            </a:r>
-          </a:p>
-          <a:p>
-            <a:pPr lvl="1" algn="just">
-              <a:lnSpc>
-                <a:spcPts val="2700"/>
-              </a:lnSpc>
-              <a:spcBef>
-                <a:spcPts val="0"/>
-              </a:spcBef>
-              <a:spcAft>
-                <a:spcPts val="1200"/>
-              </a:spcAft>
-            </a:pPr>
-            <a:r>
-              <a:rPr lang="tr-TR" sz="2200" dirty="0">
-                <a:latin typeface="Times New Roman" panose="02020603050405020304" pitchFamily="18" charset="0"/>
-                <a:cs typeface="Times New Roman" panose="02020603050405020304" pitchFamily="18" charset="0"/>
-              </a:rPr>
-              <a:t>Tasarım maliyetini düşürmek ve iyi bulanık çıkarım etkinliği, arzulandığında yapılır.</a:t>
-            </a:r>
-          </a:p>
-          <a:p>
-            <a:pPr algn="just">
-              <a:lnSpc>
-                <a:spcPts val="2700"/>
-              </a:lnSpc>
-              <a:spcBef>
-                <a:spcPts val="0"/>
-              </a:spcBef>
-              <a:spcAft>
-                <a:spcPts val="1200"/>
-              </a:spcAft>
-            </a:pPr>
-            <a:endParaRPr lang="tr-TR" sz="2200" dirty="0">
-              <a:latin typeface="Times New Roman" panose="02020603050405020304" pitchFamily="18" charset="0"/>
-              <a:cs typeface="Times New Roman" panose="02020603050405020304" pitchFamily="18" charset="0"/>
-            </a:endParaRPr>
-          </a:p>
-        </p:txBody>
-      </p:sp>
-    </p:spTree>
-    <p:extLst>
-      <p:ext uri="{BB962C8B-B14F-4D97-AF65-F5344CB8AC3E}">
-        <p14:creationId xmlns:p14="http://schemas.microsoft.com/office/powerpoint/2010/main" val="1894505125"/>
-      </p:ext>
-    </p:extLst>
-  </p:cSld>
-  <p:clrMapOvr>
-    <a:masterClrMapping/>
-  </p:clrMapOvr>
-</p:sld>
-</file>
-
-<file path=ppt/slides/slide25.xml><?xml version="1.0" encoding="utf-8"?>
-<p:sld xmlns:a="http://schemas.openxmlformats.org/drawingml/2006/main" xmlns:r="http://schemas.openxmlformats.org/officeDocument/2006/relationships" xmlns:p="http://schemas.openxmlformats.org/presentationml/2006/main">
-  <p:cSld>
-    <p:spTree>
-      <p:nvGrpSpPr>
-        <p:cNvPr id="1" name=""/>
-        <p:cNvGrpSpPr/>
-        <p:nvPr/>
-      </p:nvGrpSpPr>
-      <p:grpSpPr>
-        <a:xfrm>
-          <a:off x="0" y="0"/>
-          <a:ext cx="0" cy="0"/>
-          <a:chOff x="0" y="0"/>
-          <a:chExt cx="0" cy="0"/>
-        </a:xfrm>
-      </p:grpSpPr>
-      <p:sp>
-        <p:nvSpPr>
-          <p:cNvPr id="4" name="Başlık 3">
-            <a:extLst>
-              <a:ext uri="{FF2B5EF4-FFF2-40B4-BE49-F238E27FC236}">
-                <a16:creationId xmlns:a16="http://schemas.microsoft.com/office/drawing/2014/main" id="{55E27C7C-4B68-4BBC-BF36-8959D8493E4A}"/>
-              </a:ext>
-            </a:extLst>
-          </p:cNvPr>
-          <p:cNvSpPr>
-            <a:spLocks noGrp="1"/>
-          </p:cNvSpPr>
-          <p:nvPr>
-            <p:ph type="title"/>
-          </p:nvPr>
-        </p:nvSpPr>
-        <p:spPr>
-          <a:xfrm>
-            <a:off x="838200" y="136525"/>
-            <a:ext cx="10515600" cy="610821"/>
-          </a:xfrm>
-        </p:spPr>
-        <p:txBody>
-          <a:bodyPr rtlCol="0">
-            <a:normAutofit/>
-          </a:bodyPr>
-          <a:lstStyle/>
-          <a:p>
-            <a:pPr marL="0" indent="0" algn="ctr">
-              <a:lnSpc>
-                <a:spcPts val="2700"/>
-              </a:lnSpc>
-              <a:spcBef>
-                <a:spcPts val="0"/>
-              </a:spcBef>
-              <a:spcAft>
-                <a:spcPts val="600"/>
-              </a:spcAft>
-              <a:buNone/>
-            </a:pPr>
-            <a:r>
-              <a:rPr lang="tr-TR" sz="4000" b="1" dirty="0">
-                <a:latin typeface="Times New Roman" panose="02020603050405020304" pitchFamily="18" charset="0"/>
-                <a:ea typeface="Calibri" panose="020F0502020204030204" pitchFamily="34" charset="0"/>
-                <a:cs typeface="Times New Roman" panose="02020603050405020304" pitchFamily="18" charset="0"/>
-              </a:rPr>
-              <a:t>Bulanık Kural Tabanı:</a:t>
-            </a:r>
-          </a:p>
-        </p:txBody>
-      </p:sp>
-      <p:sp>
-        <p:nvSpPr>
-          <p:cNvPr id="9" name="Slayt Numarası Yer Tutucusu 5">
-            <a:extLst>
-              <a:ext uri="{FF2B5EF4-FFF2-40B4-BE49-F238E27FC236}">
-                <a16:creationId xmlns:a16="http://schemas.microsoft.com/office/drawing/2014/main" id="{4FC290B8-BF94-4636-BFAB-9FD67F4AAC6D}"/>
-              </a:ext>
-            </a:extLst>
-          </p:cNvPr>
-          <p:cNvSpPr>
-            <a:spLocks noGrp="1"/>
-          </p:cNvSpPr>
-          <p:nvPr>
-            <p:ph type="sldNum" sz="quarter" idx="12"/>
-          </p:nvPr>
-        </p:nvSpPr>
-        <p:spPr>
-          <a:xfrm>
-            <a:off x="8610600" y="6356350"/>
-            <a:ext cx="2743200" cy="365125"/>
-          </a:xfrm>
-        </p:spPr>
-        <p:txBody>
-          <a:bodyPr rtlCol="0"/>
-          <a:lstStyle/>
-          <a:p>
-            <a:pPr rtl="0"/>
-            <a:fld id="{D8DA9DAA-006C-4F4B-980E-E3DF019B24E2}" type="slidenum">
-              <a:rPr lang="tr-TR" b="1" cap="all" spc="100" smtClean="0">
-                <a:solidFill>
-                  <a:schemeClr val="accent2"/>
-                </a:solidFill>
-              </a:rPr>
-              <a:t>25</a:t>
-            </a:fld>
-            <a:endParaRPr lang="tr-TR" b="1" cap="all" spc="100" dirty="0">
-              <a:solidFill>
-                <a:schemeClr val="accent2"/>
-              </a:solidFill>
-            </a:endParaRPr>
-          </a:p>
-        </p:txBody>
-      </p:sp>
-      <p:sp>
-        <p:nvSpPr>
-          <p:cNvPr id="3" name="İçerik Yer Tutucusu 2">
-            <a:extLst>
-              <a:ext uri="{FF2B5EF4-FFF2-40B4-BE49-F238E27FC236}">
-                <a16:creationId xmlns:a16="http://schemas.microsoft.com/office/drawing/2014/main" id="{839B2505-A752-6959-A64F-4ADB0FD16C45}"/>
-              </a:ext>
-            </a:extLst>
-          </p:cNvPr>
-          <p:cNvSpPr>
-            <a:spLocks noGrp="1"/>
-          </p:cNvSpPr>
-          <p:nvPr>
-            <p:ph idx="1"/>
-          </p:nvPr>
-        </p:nvSpPr>
-        <p:spPr>
-          <a:xfrm>
-            <a:off x="838200" y="747346"/>
-            <a:ext cx="10515600" cy="5732585"/>
-          </a:xfrm>
-        </p:spPr>
-        <p:txBody>
-          <a:bodyPr>
-            <a:normAutofit/>
-          </a:bodyPr>
-          <a:lstStyle/>
-          <a:p>
-            <a:pPr algn="just">
-              <a:lnSpc>
-                <a:spcPts val="2700"/>
-              </a:lnSpc>
-              <a:spcBef>
-                <a:spcPts val="0"/>
-              </a:spcBef>
-              <a:spcAft>
-                <a:spcPts val="1200"/>
-              </a:spcAft>
-            </a:pPr>
-            <a:r>
-              <a:rPr lang="tr-TR" sz="2200" dirty="0">
-                <a:latin typeface="Times New Roman" panose="02020603050405020304" pitchFamily="18" charset="0"/>
-                <a:cs typeface="Times New Roman" panose="02020603050405020304" pitchFamily="18" charset="0"/>
-              </a:rPr>
-              <a:t>Şimdiye kadar sadece bulanık kurallara baktık.</a:t>
-            </a:r>
-          </a:p>
-          <a:p>
-            <a:pPr algn="just">
-              <a:lnSpc>
-                <a:spcPts val="2700"/>
-              </a:lnSpc>
-              <a:spcBef>
-                <a:spcPts val="0"/>
-              </a:spcBef>
-              <a:spcAft>
-                <a:spcPts val="1200"/>
-              </a:spcAft>
-            </a:pPr>
-            <a:r>
-              <a:rPr lang="tr-TR" sz="2200" dirty="0">
-                <a:latin typeface="Times New Roman" panose="02020603050405020304" pitchFamily="18" charset="0"/>
-                <a:cs typeface="Times New Roman" panose="02020603050405020304" pitchFamily="18" charset="0"/>
-              </a:rPr>
-              <a:t>Bir bulanık bilgi tabanı daima birçok bulanık kuralları içerir.</a:t>
-            </a:r>
-          </a:p>
-          <a:p>
-            <a:pPr algn="just">
-              <a:lnSpc>
-                <a:spcPts val="2700"/>
-              </a:lnSpc>
-              <a:spcBef>
-                <a:spcPts val="0"/>
-              </a:spcBef>
-              <a:spcAft>
-                <a:spcPts val="1200"/>
-              </a:spcAft>
-            </a:pPr>
-            <a:r>
-              <a:rPr lang="tr-TR" sz="2200" dirty="0">
-                <a:latin typeface="Times New Roman" panose="02020603050405020304" pitchFamily="18" charset="0"/>
-                <a:cs typeface="Times New Roman" panose="02020603050405020304" pitchFamily="18" charset="0"/>
-              </a:rPr>
-              <a:t>Bulanık kuralların yapısı kesin katı kuralları içermez.</a:t>
-            </a:r>
-          </a:p>
-          <a:p>
-            <a:pPr algn="just">
-              <a:lnSpc>
-                <a:spcPts val="2700"/>
-              </a:lnSpc>
-              <a:spcBef>
-                <a:spcPts val="0"/>
-              </a:spcBef>
-              <a:spcAft>
-                <a:spcPts val="1200"/>
-              </a:spcAft>
-            </a:pPr>
-            <a:r>
-              <a:rPr lang="tr-TR" sz="2200" dirty="0">
-                <a:latin typeface="Times New Roman" panose="02020603050405020304" pitchFamily="18" charset="0"/>
-                <a:cs typeface="Times New Roman" panose="02020603050405020304" pitchFamily="18" charset="0"/>
-              </a:rPr>
-              <a:t>Günümüzde birçok mühendislik uygulamalarında bulanık kurallar IF-THEN yapısı ile ifade edilirler.</a:t>
-            </a:r>
-          </a:p>
-          <a:p>
-            <a:pPr marL="0" indent="0" algn="ctr">
-              <a:lnSpc>
-                <a:spcPts val="2700"/>
-              </a:lnSpc>
-              <a:spcBef>
-                <a:spcPts val="0"/>
-              </a:spcBef>
-              <a:spcAft>
-                <a:spcPts val="1200"/>
-              </a:spcAft>
-              <a:buNone/>
-            </a:pPr>
-            <a:r>
-              <a:rPr lang="tr-TR" sz="2200" dirty="0">
-                <a:latin typeface="Times New Roman" panose="02020603050405020304" pitchFamily="18" charset="0"/>
-                <a:cs typeface="Times New Roman" panose="02020603050405020304" pitchFamily="18" charset="0"/>
-              </a:rPr>
-              <a:t>IF &lt;KOŞULLAR&gt; THEN &lt;EYLEM&gt;</a:t>
-            </a:r>
-          </a:p>
-          <a:p>
-            <a:pPr algn="just">
-              <a:lnSpc>
-                <a:spcPts val="2700"/>
-              </a:lnSpc>
-              <a:spcBef>
-                <a:spcPts val="0"/>
-              </a:spcBef>
-              <a:spcAft>
-                <a:spcPts val="1200"/>
-              </a:spcAft>
-            </a:pPr>
-            <a:r>
-              <a:rPr lang="tr-TR" sz="2200" dirty="0">
-                <a:latin typeface="Times New Roman" panose="02020603050405020304" pitchFamily="18" charset="0"/>
-                <a:cs typeface="Times New Roman" panose="02020603050405020304" pitchFamily="18" charset="0"/>
-              </a:rPr>
-              <a:t>Bu esas olarak:</a:t>
-            </a:r>
-          </a:p>
-          <a:p>
-            <a:pPr lvl="1" algn="just">
-              <a:lnSpc>
-                <a:spcPts val="2700"/>
-              </a:lnSpc>
-              <a:spcBef>
-                <a:spcPts val="0"/>
-              </a:spcBef>
-              <a:spcAft>
-                <a:spcPts val="1200"/>
-              </a:spcAft>
-            </a:pPr>
-            <a:r>
-              <a:rPr lang="tr-TR" sz="2200" dirty="0">
-                <a:latin typeface="Times New Roman" panose="02020603050405020304" pitchFamily="18" charset="0"/>
-                <a:cs typeface="Times New Roman" panose="02020603050405020304" pitchFamily="18" charset="0"/>
-              </a:rPr>
-              <a:t>Uzman insanların kolay bir yoldan tecrübe ve bilgilerini aktarması,</a:t>
-            </a:r>
-          </a:p>
-          <a:p>
-            <a:pPr lvl="1" algn="just">
-              <a:lnSpc>
-                <a:spcPts val="2700"/>
-              </a:lnSpc>
-              <a:spcBef>
-                <a:spcPts val="0"/>
-              </a:spcBef>
-              <a:spcAft>
-                <a:spcPts val="1200"/>
-              </a:spcAft>
-            </a:pPr>
-            <a:r>
-              <a:rPr lang="tr-TR" sz="2200" dirty="0">
-                <a:latin typeface="Times New Roman" panose="02020603050405020304" pitchFamily="18" charset="0"/>
-                <a:cs typeface="Times New Roman" panose="02020603050405020304" pitchFamily="18" charset="0"/>
-              </a:rPr>
-              <a:t>Program tasarımcısının bulanık kuralları kolay bir şekilde programlaması,</a:t>
-            </a:r>
-          </a:p>
-          <a:p>
-            <a:pPr lvl="1" algn="just">
-              <a:lnSpc>
-                <a:spcPts val="2700"/>
-              </a:lnSpc>
-              <a:spcBef>
-                <a:spcPts val="0"/>
-              </a:spcBef>
-              <a:spcAft>
-                <a:spcPts val="1200"/>
-              </a:spcAft>
-            </a:pPr>
-            <a:r>
-              <a:rPr lang="tr-TR" sz="2200" dirty="0">
-                <a:latin typeface="Times New Roman" panose="02020603050405020304" pitchFamily="18" charset="0"/>
-                <a:cs typeface="Times New Roman" panose="02020603050405020304" pitchFamily="18" charset="0"/>
-              </a:rPr>
-              <a:t>Tasarım maliyetini düşürmek ve iyi bulanık çıkarım etkinliği, arzulandığında yapılır.</a:t>
-            </a:r>
-          </a:p>
-          <a:p>
-            <a:pPr algn="just">
-              <a:lnSpc>
-                <a:spcPts val="2700"/>
-              </a:lnSpc>
-              <a:spcBef>
-                <a:spcPts val="0"/>
-              </a:spcBef>
-              <a:spcAft>
-                <a:spcPts val="1200"/>
-              </a:spcAft>
-            </a:pPr>
-            <a:endParaRPr lang="tr-TR" sz="2200" dirty="0">
-              <a:latin typeface="Times New Roman" panose="02020603050405020304" pitchFamily="18" charset="0"/>
-              <a:cs typeface="Times New Roman" panose="02020603050405020304" pitchFamily="18" charset="0"/>
-            </a:endParaRPr>
-          </a:p>
-        </p:txBody>
-      </p:sp>
-    </p:spTree>
-    <p:extLst>
-      <p:ext uri="{BB962C8B-B14F-4D97-AF65-F5344CB8AC3E}">
-        <p14:creationId xmlns:p14="http://schemas.microsoft.com/office/powerpoint/2010/main" val="1523370829"/>
-      </p:ext>
-    </p:extLst>
-  </p:cSld>
-  <p:clrMapOvr>
-    <a:masterClrMapping/>
-  </p:clrMapOvr>
-</p:sld>
-</file>
-
-<file path=ppt/slides/slide26.xml><?xml version="1.0" encoding="utf-8"?>
-<p:sld xmlns:a="http://schemas.openxmlformats.org/drawingml/2006/main" xmlns:r="http://schemas.openxmlformats.org/officeDocument/2006/relationships" xmlns:p="http://schemas.openxmlformats.org/presentationml/2006/main">
-  <p:cSld>
-    <p:spTree>
-      <p:nvGrpSpPr>
-        <p:cNvPr id="1" name=""/>
-        <p:cNvGrpSpPr/>
-        <p:nvPr/>
-      </p:nvGrpSpPr>
-      <p:grpSpPr>
-        <a:xfrm>
-          <a:off x="0" y="0"/>
-          <a:ext cx="0" cy="0"/>
-          <a:chOff x="0" y="0"/>
-          <a:chExt cx="0" cy="0"/>
-        </a:xfrm>
-      </p:grpSpPr>
-      <p:sp>
-        <p:nvSpPr>
-          <p:cNvPr id="4" name="Başlık 3">
-            <a:extLst>
-              <a:ext uri="{FF2B5EF4-FFF2-40B4-BE49-F238E27FC236}">
-                <a16:creationId xmlns:a16="http://schemas.microsoft.com/office/drawing/2014/main" id="{55E27C7C-4B68-4BBC-BF36-8959D8493E4A}"/>
-              </a:ext>
-            </a:extLst>
-          </p:cNvPr>
-          <p:cNvSpPr>
-            <a:spLocks noGrp="1"/>
-          </p:cNvSpPr>
-          <p:nvPr>
-            <p:ph type="title"/>
-          </p:nvPr>
-        </p:nvSpPr>
-        <p:spPr>
-          <a:xfrm>
-            <a:off x="838200" y="136525"/>
-            <a:ext cx="10515600" cy="610821"/>
-          </a:xfrm>
-        </p:spPr>
-        <p:txBody>
-          <a:bodyPr rtlCol="0">
-            <a:normAutofit/>
-          </a:bodyPr>
-          <a:lstStyle/>
-          <a:p>
-            <a:pPr marL="0" indent="0" algn="ctr">
-              <a:lnSpc>
-                <a:spcPts val="2700"/>
-              </a:lnSpc>
-              <a:spcBef>
-                <a:spcPts val="0"/>
-              </a:spcBef>
-              <a:spcAft>
-                <a:spcPts val="600"/>
-              </a:spcAft>
-              <a:buNone/>
-            </a:pPr>
-            <a:r>
-              <a:rPr lang="tr-TR" sz="4000" b="1" dirty="0">
-                <a:latin typeface="Times New Roman" panose="02020603050405020304" pitchFamily="18" charset="0"/>
-                <a:ea typeface="Calibri" panose="020F0502020204030204" pitchFamily="34" charset="0"/>
-                <a:cs typeface="Times New Roman" panose="02020603050405020304" pitchFamily="18" charset="0"/>
-              </a:rPr>
-              <a:t>Bulanık Anlamlandırma:</a:t>
-            </a:r>
-          </a:p>
-        </p:txBody>
-      </p:sp>
-      <p:sp>
-        <p:nvSpPr>
-          <p:cNvPr id="9" name="Slayt Numarası Yer Tutucusu 5">
-            <a:extLst>
-              <a:ext uri="{FF2B5EF4-FFF2-40B4-BE49-F238E27FC236}">
-                <a16:creationId xmlns:a16="http://schemas.microsoft.com/office/drawing/2014/main" id="{4FC290B8-BF94-4636-BFAB-9FD67F4AAC6D}"/>
-              </a:ext>
-            </a:extLst>
-          </p:cNvPr>
-          <p:cNvSpPr>
-            <a:spLocks noGrp="1"/>
-          </p:cNvSpPr>
-          <p:nvPr>
-            <p:ph type="sldNum" sz="quarter" idx="12"/>
-          </p:nvPr>
-        </p:nvSpPr>
-        <p:spPr>
-          <a:xfrm>
-            <a:off x="8610600" y="6356350"/>
-            <a:ext cx="2743200" cy="365125"/>
-          </a:xfrm>
-        </p:spPr>
-        <p:txBody>
-          <a:bodyPr rtlCol="0"/>
-          <a:lstStyle/>
-          <a:p>
-            <a:pPr rtl="0"/>
-            <a:fld id="{D8DA9DAA-006C-4F4B-980E-E3DF019B24E2}" type="slidenum">
-              <a:rPr lang="tr-TR" b="1" cap="all" spc="100" smtClean="0">
-                <a:solidFill>
-                  <a:schemeClr val="accent2"/>
-                </a:solidFill>
-              </a:rPr>
-              <a:t>26</a:t>
-            </a:fld>
-            <a:endParaRPr lang="tr-TR" b="1" cap="all" spc="100" dirty="0">
-              <a:solidFill>
-                <a:schemeClr val="accent2"/>
-              </a:solidFill>
-            </a:endParaRPr>
-          </a:p>
-        </p:txBody>
-      </p:sp>
-      <p:sp>
-        <p:nvSpPr>
-          <p:cNvPr id="3" name="İçerik Yer Tutucusu 2">
-            <a:extLst>
-              <a:ext uri="{FF2B5EF4-FFF2-40B4-BE49-F238E27FC236}">
-                <a16:creationId xmlns:a16="http://schemas.microsoft.com/office/drawing/2014/main" id="{839B2505-A752-6959-A64F-4ADB0FD16C45}"/>
-              </a:ext>
-            </a:extLst>
-          </p:cNvPr>
-          <p:cNvSpPr>
-            <a:spLocks noGrp="1"/>
-          </p:cNvSpPr>
-          <p:nvPr>
-            <p:ph idx="1"/>
-          </p:nvPr>
-        </p:nvSpPr>
-        <p:spPr>
-          <a:xfrm>
-            <a:off x="838200" y="747346"/>
-            <a:ext cx="10515600" cy="5732585"/>
-          </a:xfrm>
-        </p:spPr>
-        <p:txBody>
-          <a:bodyPr>
-            <a:normAutofit/>
-          </a:bodyPr>
-          <a:lstStyle/>
-          <a:p>
-            <a:pPr algn="just">
-              <a:lnSpc>
-                <a:spcPts val="2700"/>
-              </a:lnSpc>
-              <a:spcBef>
-                <a:spcPts val="0"/>
-              </a:spcBef>
-              <a:spcAft>
-                <a:spcPts val="1200"/>
-              </a:spcAft>
-            </a:pPr>
-            <a:r>
-              <a:rPr lang="tr-TR" sz="2200" dirty="0">
-                <a:latin typeface="Times New Roman" panose="02020603050405020304" pitchFamily="18" charset="0"/>
-                <a:cs typeface="Times New Roman" panose="02020603050405020304" pitchFamily="18" charset="0"/>
-              </a:rPr>
-              <a:t>Bulanık bilgi tabanında her bir kural bir bulanık ilişkiye dayanır.</a:t>
-            </a:r>
-          </a:p>
-          <a:p>
-            <a:pPr algn="just">
-              <a:lnSpc>
-                <a:spcPts val="2700"/>
-              </a:lnSpc>
-              <a:spcBef>
-                <a:spcPts val="0"/>
-              </a:spcBef>
-              <a:spcAft>
-                <a:spcPts val="1200"/>
-              </a:spcAft>
-            </a:pPr>
-            <a:r>
-              <a:rPr lang="tr-TR" sz="2200" dirty="0">
-                <a:latin typeface="Times New Roman" panose="02020603050405020304" pitchFamily="18" charset="0"/>
-                <a:cs typeface="Times New Roman" panose="02020603050405020304" pitchFamily="18" charset="0"/>
-              </a:rPr>
-              <a:t>Daha önce gösterilen bulanık kural tabanı ilişkili olduğu </a:t>
-            </a:r>
-            <a:r>
-              <a:rPr lang="tr-TR" sz="2200" dirty="0" err="1">
-                <a:latin typeface="Times New Roman" panose="02020603050405020304" pitchFamily="18" charset="0"/>
-                <a:cs typeface="Times New Roman" panose="02020603050405020304" pitchFamily="18" charset="0"/>
-              </a:rPr>
-              <a:t>k’ıncı</a:t>
-            </a:r>
-            <a:r>
-              <a:rPr lang="tr-TR" sz="2200" dirty="0">
-                <a:latin typeface="Times New Roman" panose="02020603050405020304" pitchFamily="18" charset="0"/>
-                <a:cs typeface="Times New Roman" panose="02020603050405020304" pitchFamily="18" charset="0"/>
-              </a:rPr>
-              <a:t> kuralı </a:t>
-            </a:r>
-            <a:r>
-              <a:rPr lang="tr-TR" sz="2200" dirty="0" err="1">
-                <a:latin typeface="Times New Roman" panose="02020603050405020304" pitchFamily="18" charset="0"/>
-                <a:cs typeface="Times New Roman" panose="02020603050405020304" pitchFamily="18" charset="0"/>
-              </a:rPr>
-              <a:t>R</a:t>
-            </a:r>
-            <a:r>
-              <a:rPr lang="tr-TR" sz="2200" baseline="-25000" dirty="0" err="1">
-                <a:latin typeface="Times New Roman" panose="02020603050405020304" pitchFamily="18" charset="0"/>
-                <a:cs typeface="Times New Roman" panose="02020603050405020304" pitchFamily="18" charset="0"/>
-              </a:rPr>
-              <a:t>k</a:t>
-            </a:r>
-            <a:r>
-              <a:rPr lang="tr-TR" sz="2200" dirty="0">
-                <a:latin typeface="Times New Roman" panose="02020603050405020304" pitchFamily="18" charset="0"/>
-                <a:cs typeface="Times New Roman" panose="02020603050405020304" pitchFamily="18" charset="0"/>
-              </a:rPr>
-              <a:t> olarak çağırır.</a:t>
-            </a:r>
-          </a:p>
-          <a:p>
-            <a:pPr algn="just">
-              <a:lnSpc>
-                <a:spcPts val="2700"/>
-              </a:lnSpc>
-              <a:spcBef>
-                <a:spcPts val="0"/>
-              </a:spcBef>
-              <a:spcAft>
-                <a:spcPts val="1200"/>
-              </a:spcAft>
-            </a:pPr>
-            <a:r>
-              <a:rPr lang="tr-TR" sz="2200" dirty="0">
-                <a:latin typeface="Times New Roman" panose="02020603050405020304" pitchFamily="18" charset="0"/>
-                <a:cs typeface="Times New Roman" panose="02020603050405020304" pitchFamily="18" charset="0"/>
-              </a:rPr>
-              <a:t>Bulanık kural tabanının tüm ilişkisi R; R</a:t>
-            </a:r>
-            <a:r>
-              <a:rPr lang="tr-TR" sz="2200" baseline="-25000" dirty="0">
-                <a:latin typeface="Times New Roman" panose="02020603050405020304" pitchFamily="18" charset="0"/>
-                <a:cs typeface="Times New Roman" panose="02020603050405020304" pitchFamily="18" charset="0"/>
-              </a:rPr>
-              <a:t>1</a:t>
-            </a:r>
-            <a:r>
-              <a:rPr lang="tr-TR" sz="2200" dirty="0">
-                <a:latin typeface="Times New Roman" panose="02020603050405020304" pitchFamily="18" charset="0"/>
-                <a:cs typeface="Times New Roman" panose="02020603050405020304" pitchFamily="18" charset="0"/>
-              </a:rPr>
-              <a:t>, R</a:t>
-            </a:r>
-            <a:r>
-              <a:rPr lang="tr-TR" sz="2200" baseline="-25000" dirty="0">
-                <a:latin typeface="Times New Roman" panose="02020603050405020304" pitchFamily="18" charset="0"/>
-                <a:cs typeface="Times New Roman" panose="02020603050405020304" pitchFamily="18" charset="0"/>
-              </a:rPr>
-              <a:t>2</a:t>
-            </a:r>
-            <a:r>
-              <a:rPr lang="tr-TR" sz="2200" dirty="0">
-                <a:latin typeface="Times New Roman" panose="02020603050405020304" pitchFamily="18" charset="0"/>
-                <a:cs typeface="Times New Roman" panose="02020603050405020304" pitchFamily="18" charset="0"/>
-              </a:rPr>
-              <a:t>, R</a:t>
-            </a:r>
-            <a:r>
-              <a:rPr lang="tr-TR" sz="2200" baseline="-25000" dirty="0">
-                <a:latin typeface="Times New Roman" panose="02020603050405020304" pitchFamily="18" charset="0"/>
-                <a:cs typeface="Times New Roman" panose="02020603050405020304" pitchFamily="18" charset="0"/>
-              </a:rPr>
-              <a:t>3</a:t>
-            </a:r>
-            <a:r>
-              <a:rPr lang="tr-TR" sz="2200" dirty="0">
-                <a:latin typeface="Times New Roman" panose="02020603050405020304" pitchFamily="18" charset="0"/>
-                <a:cs typeface="Times New Roman" panose="02020603050405020304" pitchFamily="18" charset="0"/>
-              </a:rPr>
-              <a:t>…R</a:t>
-            </a:r>
-            <a:r>
-              <a:rPr lang="tr-TR" sz="2200" baseline="-25000" dirty="0">
-                <a:latin typeface="Times New Roman" panose="02020603050405020304" pitchFamily="18" charset="0"/>
-                <a:cs typeface="Times New Roman" panose="02020603050405020304" pitchFamily="18" charset="0"/>
-              </a:rPr>
-              <a:t>N</a:t>
-            </a:r>
-            <a:r>
-              <a:rPr lang="tr-TR" sz="2200" dirty="0">
-                <a:latin typeface="Times New Roman" panose="02020603050405020304" pitchFamily="18" charset="0"/>
-                <a:cs typeface="Times New Roman" panose="02020603050405020304" pitchFamily="18" charset="0"/>
-              </a:rPr>
-              <a:t> bileşim işleminin sonucunda elde edilir.</a:t>
-            </a:r>
-          </a:p>
-          <a:p>
-            <a:pPr algn="just">
-              <a:lnSpc>
-                <a:spcPts val="2700"/>
-              </a:lnSpc>
-              <a:spcBef>
-                <a:spcPts val="0"/>
-              </a:spcBef>
-              <a:spcAft>
-                <a:spcPts val="1200"/>
-              </a:spcAft>
-            </a:pPr>
-            <a:r>
-              <a:rPr lang="tr-TR" sz="2200" dirty="0">
-                <a:latin typeface="Times New Roman" panose="02020603050405020304" pitchFamily="18" charset="0"/>
-                <a:cs typeface="Times New Roman" panose="02020603050405020304" pitchFamily="18" charset="0"/>
-              </a:rPr>
-              <a:t>Örnek: </a:t>
-            </a:r>
-            <a:r>
-              <a:rPr lang="tr-TR" sz="2200" dirty="0" err="1">
-                <a:latin typeface="Times New Roman" panose="02020603050405020304" pitchFamily="18" charset="0"/>
-                <a:cs typeface="Times New Roman" panose="02020603050405020304" pitchFamily="18" charset="0"/>
-              </a:rPr>
-              <a:t>Max-min</a:t>
-            </a:r>
-            <a:r>
-              <a:rPr lang="tr-TR" sz="2200" dirty="0">
-                <a:latin typeface="Times New Roman" panose="02020603050405020304" pitchFamily="18" charset="0"/>
-                <a:cs typeface="Times New Roman" panose="02020603050405020304" pitchFamily="18" charset="0"/>
-              </a:rPr>
-              <a:t> ve </a:t>
-            </a:r>
-            <a:r>
-              <a:rPr lang="tr-TR" sz="2200" dirty="0" err="1">
-                <a:latin typeface="Times New Roman" panose="02020603050405020304" pitchFamily="18" charset="0"/>
-                <a:cs typeface="Times New Roman" panose="02020603050405020304" pitchFamily="18" charset="0"/>
-              </a:rPr>
-              <a:t>max-product</a:t>
-            </a:r>
-            <a:r>
-              <a:rPr lang="tr-TR" sz="2200" dirty="0">
-                <a:latin typeface="Times New Roman" panose="02020603050405020304" pitchFamily="18" charset="0"/>
-                <a:cs typeface="Times New Roman" panose="02020603050405020304" pitchFamily="18" charset="0"/>
-              </a:rPr>
-              <a:t> bileşim operatörleriyle bulanık anlamlandırmayı anlamak için aşağıdaki kural tabanı verilmiş olsun.</a:t>
-            </a:r>
-          </a:p>
-          <a:p>
-            <a:pPr algn="just">
-              <a:lnSpc>
-                <a:spcPts val="2700"/>
-              </a:lnSpc>
-              <a:spcBef>
-                <a:spcPts val="0"/>
-              </a:spcBef>
-              <a:spcAft>
-                <a:spcPts val="1200"/>
-              </a:spcAft>
-            </a:pPr>
-            <a:r>
-              <a:rPr lang="tr-TR" sz="2200" dirty="0">
-                <a:latin typeface="Times New Roman" panose="02020603050405020304" pitchFamily="18" charset="0"/>
-                <a:cs typeface="Times New Roman" panose="02020603050405020304" pitchFamily="18" charset="0"/>
-              </a:rPr>
-              <a:t>Kural 1: IF x</a:t>
-            </a:r>
-            <a:r>
-              <a:rPr lang="tr-TR" sz="2200" baseline="-25000" dirty="0">
-                <a:latin typeface="Times New Roman" panose="02020603050405020304" pitchFamily="18" charset="0"/>
-                <a:cs typeface="Times New Roman" panose="02020603050405020304" pitchFamily="18" charset="0"/>
-              </a:rPr>
-              <a:t>1</a:t>
-            </a:r>
-            <a:r>
-              <a:rPr lang="tr-TR" sz="2200" dirty="0">
-                <a:latin typeface="Times New Roman" panose="02020603050405020304" pitchFamily="18" charset="0"/>
-                <a:cs typeface="Times New Roman" panose="02020603050405020304" pitchFamily="18" charset="0"/>
-              </a:rPr>
-              <a:t> is A</a:t>
-            </a:r>
-            <a:r>
-              <a:rPr lang="tr-TR" sz="2200" baseline="-25000" dirty="0">
-                <a:latin typeface="Times New Roman" panose="02020603050405020304" pitchFamily="18" charset="0"/>
-                <a:cs typeface="Times New Roman" panose="02020603050405020304" pitchFamily="18" charset="0"/>
-              </a:rPr>
-              <a:t>11</a:t>
-            </a:r>
-            <a:r>
-              <a:rPr lang="tr-TR" sz="2200" dirty="0">
-                <a:latin typeface="Times New Roman" panose="02020603050405020304" pitchFamily="18" charset="0"/>
-                <a:cs typeface="Times New Roman" panose="02020603050405020304" pitchFamily="18" charset="0"/>
-              </a:rPr>
-              <a:t> AND x</a:t>
-            </a:r>
-            <a:r>
-              <a:rPr lang="tr-TR" sz="2200" baseline="-25000" dirty="0">
-                <a:latin typeface="Times New Roman" panose="02020603050405020304" pitchFamily="18" charset="0"/>
-                <a:cs typeface="Times New Roman" panose="02020603050405020304" pitchFamily="18" charset="0"/>
-              </a:rPr>
-              <a:t>2</a:t>
-            </a:r>
-            <a:r>
-              <a:rPr lang="tr-TR" sz="2200" dirty="0">
-                <a:latin typeface="Times New Roman" panose="02020603050405020304" pitchFamily="18" charset="0"/>
-                <a:cs typeface="Times New Roman" panose="02020603050405020304" pitchFamily="18" charset="0"/>
-              </a:rPr>
-              <a:t> is A</a:t>
-            </a:r>
-            <a:r>
-              <a:rPr lang="tr-TR" sz="2200" baseline="-25000" dirty="0">
-                <a:latin typeface="Times New Roman" panose="02020603050405020304" pitchFamily="18" charset="0"/>
-                <a:cs typeface="Times New Roman" panose="02020603050405020304" pitchFamily="18" charset="0"/>
-              </a:rPr>
-              <a:t>21</a:t>
-            </a:r>
-            <a:r>
-              <a:rPr lang="tr-TR" sz="2200" dirty="0">
-                <a:latin typeface="Times New Roman" panose="02020603050405020304" pitchFamily="18" charset="0"/>
-                <a:cs typeface="Times New Roman" panose="02020603050405020304" pitchFamily="18" charset="0"/>
-              </a:rPr>
-              <a:t> THEN y is B</a:t>
-            </a:r>
-            <a:r>
-              <a:rPr lang="tr-TR" sz="2200" baseline="-25000" dirty="0">
-                <a:latin typeface="Times New Roman" panose="02020603050405020304" pitchFamily="18" charset="0"/>
-                <a:cs typeface="Times New Roman" panose="02020603050405020304" pitchFamily="18" charset="0"/>
-              </a:rPr>
-              <a:t>1</a:t>
-            </a:r>
-          </a:p>
-          <a:p>
-            <a:pPr algn="just">
-              <a:lnSpc>
-                <a:spcPts val="2700"/>
-              </a:lnSpc>
-              <a:spcBef>
-                <a:spcPts val="0"/>
-              </a:spcBef>
-              <a:spcAft>
-                <a:spcPts val="1200"/>
-              </a:spcAft>
-            </a:pPr>
-            <a:r>
-              <a:rPr lang="tr-TR" sz="2200" dirty="0">
-                <a:latin typeface="Times New Roman" panose="02020603050405020304" pitchFamily="18" charset="0"/>
-                <a:cs typeface="Times New Roman" panose="02020603050405020304" pitchFamily="18" charset="0"/>
-              </a:rPr>
-              <a:t>Kural 2: IF x</a:t>
-            </a:r>
-            <a:r>
-              <a:rPr lang="tr-TR" sz="2200" baseline="-25000" dirty="0">
-                <a:latin typeface="Times New Roman" panose="02020603050405020304" pitchFamily="18" charset="0"/>
-                <a:cs typeface="Times New Roman" panose="02020603050405020304" pitchFamily="18" charset="0"/>
-              </a:rPr>
-              <a:t>1</a:t>
-            </a:r>
-            <a:r>
-              <a:rPr lang="tr-TR" sz="2200" dirty="0">
-                <a:latin typeface="Times New Roman" panose="02020603050405020304" pitchFamily="18" charset="0"/>
-                <a:cs typeface="Times New Roman" panose="02020603050405020304" pitchFamily="18" charset="0"/>
-              </a:rPr>
-              <a:t> is A</a:t>
-            </a:r>
-            <a:r>
-              <a:rPr lang="tr-TR" sz="2200" baseline="-25000" dirty="0">
-                <a:latin typeface="Times New Roman" panose="02020603050405020304" pitchFamily="18" charset="0"/>
-                <a:cs typeface="Times New Roman" panose="02020603050405020304" pitchFamily="18" charset="0"/>
-              </a:rPr>
-              <a:t>12</a:t>
-            </a:r>
-            <a:r>
-              <a:rPr lang="tr-TR" sz="2200" dirty="0">
-                <a:latin typeface="Times New Roman" panose="02020603050405020304" pitchFamily="18" charset="0"/>
-                <a:cs typeface="Times New Roman" panose="02020603050405020304" pitchFamily="18" charset="0"/>
-              </a:rPr>
-              <a:t> AND x</a:t>
-            </a:r>
-            <a:r>
-              <a:rPr lang="tr-TR" sz="2200" baseline="-25000" dirty="0">
-                <a:latin typeface="Times New Roman" panose="02020603050405020304" pitchFamily="18" charset="0"/>
-                <a:cs typeface="Times New Roman" panose="02020603050405020304" pitchFamily="18" charset="0"/>
-              </a:rPr>
-              <a:t>2</a:t>
-            </a:r>
-            <a:r>
-              <a:rPr lang="tr-TR" sz="2200" dirty="0">
-                <a:latin typeface="Times New Roman" panose="02020603050405020304" pitchFamily="18" charset="0"/>
-                <a:cs typeface="Times New Roman" panose="02020603050405020304" pitchFamily="18" charset="0"/>
-              </a:rPr>
-              <a:t> is A</a:t>
-            </a:r>
-            <a:r>
-              <a:rPr lang="tr-TR" sz="2200" baseline="-25000" dirty="0">
-                <a:latin typeface="Times New Roman" panose="02020603050405020304" pitchFamily="18" charset="0"/>
-                <a:cs typeface="Times New Roman" panose="02020603050405020304" pitchFamily="18" charset="0"/>
-              </a:rPr>
-              <a:t>22</a:t>
-            </a:r>
-            <a:r>
-              <a:rPr lang="tr-TR" sz="2200" dirty="0">
-                <a:latin typeface="Times New Roman" panose="02020603050405020304" pitchFamily="18" charset="0"/>
-                <a:cs typeface="Times New Roman" panose="02020603050405020304" pitchFamily="18" charset="0"/>
-              </a:rPr>
-              <a:t> THEN y is B</a:t>
-            </a:r>
-            <a:r>
-              <a:rPr lang="tr-TR" sz="2200" baseline="-25000" dirty="0">
-                <a:latin typeface="Times New Roman" panose="02020603050405020304" pitchFamily="18" charset="0"/>
-                <a:cs typeface="Times New Roman" panose="02020603050405020304" pitchFamily="18" charset="0"/>
-              </a:rPr>
-              <a:t>2</a:t>
-            </a:r>
-          </a:p>
-          <a:p>
-            <a:pPr algn="just">
-              <a:lnSpc>
-                <a:spcPts val="2700"/>
-              </a:lnSpc>
-              <a:spcBef>
-                <a:spcPts val="0"/>
-              </a:spcBef>
-              <a:spcAft>
-                <a:spcPts val="1200"/>
-              </a:spcAft>
-            </a:pPr>
-            <a:r>
-              <a:rPr lang="tr-TR" sz="2200" dirty="0">
-                <a:latin typeface="Times New Roman" panose="02020603050405020304" pitchFamily="18" charset="0"/>
-                <a:cs typeface="Times New Roman" panose="02020603050405020304" pitchFamily="18" charset="0"/>
-              </a:rPr>
-              <a:t>Burada iki örnek verilmiştir: </a:t>
-            </a:r>
-          </a:p>
-          <a:p>
-            <a:pPr lvl="1" algn="just">
-              <a:lnSpc>
-                <a:spcPts val="2700"/>
-              </a:lnSpc>
-              <a:spcBef>
-                <a:spcPts val="0"/>
-              </a:spcBef>
-              <a:spcAft>
-                <a:spcPts val="1200"/>
-              </a:spcAft>
-            </a:pPr>
-            <a:r>
-              <a:rPr lang="tr-TR" sz="2200" dirty="0">
-                <a:latin typeface="Times New Roman" panose="02020603050405020304" pitchFamily="18" charset="0"/>
-                <a:cs typeface="Times New Roman" panose="02020603050405020304" pitchFamily="18" charset="0"/>
-              </a:rPr>
-              <a:t>(1) </a:t>
-            </a:r>
-            <a:r>
-              <a:rPr lang="tr-TR" sz="2200" dirty="0" err="1">
-                <a:latin typeface="Times New Roman" panose="02020603050405020304" pitchFamily="18" charset="0"/>
-                <a:cs typeface="Times New Roman" panose="02020603050405020304" pitchFamily="18" charset="0"/>
-              </a:rPr>
-              <a:t>max-min</a:t>
-            </a:r>
-            <a:r>
-              <a:rPr lang="tr-TR" sz="2200" dirty="0">
-                <a:latin typeface="Times New Roman" panose="02020603050405020304" pitchFamily="18" charset="0"/>
-                <a:cs typeface="Times New Roman" panose="02020603050405020304" pitchFamily="18" charset="0"/>
-              </a:rPr>
-              <a:t> ve </a:t>
-            </a:r>
-            <a:r>
-              <a:rPr lang="tr-TR" sz="2200" dirty="0" err="1">
-                <a:latin typeface="Times New Roman" panose="02020603050405020304" pitchFamily="18" charset="0"/>
-                <a:cs typeface="Times New Roman" panose="02020603050405020304" pitchFamily="18" charset="0"/>
-              </a:rPr>
-              <a:t>max-product</a:t>
-            </a:r>
-            <a:r>
-              <a:rPr lang="tr-TR" sz="2200" dirty="0">
-                <a:latin typeface="Times New Roman" panose="02020603050405020304" pitchFamily="18" charset="0"/>
-                <a:cs typeface="Times New Roman" panose="02020603050405020304" pitchFamily="18" charset="0"/>
-              </a:rPr>
-              <a:t>. </a:t>
-            </a:r>
-          </a:p>
-          <a:p>
-            <a:pPr lvl="1" algn="just">
-              <a:lnSpc>
-                <a:spcPts val="2700"/>
-              </a:lnSpc>
-              <a:spcBef>
-                <a:spcPts val="0"/>
-              </a:spcBef>
-              <a:spcAft>
-                <a:spcPts val="1200"/>
-              </a:spcAft>
-            </a:pPr>
-            <a:r>
-              <a:rPr lang="tr-TR" sz="2200" dirty="0">
-                <a:latin typeface="Times New Roman" panose="02020603050405020304" pitchFamily="18" charset="0"/>
-                <a:cs typeface="Times New Roman" panose="02020603050405020304" pitchFamily="18" charset="0"/>
-              </a:rPr>
-              <a:t>Sistemin iki belirteci vardır. x=A’ ve buna bağlı sonucu y=B’ </a:t>
-            </a:r>
-            <a:r>
-              <a:rPr lang="tr-TR" sz="2200" dirty="0" err="1">
-                <a:latin typeface="Times New Roman" panose="02020603050405020304" pitchFamily="18" charset="0"/>
-                <a:cs typeface="Times New Roman" panose="02020603050405020304" pitchFamily="18" charset="0"/>
-              </a:rPr>
-              <a:t>dir</a:t>
-            </a:r>
-            <a:r>
-              <a:rPr lang="tr-TR" sz="2200" dirty="0">
-                <a:latin typeface="Times New Roman" panose="02020603050405020304" pitchFamily="18" charset="0"/>
-                <a:cs typeface="Times New Roman" panose="02020603050405020304" pitchFamily="18" charset="0"/>
-              </a:rPr>
-              <a:t>. Bulanık kontrol mühendisliğinde asıl girdiler her zaman ‘keskin’ yapıdadır.</a:t>
-            </a:r>
-          </a:p>
-          <a:p>
-            <a:pPr algn="just">
-              <a:lnSpc>
-                <a:spcPts val="2700"/>
-              </a:lnSpc>
-              <a:spcBef>
-                <a:spcPts val="0"/>
-              </a:spcBef>
-              <a:spcAft>
-                <a:spcPts val="1200"/>
-              </a:spcAft>
-            </a:pPr>
-            <a:endParaRPr lang="tr-TR" sz="2200" dirty="0">
-              <a:latin typeface="Times New Roman" panose="02020603050405020304" pitchFamily="18" charset="0"/>
-              <a:cs typeface="Times New Roman" panose="02020603050405020304" pitchFamily="18" charset="0"/>
-            </a:endParaRPr>
-          </a:p>
-        </p:txBody>
-      </p:sp>
-    </p:spTree>
-    <p:extLst>
-      <p:ext uri="{BB962C8B-B14F-4D97-AF65-F5344CB8AC3E}">
-        <p14:creationId xmlns:p14="http://schemas.microsoft.com/office/powerpoint/2010/main" val="1267385675"/>
-      </p:ext>
-    </p:extLst>
-  </p:cSld>
-  <p:clrMapOvr>
-    <a:masterClrMapping/>
-  </p:clrMapOvr>
-</p:sld>
-</file>
-
-<file path=ppt/slides/slide27.xml><?xml version="1.0" encoding="utf-8"?>
-<p:sld xmlns:a="http://schemas.openxmlformats.org/drawingml/2006/main" xmlns:r="http://schemas.openxmlformats.org/officeDocument/2006/relationships" xmlns:p="http://schemas.openxmlformats.org/presentationml/2006/main">
-  <p:cSld>
-    <p:spTree>
-      <p:nvGrpSpPr>
-        <p:cNvPr id="1" name=""/>
-        <p:cNvGrpSpPr/>
-        <p:nvPr/>
-      </p:nvGrpSpPr>
-      <p:grpSpPr>
-        <a:xfrm>
-          <a:off x="0" y="0"/>
-          <a:ext cx="0" cy="0"/>
-          <a:chOff x="0" y="0"/>
-          <a:chExt cx="0" cy="0"/>
-        </a:xfrm>
-      </p:grpSpPr>
-      <p:sp>
-        <p:nvSpPr>
-          <p:cNvPr id="4" name="Başlık 3">
-            <a:extLst>
-              <a:ext uri="{FF2B5EF4-FFF2-40B4-BE49-F238E27FC236}">
-                <a16:creationId xmlns:a16="http://schemas.microsoft.com/office/drawing/2014/main" id="{55E27C7C-4B68-4BBC-BF36-8959D8493E4A}"/>
-              </a:ext>
-            </a:extLst>
-          </p:cNvPr>
-          <p:cNvSpPr>
-            <a:spLocks noGrp="1"/>
-          </p:cNvSpPr>
-          <p:nvPr>
-            <p:ph type="title"/>
-          </p:nvPr>
-        </p:nvSpPr>
-        <p:spPr>
-          <a:xfrm>
-            <a:off x="838200" y="136525"/>
-            <a:ext cx="10515600" cy="610821"/>
-          </a:xfrm>
-        </p:spPr>
-        <p:txBody>
-          <a:bodyPr rtlCol="0">
-            <a:normAutofit/>
-          </a:bodyPr>
-          <a:lstStyle/>
-          <a:p>
-            <a:pPr marL="0" indent="0" algn="ctr">
-              <a:lnSpc>
-                <a:spcPts val="2700"/>
-              </a:lnSpc>
-              <a:spcBef>
-                <a:spcPts val="0"/>
-              </a:spcBef>
-              <a:spcAft>
-                <a:spcPts val="600"/>
-              </a:spcAft>
-              <a:buNone/>
-            </a:pPr>
-            <a:r>
-              <a:rPr lang="tr-TR" sz="4000" b="1" dirty="0">
-                <a:latin typeface="Times New Roman" panose="02020603050405020304" pitchFamily="18" charset="0"/>
-                <a:ea typeface="Calibri" panose="020F0502020204030204" pitchFamily="34" charset="0"/>
-                <a:cs typeface="Times New Roman" panose="02020603050405020304" pitchFamily="18" charset="0"/>
-              </a:rPr>
-              <a:t>Bulanık Anlamlandırma:</a:t>
-            </a:r>
-          </a:p>
-        </p:txBody>
-      </p:sp>
-      <p:sp>
-        <p:nvSpPr>
-          <p:cNvPr id="9" name="Slayt Numarası Yer Tutucusu 5">
-            <a:extLst>
-              <a:ext uri="{FF2B5EF4-FFF2-40B4-BE49-F238E27FC236}">
-                <a16:creationId xmlns:a16="http://schemas.microsoft.com/office/drawing/2014/main" id="{4FC290B8-BF94-4636-BFAB-9FD67F4AAC6D}"/>
-              </a:ext>
-            </a:extLst>
-          </p:cNvPr>
-          <p:cNvSpPr>
-            <a:spLocks noGrp="1"/>
-          </p:cNvSpPr>
-          <p:nvPr>
-            <p:ph type="sldNum" sz="quarter" idx="12"/>
-          </p:nvPr>
-        </p:nvSpPr>
-        <p:spPr>
-          <a:xfrm>
-            <a:off x="8610600" y="6356350"/>
-            <a:ext cx="2743200" cy="365125"/>
-          </a:xfrm>
-        </p:spPr>
-        <p:txBody>
-          <a:bodyPr rtlCol="0"/>
-          <a:lstStyle/>
-          <a:p>
-            <a:pPr rtl="0"/>
-            <a:fld id="{D8DA9DAA-006C-4F4B-980E-E3DF019B24E2}" type="slidenum">
-              <a:rPr lang="tr-TR" b="1" cap="all" spc="100" smtClean="0">
-                <a:solidFill>
-                  <a:schemeClr val="accent2"/>
-                </a:solidFill>
-              </a:rPr>
-              <a:t>27</a:t>
-            </a:fld>
-            <a:endParaRPr lang="tr-TR" b="1" cap="all" spc="100" dirty="0">
-              <a:solidFill>
-                <a:schemeClr val="accent2"/>
-              </a:solidFill>
-            </a:endParaRPr>
-          </a:p>
-        </p:txBody>
-      </p:sp>
-      <p:sp>
-        <p:nvSpPr>
-          <p:cNvPr id="3" name="İçerik Yer Tutucusu 2">
-            <a:extLst>
-              <a:ext uri="{FF2B5EF4-FFF2-40B4-BE49-F238E27FC236}">
-                <a16:creationId xmlns:a16="http://schemas.microsoft.com/office/drawing/2014/main" id="{839B2505-A752-6959-A64F-4ADB0FD16C45}"/>
-              </a:ext>
-            </a:extLst>
-          </p:cNvPr>
-          <p:cNvSpPr>
-            <a:spLocks noGrp="1"/>
-          </p:cNvSpPr>
-          <p:nvPr>
-            <p:ph idx="1"/>
-          </p:nvPr>
-        </p:nvSpPr>
-        <p:spPr>
-          <a:xfrm>
-            <a:off x="838200" y="747346"/>
-            <a:ext cx="10515600" cy="5732585"/>
-          </a:xfrm>
-        </p:spPr>
-        <p:txBody>
-          <a:bodyPr>
-            <a:normAutofit/>
-          </a:bodyPr>
-          <a:lstStyle/>
-          <a:p>
-            <a:pPr algn="just">
-              <a:lnSpc>
-                <a:spcPts val="2700"/>
-              </a:lnSpc>
-              <a:spcBef>
-                <a:spcPts val="0"/>
-              </a:spcBef>
-              <a:spcAft>
-                <a:spcPts val="1200"/>
-              </a:spcAft>
-            </a:pPr>
-            <a:r>
-              <a:rPr lang="tr-TR" sz="2200" b="1" dirty="0" err="1">
-                <a:effectLst/>
-                <a:latin typeface="Times New Roman" panose="02020603050405020304" pitchFamily="18" charset="0"/>
-                <a:ea typeface="Calibri" panose="020F0502020204030204" pitchFamily="34" charset="0"/>
-                <a:cs typeface="Times New Roman" panose="02020603050405020304" pitchFamily="18" charset="0"/>
-              </a:rPr>
-              <a:t>Max-min</a:t>
-            </a:r>
-            <a:r>
-              <a:rPr lang="tr-TR" sz="2200" b="1" dirty="0">
-                <a:effectLst/>
-                <a:latin typeface="Times New Roman" panose="02020603050405020304" pitchFamily="18" charset="0"/>
-                <a:ea typeface="Calibri" panose="020F0502020204030204" pitchFamily="34" charset="0"/>
-                <a:cs typeface="Times New Roman" panose="02020603050405020304" pitchFamily="18" charset="0"/>
-              </a:rPr>
-              <a:t> operatörü kullanarak bulanık çıkarım örneği :</a:t>
-            </a:r>
-            <a:endParaRPr lang="tr-TR" sz="2200" dirty="0">
-              <a:effectLst/>
-              <a:latin typeface="Calibri" panose="020F0502020204030204" pitchFamily="34" charset="0"/>
-              <a:ea typeface="Calibri" panose="020F0502020204030204" pitchFamily="34" charset="0"/>
-              <a:cs typeface="Times New Roman" panose="02020603050405020304" pitchFamily="18" charset="0"/>
-            </a:endParaRPr>
-          </a:p>
-          <a:p>
-            <a:pPr marL="0" indent="0" algn="just">
-              <a:lnSpc>
-                <a:spcPts val="2700"/>
-              </a:lnSpc>
-              <a:spcBef>
-                <a:spcPts val="0"/>
-              </a:spcBef>
-              <a:spcAft>
-                <a:spcPts val="1200"/>
-              </a:spcAft>
-              <a:buNone/>
-            </a:pPr>
-            <a:endParaRPr lang="tr-TR" sz="2200" dirty="0">
-              <a:latin typeface="Times New Roman" panose="02020603050405020304" pitchFamily="18" charset="0"/>
-              <a:cs typeface="Times New Roman" panose="02020603050405020304" pitchFamily="18" charset="0"/>
-            </a:endParaRPr>
-          </a:p>
-        </p:txBody>
-      </p:sp>
-      <p:pic>
-        <p:nvPicPr>
-          <p:cNvPr id="2" name="Resim 1">
-            <a:extLst>
-              <a:ext uri="{FF2B5EF4-FFF2-40B4-BE49-F238E27FC236}">
-                <a16:creationId xmlns:a16="http://schemas.microsoft.com/office/drawing/2014/main" id="{D98F8734-2646-6FFD-39FB-4E78832645CA}"/>
-              </a:ext>
-            </a:extLst>
-          </p:cNvPr>
-          <p:cNvPicPr>
-            <a:picLocks noChangeAspect="1"/>
-          </p:cNvPicPr>
-          <p:nvPr/>
-        </p:nvPicPr>
-        <p:blipFill>
-          <a:blip r:embed="rId3"/>
-          <a:stretch>
-            <a:fillRect/>
-          </a:stretch>
-        </p:blipFill>
-        <p:spPr>
-          <a:xfrm>
-            <a:off x="2183204" y="1274559"/>
-            <a:ext cx="6890458" cy="5326144"/>
-          </a:xfrm>
-          <a:prstGeom prst="rect">
-            <a:avLst/>
-          </a:prstGeom>
-        </p:spPr>
-      </p:pic>
-    </p:spTree>
-    <p:extLst>
-      <p:ext uri="{BB962C8B-B14F-4D97-AF65-F5344CB8AC3E}">
-        <p14:creationId xmlns:p14="http://schemas.microsoft.com/office/powerpoint/2010/main" val="2379045293"/>
-      </p:ext>
-    </p:extLst>
-  </p:cSld>
-  <p:clrMapOvr>
-    <a:masterClrMapping/>
-  </p:clrMapOvr>
-</p:sld>
-</file>
-
-<file path=ppt/slides/slide28.xml><?xml version="1.0" encoding="utf-8"?>
-<p:sld xmlns:a="http://schemas.openxmlformats.org/drawingml/2006/main" xmlns:r="http://schemas.openxmlformats.org/officeDocument/2006/relationships" xmlns:p="http://schemas.openxmlformats.org/presentationml/2006/main">
-  <p:cSld>
-    <p:spTree>
-      <p:nvGrpSpPr>
-        <p:cNvPr id="1" name=""/>
-        <p:cNvGrpSpPr/>
-        <p:nvPr/>
-      </p:nvGrpSpPr>
-      <p:grpSpPr>
-        <a:xfrm>
-          <a:off x="0" y="0"/>
-          <a:ext cx="0" cy="0"/>
-          <a:chOff x="0" y="0"/>
-          <a:chExt cx="0" cy="0"/>
-        </a:xfrm>
-      </p:grpSpPr>
-      <p:sp>
-        <p:nvSpPr>
-          <p:cNvPr id="4" name="Başlık 3">
-            <a:extLst>
-              <a:ext uri="{FF2B5EF4-FFF2-40B4-BE49-F238E27FC236}">
-                <a16:creationId xmlns:a16="http://schemas.microsoft.com/office/drawing/2014/main" id="{55E27C7C-4B68-4BBC-BF36-8959D8493E4A}"/>
-              </a:ext>
-            </a:extLst>
-          </p:cNvPr>
-          <p:cNvSpPr>
-            <a:spLocks noGrp="1"/>
-          </p:cNvSpPr>
-          <p:nvPr>
-            <p:ph type="title"/>
-          </p:nvPr>
-        </p:nvSpPr>
-        <p:spPr>
-          <a:xfrm>
-            <a:off x="838200" y="136525"/>
-            <a:ext cx="10515600" cy="610821"/>
-          </a:xfrm>
-        </p:spPr>
-        <p:txBody>
-          <a:bodyPr rtlCol="0">
-            <a:normAutofit/>
-          </a:bodyPr>
-          <a:lstStyle/>
-          <a:p>
-            <a:pPr marL="0" indent="0" algn="ctr">
-              <a:lnSpc>
-                <a:spcPts val="2700"/>
-              </a:lnSpc>
-              <a:spcBef>
-                <a:spcPts val="0"/>
-              </a:spcBef>
-              <a:spcAft>
-                <a:spcPts val="600"/>
-              </a:spcAft>
-              <a:buNone/>
-            </a:pPr>
-            <a:r>
-              <a:rPr lang="tr-TR" sz="4000" b="1" dirty="0">
-                <a:latin typeface="Times New Roman" panose="02020603050405020304" pitchFamily="18" charset="0"/>
-                <a:ea typeface="Calibri" panose="020F0502020204030204" pitchFamily="34" charset="0"/>
-                <a:cs typeface="Times New Roman" panose="02020603050405020304" pitchFamily="18" charset="0"/>
-              </a:rPr>
-              <a:t>Bulanık Anlamlandırma:</a:t>
-            </a:r>
-          </a:p>
-        </p:txBody>
-      </p:sp>
-      <p:sp>
-        <p:nvSpPr>
-          <p:cNvPr id="9" name="Slayt Numarası Yer Tutucusu 5">
-            <a:extLst>
-              <a:ext uri="{FF2B5EF4-FFF2-40B4-BE49-F238E27FC236}">
-                <a16:creationId xmlns:a16="http://schemas.microsoft.com/office/drawing/2014/main" id="{4FC290B8-BF94-4636-BFAB-9FD67F4AAC6D}"/>
-              </a:ext>
-            </a:extLst>
-          </p:cNvPr>
-          <p:cNvSpPr>
-            <a:spLocks noGrp="1"/>
-          </p:cNvSpPr>
-          <p:nvPr>
-            <p:ph type="sldNum" sz="quarter" idx="12"/>
-          </p:nvPr>
-        </p:nvSpPr>
-        <p:spPr>
-          <a:xfrm>
-            <a:off x="8610600" y="6356350"/>
-            <a:ext cx="2743200" cy="365125"/>
-          </a:xfrm>
-        </p:spPr>
-        <p:txBody>
-          <a:bodyPr rtlCol="0"/>
-          <a:lstStyle/>
-          <a:p>
-            <a:pPr rtl="0"/>
-            <a:fld id="{D8DA9DAA-006C-4F4B-980E-E3DF019B24E2}" type="slidenum">
-              <a:rPr lang="tr-TR" b="1" cap="all" spc="100" smtClean="0">
-                <a:solidFill>
-                  <a:schemeClr val="accent2"/>
-                </a:solidFill>
-              </a:rPr>
-              <a:t>28</a:t>
-            </a:fld>
-            <a:endParaRPr lang="tr-TR" b="1" cap="all" spc="100" dirty="0">
-              <a:solidFill>
-                <a:schemeClr val="accent2"/>
-              </a:solidFill>
-            </a:endParaRPr>
-          </a:p>
-        </p:txBody>
-      </p:sp>
-      <p:sp>
-        <p:nvSpPr>
-          <p:cNvPr id="3" name="İçerik Yer Tutucusu 2">
-            <a:extLst>
-              <a:ext uri="{FF2B5EF4-FFF2-40B4-BE49-F238E27FC236}">
-                <a16:creationId xmlns:a16="http://schemas.microsoft.com/office/drawing/2014/main" id="{839B2505-A752-6959-A64F-4ADB0FD16C45}"/>
-              </a:ext>
-            </a:extLst>
-          </p:cNvPr>
-          <p:cNvSpPr>
-            <a:spLocks noGrp="1"/>
-          </p:cNvSpPr>
-          <p:nvPr>
-            <p:ph idx="1"/>
-          </p:nvPr>
-        </p:nvSpPr>
-        <p:spPr>
-          <a:xfrm>
-            <a:off x="838200" y="747346"/>
-            <a:ext cx="10515600" cy="5732585"/>
-          </a:xfrm>
-        </p:spPr>
-        <p:txBody>
-          <a:bodyPr>
-            <a:normAutofit/>
-          </a:bodyPr>
-          <a:lstStyle/>
-          <a:p>
-            <a:pPr algn="just">
-              <a:lnSpc>
-                <a:spcPts val="2700"/>
-              </a:lnSpc>
-              <a:spcBef>
-                <a:spcPts val="0"/>
-              </a:spcBef>
-              <a:spcAft>
-                <a:spcPts val="1200"/>
-              </a:spcAft>
-            </a:pPr>
-            <a:r>
-              <a:rPr lang="tr-TR" sz="2000" b="1" dirty="0" err="1">
-                <a:effectLst/>
-                <a:latin typeface="Times New Roman" panose="02020603050405020304" pitchFamily="18" charset="0"/>
-                <a:ea typeface="Calibri" panose="020F0502020204030204" pitchFamily="34" charset="0"/>
-                <a:cs typeface="Times New Roman" panose="02020603050405020304" pitchFamily="18" charset="0"/>
-              </a:rPr>
-              <a:t>Max</a:t>
-            </a:r>
-            <a:r>
-              <a:rPr lang="tr-TR" sz="2000" b="1" dirty="0">
-                <a:effectLst/>
-                <a:latin typeface="Times New Roman" panose="02020603050405020304" pitchFamily="18" charset="0"/>
-                <a:ea typeface="Calibri" panose="020F0502020204030204" pitchFamily="34" charset="0"/>
-                <a:cs typeface="Times New Roman" panose="02020603050405020304" pitchFamily="18" charset="0"/>
-              </a:rPr>
-              <a:t>-çarpım (</a:t>
-            </a:r>
-            <a:r>
-              <a:rPr lang="tr-TR" sz="2000" b="1" dirty="0" err="1">
-                <a:effectLst/>
-                <a:latin typeface="Times New Roman" panose="02020603050405020304" pitchFamily="18" charset="0"/>
-                <a:ea typeface="Calibri" panose="020F0502020204030204" pitchFamily="34" charset="0"/>
-                <a:cs typeface="Times New Roman" panose="02020603050405020304" pitchFamily="18" charset="0"/>
-              </a:rPr>
-              <a:t>max-dot</a:t>
-            </a:r>
-            <a:r>
-              <a:rPr lang="tr-TR" sz="2000" b="1" dirty="0">
-                <a:effectLst/>
-                <a:latin typeface="Times New Roman" panose="02020603050405020304" pitchFamily="18" charset="0"/>
-                <a:ea typeface="Calibri" panose="020F0502020204030204" pitchFamily="34" charset="0"/>
-                <a:cs typeface="Times New Roman" panose="02020603050405020304" pitchFamily="18" charset="0"/>
-              </a:rPr>
-              <a:t>) operatörü kullanarak bulanık çıkarım örneği:</a:t>
-            </a:r>
-          </a:p>
-          <a:p>
-            <a:pPr algn="just">
-              <a:lnSpc>
-                <a:spcPts val="2700"/>
-              </a:lnSpc>
-              <a:spcBef>
-                <a:spcPts val="0"/>
-              </a:spcBef>
-              <a:spcAft>
-                <a:spcPts val="1200"/>
-              </a:spcAft>
-            </a:pPr>
-            <a:r>
-              <a:rPr lang="tr-TR" sz="2000" dirty="0" err="1">
-                <a:latin typeface="Times New Roman" panose="02020603050405020304" pitchFamily="18" charset="0"/>
-                <a:cs typeface="Times New Roman" panose="02020603050405020304" pitchFamily="18" charset="0"/>
-              </a:rPr>
-              <a:t>Giri</a:t>
-            </a:r>
-            <a:r>
-              <a:rPr lang="tr-TR" sz="2000" dirty="0">
-                <a:latin typeface="Times New Roman" panose="02020603050405020304" pitchFamily="18" charset="0"/>
-                <a:cs typeface="Times New Roman" panose="02020603050405020304" pitchFamily="18" charset="0"/>
-              </a:rPr>
-              <a:t> değerleri ait olduğu üyelik fonksiyonunu yeniden ölçeklendirir. Bu ölçeklendirmeye göre çıkı bulanık kümesi de yeniden ölçeklenir. Çıkıştaki bu bulanık kümelerden en büyük olan seçilerek çıkı belirlenir. </a:t>
-            </a:r>
-          </a:p>
-        </p:txBody>
-      </p:sp>
-      <p:pic>
-        <p:nvPicPr>
-          <p:cNvPr id="5" name="Resim 4">
-            <a:extLst>
-              <a:ext uri="{FF2B5EF4-FFF2-40B4-BE49-F238E27FC236}">
-                <a16:creationId xmlns:a16="http://schemas.microsoft.com/office/drawing/2014/main" id="{3E677212-B319-C098-3A2D-0B87950D2DC7}"/>
-              </a:ext>
-            </a:extLst>
-          </p:cNvPr>
-          <p:cNvPicPr>
-            <a:picLocks noChangeAspect="1"/>
-          </p:cNvPicPr>
-          <p:nvPr/>
-        </p:nvPicPr>
-        <p:blipFill>
-          <a:blip r:embed="rId3"/>
-          <a:stretch>
-            <a:fillRect/>
-          </a:stretch>
-        </p:blipFill>
-        <p:spPr>
-          <a:xfrm>
-            <a:off x="3049394" y="2062145"/>
-            <a:ext cx="5971514" cy="4499581"/>
-          </a:xfrm>
-          <a:prstGeom prst="rect">
-            <a:avLst/>
-          </a:prstGeom>
-        </p:spPr>
-      </p:pic>
-    </p:spTree>
-    <p:extLst>
-      <p:ext uri="{BB962C8B-B14F-4D97-AF65-F5344CB8AC3E}">
-        <p14:creationId xmlns:p14="http://schemas.microsoft.com/office/powerpoint/2010/main" val="3382203930"/>
-      </p:ext>
-    </p:extLst>
-  </p:cSld>
-  <p:clrMapOvr>
-    <a:masterClrMapping/>
-  </p:clrMapOvr>
-</p:sld>
-</file>
-
 <file path=ppt/slides/slide29.xml><?xml version="1.0" encoding="utf-8"?>
 <p:sld xmlns:a="http://schemas.openxmlformats.org/drawingml/2006/main" xmlns:r="http://schemas.openxmlformats.org/officeDocument/2006/relationships" xmlns:p="http://schemas.openxmlformats.org/presentationml/2006/main">
   <p:cSld>
@@ -21663,10 +21775,10 @@
       </p:grpSpPr>
       <p:sp>
         <p:nvSpPr>
-          <p:cNvPr id="4" name="Başlık 3">
+          <p:cNvPr id="24" name="Slayt Numarası Yer Tutucusu 23">
             <a:extLst>
               <a:ext uri="{FF2B5EF4-FFF2-40B4-BE49-F238E27FC236}">
-                <a16:creationId xmlns:a16="http://schemas.microsoft.com/office/drawing/2014/main" id="{55E27C7C-4B68-4BBC-BF36-8959D8493E4A}"/>
+                <a16:creationId xmlns:a16="http://schemas.microsoft.com/office/drawing/2014/main" id="{5D838446-B95D-4AB7-B8CA-D5804BB79A11}"/>
               </a:ext>
             </a:extLst>
           </p:cNvPr>
@@ -21674,50 +21786,30 @@
             <a:spLocks noGrp="1"/>
           </p:cNvSpPr>
           <p:nvPr>
-            <p:ph type="title"/>
-          </p:nvPr>
-        </p:nvSpPr>
-        <p:spPr>
-          <a:xfrm>
-            <a:off x="838200" y="136525"/>
-            <a:ext cx="10515600" cy="610821"/>
-          </a:xfrm>
-        </p:spPr>
-        <p:txBody>
-          <a:bodyPr rtlCol="0">
-            <a:normAutofit/>
-          </a:bodyPr>
+            <p:ph type="sldNum" sz="quarter" idx="12"/>
+          </p:nvPr>
+        </p:nvSpPr>
+        <p:spPr/>
+        <p:txBody>
+          <a:bodyPr rtlCol="0"/>
           <a:lstStyle/>
           <a:p>
-            <a:pPr marL="0" indent="0" algn="ctr">
-              <a:lnSpc>
-                <a:spcPts val="2700"/>
-              </a:lnSpc>
-              <a:spcBef>
-                <a:spcPts val="0"/>
-              </a:spcBef>
-              <a:spcAft>
-                <a:spcPts val="600"/>
-              </a:spcAft>
-              <a:buNone/>
-            </a:pPr>
-            <a:r>
-              <a:rPr lang="tr-TR" sz="4000" b="1" dirty="0">
-                <a:latin typeface="Times New Roman" panose="02020603050405020304" pitchFamily="18" charset="0"/>
-                <a:ea typeface="Calibri" panose="020F0502020204030204" pitchFamily="34" charset="0"/>
-                <a:cs typeface="Times New Roman" panose="02020603050405020304" pitchFamily="18" charset="0"/>
-              </a:rPr>
-              <a:t>Bulanık Anlamlandırma:</a:t>
-            </a:r>
-          </a:p>
-        </p:txBody>
-      </p:sp>
-      <p:sp>
-        <p:nvSpPr>
-          <p:cNvPr id="9" name="Slayt Numarası Yer Tutucusu 5">
+            <a:pPr rtl="0"/>
+            <a:fld id="{D8DA9DAA-006C-4F4B-980E-E3DF019B24E2}" type="slidenum">
+              <a:rPr lang="tr-TR" smtClean="0"/>
+              <a:pPr rtl="0"/>
+              <a:t>29</a:t>
+            </a:fld>
+            <a:endParaRPr lang="tr-TR"/>
+          </a:p>
+        </p:txBody>
+      </p:sp>
+      <p:sp>
+        <p:nvSpPr>
+          <p:cNvPr id="23" name="Alt Bilgi Yer Tutucusu 22">
             <a:extLst>
               <a:ext uri="{FF2B5EF4-FFF2-40B4-BE49-F238E27FC236}">
-                <a16:creationId xmlns:a16="http://schemas.microsoft.com/office/drawing/2014/main" id="{4FC290B8-BF94-4636-BFAB-9FD67F4AAC6D}"/>
+                <a16:creationId xmlns:a16="http://schemas.microsoft.com/office/drawing/2014/main" id="{DE8D546E-0F46-4CC0-B2B1-8B2430D00C0C}"/>
               </a:ext>
             </a:extLst>
           </p:cNvPr>
@@ -21725,152 +21817,147 @@
             <a:spLocks noGrp="1"/>
           </p:cNvSpPr>
           <p:nvPr>
-            <p:ph type="sldNum" sz="quarter" idx="12"/>
-          </p:nvPr>
-        </p:nvSpPr>
-        <p:spPr>
-          <a:xfrm>
-            <a:off x="8610600" y="6356350"/>
-            <a:ext cx="2743200" cy="365125"/>
-          </a:xfrm>
-        </p:spPr>
+            <p:ph type="ftr" sz="quarter" idx="11"/>
+          </p:nvPr>
+        </p:nvSpPr>
+        <p:spPr/>
         <p:txBody>
           <a:bodyPr rtlCol="0"/>
           <a:lstStyle/>
           <a:p>
             <a:pPr rtl="0"/>
-            <a:fld id="{D8DA9DAA-006C-4F4B-980E-E3DF019B24E2}" type="slidenum">
-              <a:rPr lang="tr-TR" b="1" cap="all" spc="100" smtClean="0">
-                <a:solidFill>
-                  <a:schemeClr val="accent2"/>
-                </a:solidFill>
-              </a:rPr>
-              <a:t>29</a:t>
-            </a:fld>
-            <a:endParaRPr lang="tr-TR" b="1" cap="all" spc="100" dirty="0">
-              <a:solidFill>
-                <a:schemeClr val="accent2"/>
-              </a:solidFill>
-            </a:endParaRPr>
-          </a:p>
-        </p:txBody>
-      </p:sp>
-      <p:sp>
-        <p:nvSpPr>
-          <p:cNvPr id="3" name="İçerik Yer Tutucusu 2">
+            <a:r>
+              <a:rPr lang="tr-TR" dirty="0"/>
+              <a:t>Bulanık Mantık</a:t>
+            </a:r>
+          </a:p>
+        </p:txBody>
+      </p:sp>
+      <p:pic>
+        <p:nvPicPr>
+          <p:cNvPr id="9" name="Resim Yer Tutucusu 8" descr="gün batımı sırasında dağlar">
             <a:extLst>
               <a:ext uri="{FF2B5EF4-FFF2-40B4-BE49-F238E27FC236}">
-                <a16:creationId xmlns:a16="http://schemas.microsoft.com/office/drawing/2014/main" id="{839B2505-A752-6959-A64F-4ADB0FD16C45}"/>
-              </a:ext>
-            </a:extLst>
-          </p:cNvPr>
-          <p:cNvSpPr>
-            <a:spLocks noGrp="1"/>
-          </p:cNvSpPr>
-          <p:nvPr>
-            <p:ph idx="1"/>
-          </p:nvPr>
-        </p:nvSpPr>
-        <p:spPr>
-          <a:xfrm>
-            <a:off x="838200" y="747346"/>
-            <a:ext cx="10515600" cy="5732585"/>
-          </a:xfrm>
-        </p:spPr>
-        <p:txBody>
-          <a:bodyPr>
-            <a:normAutofit/>
-          </a:bodyPr>
-          <a:lstStyle/>
-          <a:p>
-            <a:pPr algn="just">
-              <a:lnSpc>
-                <a:spcPts val="2700"/>
-              </a:lnSpc>
-              <a:spcBef>
-                <a:spcPts val="0"/>
-              </a:spcBef>
-              <a:spcAft>
-                <a:spcPts val="1200"/>
-              </a:spcAft>
-            </a:pPr>
-            <a:r>
-              <a:rPr lang="tr-TR" sz="2200" b="1" dirty="0" err="1">
-                <a:effectLst/>
-                <a:latin typeface="Times New Roman" panose="02020603050405020304" pitchFamily="18" charset="0"/>
-                <a:ea typeface="Calibri" panose="020F0502020204030204" pitchFamily="34" charset="0"/>
-                <a:cs typeface="Times New Roman" panose="02020603050405020304" pitchFamily="18" charset="0"/>
-              </a:rPr>
-              <a:t>Max</a:t>
-            </a:r>
-            <a:r>
-              <a:rPr lang="tr-TR" sz="2200" b="1" dirty="0">
-                <a:effectLst/>
-                <a:latin typeface="Times New Roman" panose="02020603050405020304" pitchFamily="18" charset="0"/>
-                <a:ea typeface="Calibri" panose="020F0502020204030204" pitchFamily="34" charset="0"/>
-                <a:cs typeface="Times New Roman" panose="02020603050405020304" pitchFamily="18" charset="0"/>
-              </a:rPr>
-              <a:t>-çarpım (</a:t>
-            </a:r>
-            <a:r>
-              <a:rPr lang="tr-TR" sz="2200" b="1" dirty="0" err="1">
-                <a:effectLst/>
-                <a:latin typeface="Times New Roman" panose="02020603050405020304" pitchFamily="18" charset="0"/>
-                <a:ea typeface="Calibri" panose="020F0502020204030204" pitchFamily="34" charset="0"/>
-                <a:cs typeface="Times New Roman" panose="02020603050405020304" pitchFamily="18" charset="0"/>
-              </a:rPr>
-              <a:t>max-dot</a:t>
-            </a:r>
-            <a:r>
-              <a:rPr lang="tr-TR" sz="2200" b="1" dirty="0">
-                <a:effectLst/>
-                <a:latin typeface="Times New Roman" panose="02020603050405020304" pitchFamily="18" charset="0"/>
-                <a:ea typeface="Calibri" panose="020F0502020204030204" pitchFamily="34" charset="0"/>
-                <a:cs typeface="Times New Roman" panose="02020603050405020304" pitchFamily="18" charset="0"/>
-              </a:rPr>
-              <a:t>) operatörü kullanarak bulanık çıkarım örneği:</a:t>
-            </a:r>
-            <a:endParaRPr lang="tr-TR" sz="2200" dirty="0">
-              <a:latin typeface="Times New Roman" panose="02020603050405020304" pitchFamily="18" charset="0"/>
-              <a:cs typeface="Times New Roman" panose="02020603050405020304" pitchFamily="18" charset="0"/>
-            </a:endParaRPr>
-          </a:p>
-        </p:txBody>
-      </p:sp>
-      <p:pic>
-        <p:nvPicPr>
-          <p:cNvPr id="2" name="Resim 1">
-            <a:extLst>
-              <a:ext uri="{FF2B5EF4-FFF2-40B4-BE49-F238E27FC236}">
-                <a16:creationId xmlns:a16="http://schemas.microsoft.com/office/drawing/2014/main" id="{740B3A62-43F4-888C-BB20-B73B49D31326}"/>
+                <a16:creationId xmlns:a16="http://schemas.microsoft.com/office/drawing/2014/main" id="{C82DA925-978C-48A9-98AD-0653B7A3D2D9}"/>
               </a:ext>
             </a:extLst>
           </p:cNvPr>
           <p:cNvPicPr>
-            <a:picLocks noChangeAspect="1"/>
+            <a:picLocks noGrp="1" noChangeAspect="1"/>
           </p:cNvPicPr>
-          <p:nvPr/>
+          <p:nvPr>
+            <p:ph type="pic" sz="quarter" idx="14"/>
+          </p:nvPr>
         </p:nvPicPr>
-        <p:blipFill>
+        <p:blipFill rotWithShape="1">
           <a:blip r:embed="rId3"/>
-          <a:stretch>
-            <a:fillRect/>
-          </a:stretch>
+          <a:srcRect t="41" b="41"/>
+          <a:stretch/>
         </p:blipFill>
-        <p:spPr>
-          <a:xfrm>
-            <a:off x="1604318" y="1522534"/>
-            <a:ext cx="8983364" cy="4325815"/>
-          </a:xfrm>
-          <a:prstGeom prst="rect">
-            <a:avLst/>
-          </a:prstGeom>
-        </p:spPr>
+        <p:spPr/>
+      </p:pic>
+      <p:pic>
+        <p:nvPicPr>
+          <p:cNvPr id="11" name="Resim Yer Tutucusu 10" descr="gün batımı sırasında dağlar">
+            <a:extLst>
+              <a:ext uri="{FF2B5EF4-FFF2-40B4-BE49-F238E27FC236}">
+                <a16:creationId xmlns:a16="http://schemas.microsoft.com/office/drawing/2014/main" id="{E63B7C3F-04A4-43F6-881D-FA11061CBAFA}"/>
+              </a:ext>
+            </a:extLst>
+          </p:cNvPr>
+          <p:cNvPicPr>
+            <a:picLocks noGrp="1" noChangeAspect="1"/>
+          </p:cNvPicPr>
+          <p:nvPr>
+            <p:ph type="pic" sz="quarter" idx="15"/>
+          </p:nvPr>
+        </p:nvPicPr>
+        <p:blipFill rotWithShape="1">
+          <a:blip r:embed="rId4"/>
+          <a:srcRect t="347" b="347"/>
+          <a:stretch/>
+        </p:blipFill>
+        <p:spPr/>
+      </p:pic>
+      <p:sp>
+        <p:nvSpPr>
+          <p:cNvPr id="6" name="Başlık 5">
+            <a:extLst>
+              <a:ext uri="{FF2B5EF4-FFF2-40B4-BE49-F238E27FC236}">
+                <a16:creationId xmlns:a16="http://schemas.microsoft.com/office/drawing/2014/main" id="{FF777B66-94CB-491C-AC6B-BDAC98E21D57}"/>
+              </a:ext>
+            </a:extLst>
+          </p:cNvPr>
+          <p:cNvSpPr>
+            <a:spLocks noGrp="1"/>
+          </p:cNvSpPr>
+          <p:nvPr>
+            <p:ph type="title"/>
+          </p:nvPr>
+        </p:nvSpPr>
+        <p:spPr/>
+        <p:txBody>
+          <a:bodyPr rtlCol="0"/>
+          <a:lstStyle/>
+          <a:p>
+            <a:pPr rtl="0"/>
+            <a:r>
+              <a:rPr lang="tr-TR" dirty="0"/>
+              <a:t>SORULAR…</a:t>
+            </a:r>
+          </a:p>
+        </p:txBody>
+      </p:sp>
+      <p:pic>
+        <p:nvPicPr>
+          <p:cNvPr id="15" name="Resim Yer Tutucusu 14" descr="alacakaranlık gökyüzünün altındaki dağlar">
+            <a:extLst>
+              <a:ext uri="{FF2B5EF4-FFF2-40B4-BE49-F238E27FC236}">
+                <a16:creationId xmlns:a16="http://schemas.microsoft.com/office/drawing/2014/main" id="{3D15FDC1-74B5-4FD8-BD17-0E2502C411A6}"/>
+              </a:ext>
+            </a:extLst>
+          </p:cNvPr>
+          <p:cNvPicPr>
+            <a:picLocks noGrp="1" noChangeAspect="1"/>
+          </p:cNvPicPr>
+          <p:nvPr>
+            <p:ph type="pic" sz="quarter" idx="17"/>
+          </p:nvPr>
+        </p:nvPicPr>
+        <p:blipFill rotWithShape="1">
+          <a:blip r:embed="rId5"/>
+          <a:srcRect l="16" r="16"/>
+          <a:stretch/>
+        </p:blipFill>
+        <p:spPr/>
+      </p:pic>
+      <p:pic>
+        <p:nvPicPr>
+          <p:cNvPr id="13" name="Resim Yer Tutucusu 12" descr="şafaktan hemen önce, karanlık gökyüzünün altındaki dağlar">
+            <a:extLst>
+              <a:ext uri="{FF2B5EF4-FFF2-40B4-BE49-F238E27FC236}">
+                <a16:creationId xmlns:a16="http://schemas.microsoft.com/office/drawing/2014/main" id="{E02C4914-F076-4415-9C5D-A9BDB6CC6110}"/>
+              </a:ext>
+            </a:extLst>
+          </p:cNvPr>
+          <p:cNvPicPr>
+            <a:picLocks noGrp="1" noChangeAspect="1"/>
+          </p:cNvPicPr>
+          <p:nvPr>
+            <p:ph type="pic" sz="quarter" idx="16"/>
+          </p:nvPr>
+        </p:nvPicPr>
+        <p:blipFill rotWithShape="1">
+          <a:blip r:embed="rId6"/>
+          <a:srcRect t="108" b="108"/>
+          <a:stretch/>
+        </p:blipFill>
+        <p:spPr/>
       </p:pic>
     </p:spTree>
     <p:extLst>
       <p:ext uri="{BB962C8B-B14F-4D97-AF65-F5344CB8AC3E}">
-        <p14:creationId xmlns:p14="http://schemas.microsoft.com/office/powerpoint/2010/main" val="186932854"/>
+        <p14:creationId xmlns:p14="http://schemas.microsoft.com/office/powerpoint/2010/main" val="927313156"/>
       </p:ext>
     </p:extLst>
   </p:cSld>
@@ -22197,217 +22284,6 @@
       </p:grpSpPr>
       <p:sp>
         <p:nvSpPr>
-          <p:cNvPr id="24" name="Slayt Numarası Yer Tutucusu 23">
-            <a:extLst>
-              <a:ext uri="{FF2B5EF4-FFF2-40B4-BE49-F238E27FC236}">
-                <a16:creationId xmlns:a16="http://schemas.microsoft.com/office/drawing/2014/main" id="{5D838446-B95D-4AB7-B8CA-D5804BB79A11}"/>
-              </a:ext>
-            </a:extLst>
-          </p:cNvPr>
-          <p:cNvSpPr>
-            <a:spLocks noGrp="1"/>
-          </p:cNvSpPr>
-          <p:nvPr>
-            <p:ph type="sldNum" sz="quarter" idx="12"/>
-          </p:nvPr>
-        </p:nvSpPr>
-        <p:spPr/>
-        <p:txBody>
-          <a:bodyPr rtlCol="0"/>
-          <a:lstStyle/>
-          <a:p>
-            <a:pPr rtl="0"/>
-            <a:fld id="{D8DA9DAA-006C-4F4B-980E-E3DF019B24E2}" type="slidenum">
-              <a:rPr lang="tr-TR" smtClean="0"/>
-              <a:pPr rtl="0"/>
-              <a:t>30</a:t>
-            </a:fld>
-            <a:endParaRPr lang="tr-TR"/>
-          </a:p>
-        </p:txBody>
-      </p:sp>
-      <p:sp>
-        <p:nvSpPr>
-          <p:cNvPr id="23" name="Alt Bilgi Yer Tutucusu 22">
-            <a:extLst>
-              <a:ext uri="{FF2B5EF4-FFF2-40B4-BE49-F238E27FC236}">
-                <a16:creationId xmlns:a16="http://schemas.microsoft.com/office/drawing/2014/main" id="{DE8D546E-0F46-4CC0-B2B1-8B2430D00C0C}"/>
-              </a:ext>
-            </a:extLst>
-          </p:cNvPr>
-          <p:cNvSpPr>
-            <a:spLocks noGrp="1"/>
-          </p:cNvSpPr>
-          <p:nvPr>
-            <p:ph type="ftr" sz="quarter" idx="11"/>
-          </p:nvPr>
-        </p:nvSpPr>
-        <p:spPr/>
-        <p:txBody>
-          <a:bodyPr rtlCol="0"/>
-          <a:lstStyle/>
-          <a:p>
-            <a:pPr rtl="0"/>
-            <a:r>
-              <a:rPr lang="tr-TR" dirty="0"/>
-              <a:t>Bulanık Mantık</a:t>
-            </a:r>
-          </a:p>
-        </p:txBody>
-      </p:sp>
-      <p:pic>
-        <p:nvPicPr>
-          <p:cNvPr id="9" name="Resim Yer Tutucusu 8" descr="gün batımı sırasında dağlar">
-            <a:extLst>
-              <a:ext uri="{FF2B5EF4-FFF2-40B4-BE49-F238E27FC236}">
-                <a16:creationId xmlns:a16="http://schemas.microsoft.com/office/drawing/2014/main" id="{C82DA925-978C-48A9-98AD-0653B7A3D2D9}"/>
-              </a:ext>
-            </a:extLst>
-          </p:cNvPr>
-          <p:cNvPicPr>
-            <a:picLocks noGrp="1" noChangeAspect="1"/>
-          </p:cNvPicPr>
-          <p:nvPr>
-            <p:ph type="pic" sz="quarter" idx="14"/>
-          </p:nvPr>
-        </p:nvPicPr>
-        <p:blipFill rotWithShape="1">
-          <a:blip r:embed="rId3"/>
-          <a:srcRect t="41" b="41"/>
-          <a:stretch/>
-        </p:blipFill>
-        <p:spPr/>
-      </p:pic>
-      <p:pic>
-        <p:nvPicPr>
-          <p:cNvPr id="11" name="Resim Yer Tutucusu 10" descr="gün batımı sırasında dağlar">
-            <a:extLst>
-              <a:ext uri="{FF2B5EF4-FFF2-40B4-BE49-F238E27FC236}">
-                <a16:creationId xmlns:a16="http://schemas.microsoft.com/office/drawing/2014/main" id="{E63B7C3F-04A4-43F6-881D-FA11061CBAFA}"/>
-              </a:ext>
-            </a:extLst>
-          </p:cNvPr>
-          <p:cNvPicPr>
-            <a:picLocks noGrp="1" noChangeAspect="1"/>
-          </p:cNvPicPr>
-          <p:nvPr>
-            <p:ph type="pic" sz="quarter" idx="15"/>
-          </p:nvPr>
-        </p:nvPicPr>
-        <p:blipFill rotWithShape="1">
-          <a:blip r:embed="rId4"/>
-          <a:srcRect t="347" b="347"/>
-          <a:stretch/>
-        </p:blipFill>
-        <p:spPr/>
-      </p:pic>
-      <p:sp>
-        <p:nvSpPr>
-          <p:cNvPr id="6" name="Başlık 5">
-            <a:extLst>
-              <a:ext uri="{FF2B5EF4-FFF2-40B4-BE49-F238E27FC236}">
-                <a16:creationId xmlns:a16="http://schemas.microsoft.com/office/drawing/2014/main" id="{FF777B66-94CB-491C-AC6B-BDAC98E21D57}"/>
-              </a:ext>
-            </a:extLst>
-          </p:cNvPr>
-          <p:cNvSpPr>
-            <a:spLocks noGrp="1"/>
-          </p:cNvSpPr>
-          <p:nvPr>
-            <p:ph type="title"/>
-          </p:nvPr>
-        </p:nvSpPr>
-        <p:spPr/>
-        <p:txBody>
-          <a:bodyPr rtlCol="0"/>
-          <a:lstStyle/>
-          <a:p>
-            <a:pPr rtl="0"/>
-            <a:r>
-              <a:rPr lang="tr-TR" dirty="0"/>
-              <a:t>SORULAR…</a:t>
-            </a:r>
-          </a:p>
-        </p:txBody>
-      </p:sp>
-      <p:pic>
-        <p:nvPicPr>
-          <p:cNvPr id="15" name="Resim Yer Tutucusu 14" descr="alacakaranlık gökyüzünün altındaki dağlar">
-            <a:extLst>
-              <a:ext uri="{FF2B5EF4-FFF2-40B4-BE49-F238E27FC236}">
-                <a16:creationId xmlns:a16="http://schemas.microsoft.com/office/drawing/2014/main" id="{3D15FDC1-74B5-4FD8-BD17-0E2502C411A6}"/>
-              </a:ext>
-            </a:extLst>
-          </p:cNvPr>
-          <p:cNvPicPr>
-            <a:picLocks noGrp="1" noChangeAspect="1"/>
-          </p:cNvPicPr>
-          <p:nvPr>
-            <p:ph type="pic" sz="quarter" idx="17"/>
-          </p:nvPr>
-        </p:nvPicPr>
-        <p:blipFill rotWithShape="1">
-          <a:blip r:embed="rId5"/>
-          <a:srcRect l="16" r="16"/>
-          <a:stretch/>
-        </p:blipFill>
-        <p:spPr/>
-      </p:pic>
-      <p:pic>
-        <p:nvPicPr>
-          <p:cNvPr id="13" name="Resim Yer Tutucusu 12" descr="şafaktan hemen önce, karanlık gökyüzünün altındaki dağlar">
-            <a:extLst>
-              <a:ext uri="{FF2B5EF4-FFF2-40B4-BE49-F238E27FC236}">
-                <a16:creationId xmlns:a16="http://schemas.microsoft.com/office/drawing/2014/main" id="{E02C4914-F076-4415-9C5D-A9BDB6CC6110}"/>
-              </a:ext>
-            </a:extLst>
-          </p:cNvPr>
-          <p:cNvPicPr>
-            <a:picLocks noGrp="1" noChangeAspect="1"/>
-          </p:cNvPicPr>
-          <p:nvPr>
-            <p:ph type="pic" sz="quarter" idx="16"/>
-          </p:nvPr>
-        </p:nvPicPr>
-        <p:blipFill rotWithShape="1">
-          <a:blip r:embed="rId6"/>
-          <a:srcRect t="108" b="108"/>
-          <a:stretch/>
-        </p:blipFill>
-        <p:spPr/>
-      </p:pic>
-    </p:spTree>
-    <p:extLst>
-      <p:ext uri="{BB962C8B-B14F-4D97-AF65-F5344CB8AC3E}">
-        <p14:creationId xmlns:p14="http://schemas.microsoft.com/office/powerpoint/2010/main" val="927313156"/>
-      </p:ext>
-    </p:extLst>
-  </p:cSld>
-  <p:clrMapOvr>
-    <a:masterClrMapping/>
-  </p:clrMapOvr>
-</p:sld>
-</file>
-
-<file path=ppt/slides/slide31.xml><?xml version="1.0" encoding="utf-8"?>
-<p:sld xmlns:a="http://schemas.openxmlformats.org/drawingml/2006/main" xmlns:r="http://schemas.openxmlformats.org/officeDocument/2006/relationships" xmlns:p="http://schemas.openxmlformats.org/presentationml/2006/main">
-  <p:cSld>
-    <p:spTree>
-      <p:nvGrpSpPr>
-        <p:cNvPr id="1" name=""/>
-        <p:cNvGrpSpPr/>
-        <p:nvPr/>
-      </p:nvGrpSpPr>
-      <p:grpSpPr>
-        <a:xfrm>
-          <a:off x="0" y="0"/>
-          <a:ext cx="0" cy="0"/>
-          <a:chOff x="0" y="0"/>
-          <a:chExt cx="0" cy="0"/>
-        </a:xfrm>
-      </p:grpSpPr>
-      <p:sp>
-        <p:nvSpPr>
           <p:cNvPr id="4" name="Başlık 3">
             <a:extLst>
               <a:ext uri="{FF2B5EF4-FFF2-40B4-BE49-F238E27FC236}">
@@ -22475,7 +22351,7 @@
                   <a:schemeClr val="accent2"/>
                 </a:solidFill>
               </a:rPr>
-              <a:t>31</a:t>
+              <a:t>30</a:t>
             </a:fld>
             <a:endParaRPr lang="tr-TR" b="1" cap="all" spc="100" dirty="0">
               <a:solidFill>
@@ -25364,12 +25240,12 @@
 </file>
 
 <file path=customXml/item1.xml><?xml version="1.0" encoding="utf-8"?>
-<?mso-contentType ?>
-<FormTemplates xmlns="http://schemas.microsoft.com/sharepoint/v3/contenttype/forms">
-  <Display>DocumentLibraryForm</Display>
-  <Edit>DocumentLibraryForm</Edit>
-  <New>DocumentLibraryForm</New>
-</FormTemplates>
+<p:properties xmlns:p="http://schemas.microsoft.com/office/2006/metadata/properties" xmlns:xsi="http://www.w3.org/2001/XMLSchema-instance" xmlns:pc="http://schemas.microsoft.com/office/infopath/2007/PartnerControls">
+  <documentManagement>
+    <Status xmlns="71af3243-3dd4-4a8d-8c0d-dd76da1f02a5">Not started</Status>
+    <MediaServiceKeyPoints xmlns="71af3243-3dd4-4a8d-8c0d-dd76da1f02a5" xsi:nil="true"/>
+  </documentManagement>
+</p:properties>
 </file>
 
 <file path=customXml/item2.xml><?xml version="1.0" encoding="utf-8"?>
@@ -25594,18 +25470,20 @@
 </file>
 
 <file path=customXml/item3.xml><?xml version="1.0" encoding="utf-8"?>
-<p:properties xmlns:p="http://schemas.microsoft.com/office/2006/metadata/properties" xmlns:xsi="http://www.w3.org/2001/XMLSchema-instance" xmlns:pc="http://schemas.microsoft.com/office/infopath/2007/PartnerControls">
-  <documentManagement>
-    <Status xmlns="71af3243-3dd4-4a8d-8c0d-dd76da1f02a5">Not started</Status>
-    <MediaServiceKeyPoints xmlns="71af3243-3dd4-4a8d-8c0d-dd76da1f02a5" xsi:nil="true"/>
-  </documentManagement>
-</p:properties>
+<?mso-contentType ?>
+<FormTemplates xmlns="http://schemas.microsoft.com/sharepoint/v3/contenttype/forms">
+  <Display>DocumentLibraryForm</Display>
+  <Edit>DocumentLibraryForm</Edit>
+  <New>DocumentLibraryForm</New>
+</FormTemplates>
 </file>
 
 <file path=customXml/itemProps1.xml><?xml version="1.0" encoding="utf-8"?>
-<ds:datastoreItem xmlns:ds="http://schemas.openxmlformats.org/officeDocument/2006/customXml" ds:itemID="{3C8E00D1-8EA3-4E42-801D-0253E1EAFC21}">
+<ds:datastoreItem xmlns:ds="http://schemas.openxmlformats.org/officeDocument/2006/customXml" ds:itemID="{99919F73-B6C2-4A43-95E2-833EC48925FE}">
   <ds:schemaRefs>
-    <ds:schemaRef ds:uri="http://schemas.microsoft.com/sharepoint/v3/contenttype/forms"/>
+    <ds:schemaRef ds:uri="http://schemas.microsoft.com/office/2006/metadata/properties"/>
+    <ds:schemaRef ds:uri="http://schemas.microsoft.com/office/infopath/2007/PartnerControls"/>
+    <ds:schemaRef ds:uri="71af3243-3dd4-4a8d-8c0d-dd76da1f02a5"/>
   </ds:schemaRefs>
 </ds:datastoreItem>
 </file>
@@ -25630,11 +25508,9 @@
 </file>
 
 <file path=customXml/itemProps3.xml><?xml version="1.0" encoding="utf-8"?>
-<ds:datastoreItem xmlns:ds="http://schemas.openxmlformats.org/officeDocument/2006/customXml" ds:itemID="{99919F73-B6C2-4A43-95E2-833EC48925FE}">
+<ds:datastoreItem xmlns:ds="http://schemas.openxmlformats.org/officeDocument/2006/customXml" ds:itemID="{3C8E00D1-8EA3-4E42-801D-0253E1EAFC21}">
   <ds:schemaRefs>
-    <ds:schemaRef ds:uri="http://schemas.microsoft.com/office/2006/metadata/properties"/>
-    <ds:schemaRef ds:uri="http://schemas.microsoft.com/office/infopath/2007/PartnerControls"/>
-    <ds:schemaRef ds:uri="71af3243-3dd4-4a8d-8c0d-dd76da1f02a5"/>
+    <ds:schemaRef ds:uri="http://schemas.microsoft.com/sharepoint/v3/contenttype/forms"/>
   </ds:schemaRefs>
 </ds:datastoreItem>
 </file>